--- a/method.pptx
+++ b/method.pptx
@@ -104,6 +104,11 @@
       </a:defRPr>
     </a:lvl9pPr>
   </p:defaultTextStyle>
+  <p:extLst>
+    <p:ext uri="{EFAFB233-063F-42B5-8137-9DF3F51BA10A}">
+      <p15:sldGuideLst xmlns:p15="http://schemas.microsoft.com/office/powerpoint/2012/main"/>
+    </p:ext>
+  </p:extLst>
 </p:presentation>
 </file>
 
@@ -254,7 +259,7 @@
           <a:p>
             <a:fld id="{F31085FA-9092-4DD3-976C-E925BD9FA8C5}" type="datetimeFigureOut">
               <a:rPr lang="zh-CN" altLang="en-US" smtClean="0"/>
-              <a:t>2024/11/18</a:t>
+              <a:t>2024/11/22</a:t>
             </a:fld>
             <a:endParaRPr lang="zh-CN" altLang="en-US"/>
           </a:p>
@@ -452,7 +457,7 @@
           <a:p>
             <a:fld id="{F31085FA-9092-4DD3-976C-E925BD9FA8C5}" type="datetimeFigureOut">
               <a:rPr lang="zh-CN" altLang="en-US" smtClean="0"/>
-              <a:t>2024/11/18</a:t>
+              <a:t>2024/11/22</a:t>
             </a:fld>
             <a:endParaRPr lang="zh-CN" altLang="en-US"/>
           </a:p>
@@ -660,7 +665,7 @@
           <a:p>
             <a:fld id="{F31085FA-9092-4DD3-976C-E925BD9FA8C5}" type="datetimeFigureOut">
               <a:rPr lang="zh-CN" altLang="en-US" smtClean="0"/>
-              <a:t>2024/11/18</a:t>
+              <a:t>2024/11/22</a:t>
             </a:fld>
             <a:endParaRPr lang="zh-CN" altLang="en-US"/>
           </a:p>
@@ -858,7 +863,7 @@
           <a:p>
             <a:fld id="{F31085FA-9092-4DD3-976C-E925BD9FA8C5}" type="datetimeFigureOut">
               <a:rPr lang="zh-CN" altLang="en-US" smtClean="0"/>
-              <a:t>2024/11/18</a:t>
+              <a:t>2024/11/22</a:t>
             </a:fld>
             <a:endParaRPr lang="zh-CN" altLang="en-US"/>
           </a:p>
@@ -1133,7 +1138,7 @@
           <a:p>
             <a:fld id="{F31085FA-9092-4DD3-976C-E925BD9FA8C5}" type="datetimeFigureOut">
               <a:rPr lang="zh-CN" altLang="en-US" smtClean="0"/>
-              <a:t>2024/11/18</a:t>
+              <a:t>2024/11/22</a:t>
             </a:fld>
             <a:endParaRPr lang="zh-CN" altLang="en-US"/>
           </a:p>
@@ -1398,7 +1403,7 @@
           <a:p>
             <a:fld id="{F31085FA-9092-4DD3-976C-E925BD9FA8C5}" type="datetimeFigureOut">
               <a:rPr lang="zh-CN" altLang="en-US" smtClean="0"/>
-              <a:t>2024/11/18</a:t>
+              <a:t>2024/11/22</a:t>
             </a:fld>
             <a:endParaRPr lang="zh-CN" altLang="en-US"/>
           </a:p>
@@ -1810,7 +1815,7 @@
           <a:p>
             <a:fld id="{F31085FA-9092-4DD3-976C-E925BD9FA8C5}" type="datetimeFigureOut">
               <a:rPr lang="zh-CN" altLang="en-US" smtClean="0"/>
-              <a:t>2024/11/18</a:t>
+              <a:t>2024/11/22</a:t>
             </a:fld>
             <a:endParaRPr lang="zh-CN" altLang="en-US"/>
           </a:p>
@@ -1951,7 +1956,7 @@
           <a:p>
             <a:fld id="{F31085FA-9092-4DD3-976C-E925BD9FA8C5}" type="datetimeFigureOut">
               <a:rPr lang="zh-CN" altLang="en-US" smtClean="0"/>
-              <a:t>2024/11/18</a:t>
+              <a:t>2024/11/22</a:t>
             </a:fld>
             <a:endParaRPr lang="zh-CN" altLang="en-US"/>
           </a:p>
@@ -2064,7 +2069,7 @@
           <a:p>
             <a:fld id="{F31085FA-9092-4DD3-976C-E925BD9FA8C5}" type="datetimeFigureOut">
               <a:rPr lang="zh-CN" altLang="en-US" smtClean="0"/>
-              <a:t>2024/11/18</a:t>
+              <a:t>2024/11/22</a:t>
             </a:fld>
             <a:endParaRPr lang="zh-CN" altLang="en-US"/>
           </a:p>
@@ -2375,7 +2380,7 @@
           <a:p>
             <a:fld id="{F31085FA-9092-4DD3-976C-E925BD9FA8C5}" type="datetimeFigureOut">
               <a:rPr lang="zh-CN" altLang="en-US" smtClean="0"/>
-              <a:t>2024/11/18</a:t>
+              <a:t>2024/11/22</a:t>
             </a:fld>
             <a:endParaRPr lang="zh-CN" altLang="en-US"/>
           </a:p>
@@ -2663,7 +2668,7 @@
           <a:p>
             <a:fld id="{F31085FA-9092-4DD3-976C-E925BD9FA8C5}" type="datetimeFigureOut">
               <a:rPr lang="zh-CN" altLang="en-US" smtClean="0"/>
-              <a:t>2024/11/18</a:t>
+              <a:t>2024/11/22</a:t>
             </a:fld>
             <a:endParaRPr lang="zh-CN" altLang="en-US"/>
           </a:p>
@@ -2904,7 +2909,7 @@
           <a:p>
             <a:fld id="{F31085FA-9092-4DD3-976C-E925BD9FA8C5}" type="datetimeFigureOut">
               <a:rPr lang="zh-CN" altLang="en-US" smtClean="0"/>
-              <a:t>2024/11/18</a:t>
+              <a:t>2024/11/22</a:t>
             </a:fld>
             <a:endParaRPr lang="zh-CN" altLang="en-US"/>
           </a:p>

--- a/method.pptx
+++ b/method.pptx
@@ -6,6 +6,7 @@
   </p:sldMasterIdLst>
   <p:sldIdLst>
     <p:sldId id="256" r:id="rId2"/>
+    <p:sldId id="257" r:id="rId3"/>
   </p:sldIdLst>
   <p:sldSz cx="12192000" cy="6858000"/>
   <p:notesSz cx="6858000" cy="9144000"/>
@@ -106,7 +107,18 @@
   </p:defaultTextStyle>
   <p:extLst>
     <p:ext uri="{EFAFB233-063F-42B5-8137-9DF3F51BA10A}">
-      <p15:sldGuideLst xmlns:p15="http://schemas.microsoft.com/office/powerpoint/2012/main"/>
+      <p15:sldGuideLst xmlns:p15="http://schemas.microsoft.com/office/powerpoint/2012/main">
+        <p15:guide id="1" orient="horz" pos="2160" userDrawn="1">
+          <p15:clr>
+            <a:srgbClr val="A4A3A4"/>
+          </p15:clr>
+        </p15:guide>
+        <p15:guide id="2" pos="2479" userDrawn="1">
+          <p15:clr>
+            <a:srgbClr val="A4A3A4"/>
+          </p15:clr>
+        </p15:guide>
+      </p15:sldGuideLst>
     </p:ext>
   </p:extLst>
 </p:presentation>
@@ -259,7 +271,7 @@
           <a:p>
             <a:fld id="{F31085FA-9092-4DD3-976C-E925BD9FA8C5}" type="datetimeFigureOut">
               <a:rPr lang="zh-CN" altLang="en-US" smtClean="0"/>
-              <a:t>2024/11/22</a:t>
+              <a:t>2024/11/24</a:t>
             </a:fld>
             <a:endParaRPr lang="zh-CN" altLang="en-US"/>
           </a:p>
@@ -457,7 +469,7 @@
           <a:p>
             <a:fld id="{F31085FA-9092-4DD3-976C-E925BD9FA8C5}" type="datetimeFigureOut">
               <a:rPr lang="zh-CN" altLang="en-US" smtClean="0"/>
-              <a:t>2024/11/22</a:t>
+              <a:t>2024/11/24</a:t>
             </a:fld>
             <a:endParaRPr lang="zh-CN" altLang="en-US"/>
           </a:p>
@@ -665,7 +677,7 @@
           <a:p>
             <a:fld id="{F31085FA-9092-4DD3-976C-E925BD9FA8C5}" type="datetimeFigureOut">
               <a:rPr lang="zh-CN" altLang="en-US" smtClean="0"/>
-              <a:t>2024/11/22</a:t>
+              <a:t>2024/11/24</a:t>
             </a:fld>
             <a:endParaRPr lang="zh-CN" altLang="en-US"/>
           </a:p>
@@ -863,7 +875,7 @@
           <a:p>
             <a:fld id="{F31085FA-9092-4DD3-976C-E925BD9FA8C5}" type="datetimeFigureOut">
               <a:rPr lang="zh-CN" altLang="en-US" smtClean="0"/>
-              <a:t>2024/11/22</a:t>
+              <a:t>2024/11/24</a:t>
             </a:fld>
             <a:endParaRPr lang="zh-CN" altLang="en-US"/>
           </a:p>
@@ -1138,7 +1150,7 @@
           <a:p>
             <a:fld id="{F31085FA-9092-4DD3-976C-E925BD9FA8C5}" type="datetimeFigureOut">
               <a:rPr lang="zh-CN" altLang="en-US" smtClean="0"/>
-              <a:t>2024/11/22</a:t>
+              <a:t>2024/11/24</a:t>
             </a:fld>
             <a:endParaRPr lang="zh-CN" altLang="en-US"/>
           </a:p>
@@ -1403,7 +1415,7 @@
           <a:p>
             <a:fld id="{F31085FA-9092-4DD3-976C-E925BD9FA8C5}" type="datetimeFigureOut">
               <a:rPr lang="zh-CN" altLang="en-US" smtClean="0"/>
-              <a:t>2024/11/22</a:t>
+              <a:t>2024/11/24</a:t>
             </a:fld>
             <a:endParaRPr lang="zh-CN" altLang="en-US"/>
           </a:p>
@@ -1815,7 +1827,7 @@
           <a:p>
             <a:fld id="{F31085FA-9092-4DD3-976C-E925BD9FA8C5}" type="datetimeFigureOut">
               <a:rPr lang="zh-CN" altLang="en-US" smtClean="0"/>
-              <a:t>2024/11/22</a:t>
+              <a:t>2024/11/24</a:t>
             </a:fld>
             <a:endParaRPr lang="zh-CN" altLang="en-US"/>
           </a:p>
@@ -1956,7 +1968,7 @@
           <a:p>
             <a:fld id="{F31085FA-9092-4DD3-976C-E925BD9FA8C5}" type="datetimeFigureOut">
               <a:rPr lang="zh-CN" altLang="en-US" smtClean="0"/>
-              <a:t>2024/11/22</a:t>
+              <a:t>2024/11/24</a:t>
             </a:fld>
             <a:endParaRPr lang="zh-CN" altLang="en-US"/>
           </a:p>
@@ -2069,7 +2081,7 @@
           <a:p>
             <a:fld id="{F31085FA-9092-4DD3-976C-E925BD9FA8C5}" type="datetimeFigureOut">
               <a:rPr lang="zh-CN" altLang="en-US" smtClean="0"/>
-              <a:t>2024/11/22</a:t>
+              <a:t>2024/11/24</a:t>
             </a:fld>
             <a:endParaRPr lang="zh-CN" altLang="en-US"/>
           </a:p>
@@ -2380,7 +2392,7 @@
           <a:p>
             <a:fld id="{F31085FA-9092-4DD3-976C-E925BD9FA8C5}" type="datetimeFigureOut">
               <a:rPr lang="zh-CN" altLang="en-US" smtClean="0"/>
-              <a:t>2024/11/22</a:t>
+              <a:t>2024/11/24</a:t>
             </a:fld>
             <a:endParaRPr lang="zh-CN" altLang="en-US"/>
           </a:p>
@@ -2668,7 +2680,7 @@
           <a:p>
             <a:fld id="{F31085FA-9092-4DD3-976C-E925BD9FA8C5}" type="datetimeFigureOut">
               <a:rPr lang="zh-CN" altLang="en-US" smtClean="0"/>
-              <a:t>2024/11/22</a:t>
+              <a:t>2024/11/24</a:t>
             </a:fld>
             <a:endParaRPr lang="zh-CN" altLang="en-US"/>
           </a:p>
@@ -2909,7 +2921,7 @@
           <a:p>
             <a:fld id="{F31085FA-9092-4DD3-976C-E925BD9FA8C5}" type="datetimeFigureOut">
               <a:rPr lang="zh-CN" altLang="en-US" smtClean="0"/>
-              <a:t>2024/11/22</a:t>
+              <a:t>2024/11/24</a:t>
             </a:fld>
             <a:endParaRPr lang="zh-CN" altLang="en-US"/>
           </a:p>
@@ -3340,7 +3352,7 @@
         </p:nvSpPr>
         <p:spPr>
           <a:xfrm>
-            <a:off x="355747" y="889591"/>
+            <a:off x="388388" y="829281"/>
             <a:ext cx="11373293" cy="5220586"/>
           </a:xfrm>
           <a:prstGeom prst="roundRect">
@@ -3374,16 +3386,16 @@
           <a:lstStyle/>
           <a:p>
             <a:pPr algn="ctr"/>
-            <a:endParaRPr lang="zh-CN" altLang="en-US"/>
-          </a:p>
-        </p:txBody>
-      </p:sp>
-      <p:sp>
-        <p:nvSpPr>
-          <p:cNvPr id="5" name="矩形 4">
-            <a:extLst>
-              <a:ext uri="{FF2B5EF4-FFF2-40B4-BE49-F238E27FC236}">
-                <a16:creationId xmlns:a16="http://schemas.microsoft.com/office/drawing/2014/main" id="{04581ECC-F989-5773-D4BF-C65CACF792EC}"/>
+            <a:endParaRPr lang="zh-CN" altLang="en-US" dirty="0"/>
+          </a:p>
+        </p:txBody>
+      </p:sp>
+      <p:sp>
+        <p:nvSpPr>
+          <p:cNvPr id="2" name="矩形 1">
+            <a:extLst>
+              <a:ext uri="{FF2B5EF4-FFF2-40B4-BE49-F238E27FC236}">
+                <a16:creationId xmlns:a16="http://schemas.microsoft.com/office/drawing/2014/main" id="{73C63659-19F3-7A8F-A4A5-A2DCA392CCF1}"/>
               </a:ext>
             </a:extLst>
           </p:cNvPr>
@@ -3392,24 +3404,17 @@
         </p:nvSpPr>
         <p:spPr>
           <a:xfrm>
-            <a:off x="871870" y="1573619"/>
-            <a:ext cx="673395" cy="673395"/>
+            <a:off x="2687913" y="1598989"/>
+            <a:ext cx="1380018" cy="576000"/>
           </a:xfrm>
           <a:prstGeom prst="rect">
             <a:avLst/>
           </a:prstGeom>
           <a:solidFill>
-            <a:schemeClr val="accent4">
-              <a:lumMod val="40000"/>
-              <a:lumOff val="60000"/>
-            </a:schemeClr>
+            <a:srgbClr val="FFCC80"/>
           </a:solidFill>
           <a:ln>
-            <a:solidFill>
-              <a:schemeClr val="accent4">
-                <a:lumMod val="75000"/>
-              </a:schemeClr>
-            </a:solidFill>
+            <a:noFill/>
           </a:ln>
         </p:spPr>
         <p:style>
@@ -3433,16 +3438,28 @@
           <a:lstStyle/>
           <a:p>
             <a:pPr algn="ctr"/>
-            <a:endParaRPr lang="zh-CN" altLang="en-US"/>
-          </a:p>
-        </p:txBody>
-      </p:sp>
-      <p:sp>
-        <p:nvSpPr>
-          <p:cNvPr id="6" name="矩形 5">
-            <a:extLst>
-              <a:ext uri="{FF2B5EF4-FFF2-40B4-BE49-F238E27FC236}">
-                <a16:creationId xmlns:a16="http://schemas.microsoft.com/office/drawing/2014/main" id="{E76FA94B-4690-703B-5D64-BA6C475C220B}"/>
+            <a:r>
+              <a:rPr lang="en-US" altLang="zh-CN" dirty="0">
+                <a:solidFill>
+                  <a:schemeClr val="tx1"/>
+                </a:solidFill>
+              </a:rPr>
+              <a:t>conv</a:t>
+            </a:r>
+            <a:endParaRPr lang="zh-CN" altLang="en-US" dirty="0">
+              <a:solidFill>
+                <a:schemeClr val="tx1"/>
+              </a:solidFill>
+            </a:endParaRPr>
+          </a:p>
+        </p:txBody>
+      </p:sp>
+      <p:sp>
+        <p:nvSpPr>
+          <p:cNvPr id="3" name="矩形 2">
+            <a:extLst>
+              <a:ext uri="{FF2B5EF4-FFF2-40B4-BE49-F238E27FC236}">
+                <a16:creationId xmlns:a16="http://schemas.microsoft.com/office/drawing/2014/main" id="{EB840DF3-098C-A089-CA53-5285FDD91495}"/>
               </a:ext>
             </a:extLst>
           </p:cNvPr>
@@ -3451,24 +3468,17 @@
         </p:nvSpPr>
         <p:spPr>
           <a:xfrm>
-            <a:off x="992372" y="1481470"/>
-            <a:ext cx="673395" cy="673395"/>
+            <a:off x="2687913" y="2946939"/>
+            <a:ext cx="1380019" cy="576000"/>
           </a:xfrm>
           <a:prstGeom prst="rect">
             <a:avLst/>
           </a:prstGeom>
           <a:solidFill>
-            <a:schemeClr val="accent4">
-              <a:lumMod val="40000"/>
-              <a:lumOff val="60000"/>
-            </a:schemeClr>
+            <a:srgbClr val="FFCC80"/>
           </a:solidFill>
           <a:ln>
-            <a:solidFill>
-              <a:schemeClr val="accent4">
-                <a:lumMod val="75000"/>
-              </a:schemeClr>
-            </a:solidFill>
+            <a:noFill/>
           </a:ln>
         </p:spPr>
         <p:style>
@@ -3492,16 +3502,28 @@
           <a:lstStyle/>
           <a:p>
             <a:pPr algn="ctr"/>
-            <a:endParaRPr lang="zh-CN" altLang="en-US"/>
-          </a:p>
-        </p:txBody>
-      </p:sp>
-      <p:sp>
-        <p:nvSpPr>
-          <p:cNvPr id="7" name="矩形 6">
-            <a:extLst>
-              <a:ext uri="{FF2B5EF4-FFF2-40B4-BE49-F238E27FC236}">
-                <a16:creationId xmlns:a16="http://schemas.microsoft.com/office/drawing/2014/main" id="{F1484244-246D-97F8-80DB-0230E3E8F99C}"/>
+            <a:r>
+              <a:rPr lang="en-US" altLang="zh-CN" dirty="0">
+                <a:solidFill>
+                  <a:schemeClr val="tx1"/>
+                </a:solidFill>
+              </a:rPr>
+              <a:t>BatchNorm</a:t>
+            </a:r>
+            <a:endParaRPr lang="zh-CN" altLang="en-US" dirty="0">
+              <a:solidFill>
+                <a:schemeClr val="tx1"/>
+              </a:solidFill>
+            </a:endParaRPr>
+          </a:p>
+        </p:txBody>
+      </p:sp>
+      <p:sp>
+        <p:nvSpPr>
+          <p:cNvPr id="10" name="矩形 9">
+            <a:extLst>
+              <a:ext uri="{FF2B5EF4-FFF2-40B4-BE49-F238E27FC236}">
+                <a16:creationId xmlns:a16="http://schemas.microsoft.com/office/drawing/2014/main" id="{5AACE57F-F51B-8592-F402-2170B399A211}"/>
               </a:ext>
             </a:extLst>
           </p:cNvPr>
@@ -3510,24 +3532,17 @@
         </p:nvSpPr>
         <p:spPr>
           <a:xfrm>
-            <a:off x="1112874" y="1389321"/>
-            <a:ext cx="673395" cy="673395"/>
+            <a:off x="2687913" y="4294889"/>
+            <a:ext cx="1380019" cy="576000"/>
           </a:xfrm>
           <a:prstGeom prst="rect">
             <a:avLst/>
           </a:prstGeom>
           <a:solidFill>
-            <a:schemeClr val="accent4">
-              <a:lumMod val="40000"/>
-              <a:lumOff val="60000"/>
-            </a:schemeClr>
+            <a:srgbClr val="FFCC80"/>
           </a:solidFill>
           <a:ln>
-            <a:solidFill>
-              <a:schemeClr val="accent4">
-                <a:lumMod val="75000"/>
-              </a:schemeClr>
-            </a:solidFill>
+            <a:noFill/>
           </a:ln>
         </p:spPr>
         <p:style>
@@ -3551,16 +3566,28 @@
           <a:lstStyle/>
           <a:p>
             <a:pPr algn="ctr"/>
-            <a:endParaRPr lang="zh-CN" altLang="en-US"/>
-          </a:p>
-        </p:txBody>
-      </p:sp>
-      <p:sp>
-        <p:nvSpPr>
-          <p:cNvPr id="8" name="箭头: 右 7">
-            <a:extLst>
-              <a:ext uri="{FF2B5EF4-FFF2-40B4-BE49-F238E27FC236}">
-                <a16:creationId xmlns:a16="http://schemas.microsoft.com/office/drawing/2014/main" id="{590C1622-2C5E-6002-CDA9-552915941990}"/>
+            <a:r>
+              <a:rPr lang="en-US" altLang="zh-CN" dirty="0">
+                <a:solidFill>
+                  <a:schemeClr val="tx1"/>
+                </a:solidFill>
+              </a:rPr>
+              <a:t>ReLU</a:t>
+            </a:r>
+            <a:endParaRPr lang="zh-CN" altLang="en-US" dirty="0">
+              <a:solidFill>
+                <a:schemeClr val="tx1"/>
+              </a:solidFill>
+            </a:endParaRPr>
+          </a:p>
+        </p:txBody>
+      </p:sp>
+      <p:sp>
+        <p:nvSpPr>
+          <p:cNvPr id="12" name="矩形 11">
+            <a:extLst>
+              <a:ext uri="{FF2B5EF4-FFF2-40B4-BE49-F238E27FC236}">
+                <a16:creationId xmlns:a16="http://schemas.microsoft.com/office/drawing/2014/main" id="{8A8DE510-91D0-DDF8-657B-174677A16BEF}"/>
               </a:ext>
             </a:extLst>
           </p:cNvPr>
@@ -3569,13 +3596,18 @@
         </p:nvSpPr>
         <p:spPr>
           <a:xfrm>
-            <a:off x="2080438" y="1694120"/>
-            <a:ext cx="567070" cy="248093"/>
-          </a:xfrm>
-          <a:prstGeom prst="rightArrow">
+            <a:off x="5024010" y="3593404"/>
+            <a:ext cx="1378800" cy="648000"/>
+          </a:xfrm>
+          <a:prstGeom prst="rect">
             <a:avLst/>
           </a:prstGeom>
-          <a:noFill/>
+          <a:solidFill>
+            <a:srgbClr val="FFCC80"/>
+          </a:solidFill>
+          <a:ln>
+            <a:noFill/>
+          </a:ln>
         </p:spPr>
         <p:style>
           <a:lnRef idx="2">
@@ -3598,16 +3630,1501 @@
           <a:lstStyle/>
           <a:p>
             <a:pPr algn="ctr"/>
-            <a:endParaRPr lang="zh-CN" altLang="en-US"/>
+            <a:r>
+              <a:rPr lang="en-US" altLang="zh-CN" dirty="0">
+                <a:solidFill>
+                  <a:schemeClr val="tx1"/>
+                </a:solidFill>
+              </a:rPr>
+              <a:t>MaxPool</a:t>
+            </a:r>
+            <a:endParaRPr lang="zh-CN" altLang="en-US" dirty="0">
+              <a:solidFill>
+                <a:schemeClr val="tx1"/>
+              </a:solidFill>
+            </a:endParaRPr>
+          </a:p>
+        </p:txBody>
+      </p:sp>
+      <p:cxnSp>
+        <p:nvCxnSpPr>
+          <p:cNvPr id="28" name="直接箭头连接符 27">
+            <a:extLst>
+              <a:ext uri="{FF2B5EF4-FFF2-40B4-BE49-F238E27FC236}">
+                <a16:creationId xmlns:a16="http://schemas.microsoft.com/office/drawing/2014/main" id="{EDBF6010-BBC9-82A6-E031-8B08CD36B9D3}"/>
+              </a:ext>
+            </a:extLst>
+          </p:cNvPr>
+          <p:cNvCxnSpPr>
+            <a:cxnSpLocks/>
+          </p:cNvCxnSpPr>
+          <p:nvPr/>
+        </p:nvCxnSpPr>
+        <p:spPr>
+          <a:xfrm>
+            <a:off x="2068286" y="1886989"/>
+            <a:ext cx="619627" cy="0"/>
+          </a:xfrm>
+          <a:prstGeom prst="straightConnector1">
+            <a:avLst/>
+          </a:prstGeom>
+          <a:ln w="38100">
+            <a:solidFill>
+              <a:schemeClr val="tx1"/>
+            </a:solidFill>
+            <a:tailEnd type="triangle"/>
+          </a:ln>
+        </p:spPr>
+        <p:style>
+          <a:lnRef idx="2">
+            <a:schemeClr val="accent1"/>
+          </a:lnRef>
+          <a:fillRef idx="0">
+            <a:schemeClr val="accent1"/>
+          </a:fillRef>
+          <a:effectRef idx="1">
+            <a:schemeClr val="accent1"/>
+          </a:effectRef>
+          <a:fontRef idx="minor">
+            <a:schemeClr val="tx1"/>
+          </a:fontRef>
+        </p:style>
+      </p:cxnSp>
+      <p:cxnSp>
+        <p:nvCxnSpPr>
+          <p:cNvPr id="31" name="直接箭头连接符 30">
+            <a:extLst>
+              <a:ext uri="{FF2B5EF4-FFF2-40B4-BE49-F238E27FC236}">
+                <a16:creationId xmlns:a16="http://schemas.microsoft.com/office/drawing/2014/main" id="{78961A56-E076-26C6-88F7-D84FD392A840}"/>
+              </a:ext>
+            </a:extLst>
+          </p:cNvPr>
+          <p:cNvCxnSpPr>
+            <a:cxnSpLocks/>
+            <a:endCxn id="3" idx="0"/>
+          </p:cNvCxnSpPr>
+          <p:nvPr/>
+        </p:nvCxnSpPr>
+        <p:spPr>
+          <a:xfrm flipH="1">
+            <a:off x="3377923" y="2174989"/>
+            <a:ext cx="5067" cy="771950"/>
+          </a:xfrm>
+          <a:prstGeom prst="straightConnector1">
+            <a:avLst/>
+          </a:prstGeom>
+          <a:ln w="38100">
+            <a:solidFill>
+              <a:schemeClr val="tx1"/>
+            </a:solidFill>
+            <a:tailEnd type="triangle"/>
+          </a:ln>
+        </p:spPr>
+        <p:style>
+          <a:lnRef idx="2">
+            <a:schemeClr val="accent1"/>
+          </a:lnRef>
+          <a:fillRef idx="0">
+            <a:schemeClr val="accent1"/>
+          </a:fillRef>
+          <a:effectRef idx="1">
+            <a:schemeClr val="accent1"/>
+          </a:effectRef>
+          <a:fontRef idx="minor">
+            <a:schemeClr val="tx1"/>
+          </a:fontRef>
+        </p:style>
+      </p:cxnSp>
+      <p:cxnSp>
+        <p:nvCxnSpPr>
+          <p:cNvPr id="54" name="直接箭头连接符 53">
+            <a:extLst>
+              <a:ext uri="{FF2B5EF4-FFF2-40B4-BE49-F238E27FC236}">
+                <a16:creationId xmlns:a16="http://schemas.microsoft.com/office/drawing/2014/main" id="{C4B48793-0B7B-995B-D5CA-E9DBA343F327}"/>
+              </a:ext>
+            </a:extLst>
+          </p:cNvPr>
+          <p:cNvCxnSpPr>
+            <a:cxnSpLocks/>
+            <a:endCxn id="10" idx="0"/>
+          </p:cNvCxnSpPr>
+          <p:nvPr/>
+        </p:nvCxnSpPr>
+        <p:spPr>
+          <a:xfrm flipH="1">
+            <a:off x="3377923" y="3522939"/>
+            <a:ext cx="5067" cy="771950"/>
+          </a:xfrm>
+          <a:prstGeom prst="straightConnector1">
+            <a:avLst/>
+          </a:prstGeom>
+          <a:ln w="38100">
+            <a:solidFill>
+              <a:schemeClr val="tx1"/>
+            </a:solidFill>
+            <a:tailEnd type="triangle"/>
+          </a:ln>
+        </p:spPr>
+        <p:style>
+          <a:lnRef idx="2">
+            <a:schemeClr val="accent1"/>
+          </a:lnRef>
+          <a:fillRef idx="0">
+            <a:schemeClr val="accent1"/>
+          </a:fillRef>
+          <a:effectRef idx="1">
+            <a:schemeClr val="accent1"/>
+          </a:effectRef>
+          <a:fontRef idx="minor">
+            <a:schemeClr val="tx1"/>
+          </a:fontRef>
+        </p:style>
+      </p:cxnSp>
+      <p:sp>
+        <p:nvSpPr>
+          <p:cNvPr id="55" name="矩形 54">
+            <a:extLst>
+              <a:ext uri="{FF2B5EF4-FFF2-40B4-BE49-F238E27FC236}">
+                <a16:creationId xmlns:a16="http://schemas.microsoft.com/office/drawing/2014/main" id="{33F78DDF-4502-1371-22BC-B7D436D9B4A5}"/>
+              </a:ext>
+            </a:extLst>
+          </p:cNvPr>
+          <p:cNvSpPr/>
+          <p:nvPr/>
+        </p:nvSpPr>
+        <p:spPr>
+          <a:xfrm>
+            <a:off x="5085750" y="1598989"/>
+            <a:ext cx="1378800" cy="1059525"/>
+          </a:xfrm>
+          <a:prstGeom prst="rect">
+            <a:avLst/>
+          </a:prstGeom>
+          <a:solidFill>
+            <a:srgbClr val="D6CADB"/>
+          </a:solidFill>
+          <a:ln>
+            <a:noFill/>
+          </a:ln>
+        </p:spPr>
+        <p:style>
+          <a:lnRef idx="2">
+            <a:schemeClr val="accent1">
+              <a:shade val="15000"/>
+            </a:schemeClr>
+          </a:lnRef>
+          <a:fillRef idx="1">
+            <a:schemeClr val="accent1"/>
+          </a:fillRef>
+          <a:effectRef idx="0">
+            <a:schemeClr val="accent1"/>
+          </a:effectRef>
+          <a:fontRef idx="minor">
+            <a:schemeClr val="lt1"/>
+          </a:fontRef>
+        </p:style>
+        <p:txBody>
+          <a:bodyPr rtlCol="0" anchor="ctr"/>
+          <a:lstStyle/>
+          <a:p>
+            <a:pPr algn="ctr"/>
+            <a:r>
+              <a:rPr lang="en-US" altLang="zh-CN" dirty="0">
+                <a:solidFill>
+                  <a:schemeClr val="tx1"/>
+                </a:solidFill>
+              </a:rPr>
+              <a:t>Attention Module</a:t>
+            </a:r>
+            <a:endParaRPr lang="zh-CN" altLang="en-US" dirty="0">
+              <a:solidFill>
+                <a:schemeClr val="tx1"/>
+              </a:solidFill>
+            </a:endParaRPr>
+          </a:p>
+        </p:txBody>
+      </p:sp>
+      <p:cxnSp>
+        <p:nvCxnSpPr>
+          <p:cNvPr id="59" name="连接符: 肘形 58">
+            <a:extLst>
+              <a:ext uri="{FF2B5EF4-FFF2-40B4-BE49-F238E27FC236}">
+                <a16:creationId xmlns:a16="http://schemas.microsoft.com/office/drawing/2014/main" id="{BC368F8A-40A2-D3FD-1A07-BD96333C99A9}"/>
+              </a:ext>
+            </a:extLst>
+          </p:cNvPr>
+          <p:cNvCxnSpPr>
+            <a:cxnSpLocks/>
+            <a:stCxn id="10" idx="3"/>
+            <a:endCxn id="55" idx="1"/>
+          </p:cNvCxnSpPr>
+          <p:nvPr/>
+        </p:nvCxnSpPr>
+        <p:spPr>
+          <a:xfrm flipV="1">
+            <a:off x="4067932" y="2128752"/>
+            <a:ext cx="1017818" cy="2454137"/>
+          </a:xfrm>
+          <a:prstGeom prst="bentConnector3">
+            <a:avLst/>
+          </a:prstGeom>
+          <a:ln w="28575">
+            <a:solidFill>
+              <a:schemeClr val="tx1"/>
+            </a:solidFill>
+            <a:tailEnd type="triangle"/>
+          </a:ln>
+        </p:spPr>
+        <p:style>
+          <a:lnRef idx="2">
+            <a:schemeClr val="accent1"/>
+          </a:lnRef>
+          <a:fillRef idx="0">
+            <a:schemeClr val="accent1"/>
+          </a:fillRef>
+          <a:effectRef idx="1">
+            <a:schemeClr val="accent1"/>
+          </a:effectRef>
+          <a:fontRef idx="minor">
+            <a:schemeClr val="tx1"/>
+          </a:fontRef>
+        </p:style>
+      </p:cxnSp>
+      <p:cxnSp>
+        <p:nvCxnSpPr>
+          <p:cNvPr id="61" name="直接箭头连接符 60">
+            <a:extLst>
+              <a:ext uri="{FF2B5EF4-FFF2-40B4-BE49-F238E27FC236}">
+                <a16:creationId xmlns:a16="http://schemas.microsoft.com/office/drawing/2014/main" id="{48A15F3E-FE7C-F21A-67BC-565BFB218201}"/>
+              </a:ext>
+            </a:extLst>
+          </p:cNvPr>
+          <p:cNvCxnSpPr>
+            <a:cxnSpLocks/>
+          </p:cNvCxnSpPr>
+          <p:nvPr/>
+        </p:nvCxnSpPr>
+        <p:spPr>
+          <a:xfrm>
+            <a:off x="5717867" y="2658514"/>
+            <a:ext cx="0" cy="934890"/>
+          </a:xfrm>
+          <a:prstGeom prst="straightConnector1">
+            <a:avLst/>
+          </a:prstGeom>
+          <a:ln w="38100">
+            <a:solidFill>
+              <a:schemeClr val="tx1"/>
+            </a:solidFill>
+            <a:tailEnd type="triangle"/>
+          </a:ln>
+        </p:spPr>
+        <p:style>
+          <a:lnRef idx="2">
+            <a:schemeClr val="accent1"/>
+          </a:lnRef>
+          <a:fillRef idx="0">
+            <a:schemeClr val="accent1"/>
+          </a:fillRef>
+          <a:effectRef idx="1">
+            <a:schemeClr val="accent1"/>
+          </a:effectRef>
+          <a:fontRef idx="minor">
+            <a:schemeClr val="tx1"/>
+          </a:fontRef>
+        </p:style>
+      </p:cxnSp>
+      <p:sp>
+        <p:nvSpPr>
+          <p:cNvPr id="67" name="矩形 66">
+            <a:extLst>
+              <a:ext uri="{FF2B5EF4-FFF2-40B4-BE49-F238E27FC236}">
+                <a16:creationId xmlns:a16="http://schemas.microsoft.com/office/drawing/2014/main" id="{CFE012B2-9904-181F-65B5-31936AA4D51D}"/>
+              </a:ext>
+            </a:extLst>
+          </p:cNvPr>
+          <p:cNvSpPr/>
+          <p:nvPr/>
+        </p:nvSpPr>
+        <p:spPr>
+          <a:xfrm>
+            <a:off x="7243077" y="1598989"/>
+            <a:ext cx="1380018" cy="576000"/>
+          </a:xfrm>
+          <a:prstGeom prst="rect">
+            <a:avLst/>
+          </a:prstGeom>
+          <a:solidFill>
+            <a:srgbClr val="FFCC80"/>
+          </a:solidFill>
+          <a:ln>
+            <a:noFill/>
+          </a:ln>
+        </p:spPr>
+        <p:style>
+          <a:lnRef idx="2">
+            <a:schemeClr val="accent1">
+              <a:shade val="15000"/>
+            </a:schemeClr>
+          </a:lnRef>
+          <a:fillRef idx="1">
+            <a:schemeClr val="accent1"/>
+          </a:fillRef>
+          <a:effectRef idx="0">
+            <a:schemeClr val="accent1"/>
+          </a:effectRef>
+          <a:fontRef idx="minor">
+            <a:schemeClr val="lt1"/>
+          </a:fontRef>
+        </p:style>
+        <p:txBody>
+          <a:bodyPr rtlCol="0" anchor="ctr"/>
+          <a:lstStyle/>
+          <a:p>
+            <a:pPr algn="ctr"/>
+            <a:r>
+              <a:rPr lang="en-US" altLang="zh-CN" dirty="0">
+                <a:solidFill>
+                  <a:schemeClr val="tx1"/>
+                </a:solidFill>
+              </a:rPr>
+              <a:t>conv</a:t>
+            </a:r>
+            <a:endParaRPr lang="zh-CN" altLang="en-US" dirty="0">
+              <a:solidFill>
+                <a:schemeClr val="tx1"/>
+              </a:solidFill>
+            </a:endParaRPr>
+          </a:p>
+        </p:txBody>
+      </p:sp>
+      <p:sp>
+        <p:nvSpPr>
+          <p:cNvPr id="68" name="矩形 67">
+            <a:extLst>
+              <a:ext uri="{FF2B5EF4-FFF2-40B4-BE49-F238E27FC236}">
+                <a16:creationId xmlns:a16="http://schemas.microsoft.com/office/drawing/2014/main" id="{D22191B0-48EC-7B01-65A1-5FDFED42848E}"/>
+              </a:ext>
+            </a:extLst>
+          </p:cNvPr>
+          <p:cNvSpPr/>
+          <p:nvPr/>
+        </p:nvSpPr>
+        <p:spPr>
+          <a:xfrm>
+            <a:off x="7243077" y="2946939"/>
+            <a:ext cx="1380019" cy="576000"/>
+          </a:xfrm>
+          <a:prstGeom prst="rect">
+            <a:avLst/>
+          </a:prstGeom>
+          <a:solidFill>
+            <a:srgbClr val="FFCC80"/>
+          </a:solidFill>
+          <a:ln>
+            <a:noFill/>
+          </a:ln>
+        </p:spPr>
+        <p:style>
+          <a:lnRef idx="2">
+            <a:schemeClr val="accent1">
+              <a:shade val="15000"/>
+            </a:schemeClr>
+          </a:lnRef>
+          <a:fillRef idx="1">
+            <a:schemeClr val="accent1"/>
+          </a:fillRef>
+          <a:effectRef idx="0">
+            <a:schemeClr val="accent1"/>
+          </a:effectRef>
+          <a:fontRef idx="minor">
+            <a:schemeClr val="lt1"/>
+          </a:fontRef>
+        </p:style>
+        <p:txBody>
+          <a:bodyPr rtlCol="0" anchor="ctr"/>
+          <a:lstStyle/>
+          <a:p>
+            <a:pPr algn="ctr"/>
+            <a:r>
+              <a:rPr lang="en-US" altLang="zh-CN" dirty="0">
+                <a:solidFill>
+                  <a:schemeClr val="tx1"/>
+                </a:solidFill>
+              </a:rPr>
+              <a:t>BatchNorm</a:t>
+            </a:r>
+            <a:endParaRPr lang="zh-CN" altLang="en-US" dirty="0">
+              <a:solidFill>
+                <a:schemeClr val="tx1"/>
+              </a:solidFill>
+            </a:endParaRPr>
+          </a:p>
+        </p:txBody>
+      </p:sp>
+      <p:sp>
+        <p:nvSpPr>
+          <p:cNvPr id="69" name="矩形 68">
+            <a:extLst>
+              <a:ext uri="{FF2B5EF4-FFF2-40B4-BE49-F238E27FC236}">
+                <a16:creationId xmlns:a16="http://schemas.microsoft.com/office/drawing/2014/main" id="{5026C56B-C930-748D-683D-A7DC88AF35BE}"/>
+              </a:ext>
+            </a:extLst>
+          </p:cNvPr>
+          <p:cNvSpPr/>
+          <p:nvPr/>
+        </p:nvSpPr>
+        <p:spPr>
+          <a:xfrm>
+            <a:off x="7243077" y="4294889"/>
+            <a:ext cx="1380019" cy="576000"/>
+          </a:xfrm>
+          <a:prstGeom prst="rect">
+            <a:avLst/>
+          </a:prstGeom>
+          <a:solidFill>
+            <a:srgbClr val="FFCC80"/>
+          </a:solidFill>
+          <a:ln>
+            <a:noFill/>
+          </a:ln>
+        </p:spPr>
+        <p:style>
+          <a:lnRef idx="2">
+            <a:schemeClr val="accent1">
+              <a:shade val="15000"/>
+            </a:schemeClr>
+          </a:lnRef>
+          <a:fillRef idx="1">
+            <a:schemeClr val="accent1"/>
+          </a:fillRef>
+          <a:effectRef idx="0">
+            <a:schemeClr val="accent1"/>
+          </a:effectRef>
+          <a:fontRef idx="minor">
+            <a:schemeClr val="lt1"/>
+          </a:fontRef>
+        </p:style>
+        <p:txBody>
+          <a:bodyPr rtlCol="0" anchor="ctr"/>
+          <a:lstStyle/>
+          <a:p>
+            <a:pPr algn="ctr"/>
+            <a:r>
+              <a:rPr lang="en-US" altLang="zh-CN" dirty="0">
+                <a:solidFill>
+                  <a:schemeClr val="tx1"/>
+                </a:solidFill>
+              </a:rPr>
+              <a:t>ReLU</a:t>
+            </a:r>
+            <a:endParaRPr lang="zh-CN" altLang="en-US" dirty="0">
+              <a:solidFill>
+                <a:schemeClr val="tx1"/>
+              </a:solidFill>
+            </a:endParaRPr>
+          </a:p>
+        </p:txBody>
+      </p:sp>
+      <p:cxnSp>
+        <p:nvCxnSpPr>
+          <p:cNvPr id="70" name="直接箭头连接符 69">
+            <a:extLst>
+              <a:ext uri="{FF2B5EF4-FFF2-40B4-BE49-F238E27FC236}">
+                <a16:creationId xmlns:a16="http://schemas.microsoft.com/office/drawing/2014/main" id="{69CDB0B4-4F1E-F78F-DBA8-F4DA56F9F497}"/>
+              </a:ext>
+            </a:extLst>
+          </p:cNvPr>
+          <p:cNvCxnSpPr>
+            <a:cxnSpLocks/>
+            <a:stCxn id="87" idx="2"/>
+            <a:endCxn id="89" idx="0"/>
+          </p:cNvCxnSpPr>
+          <p:nvPr/>
+        </p:nvCxnSpPr>
+        <p:spPr>
+          <a:xfrm>
+            <a:off x="10002504" y="2657704"/>
+            <a:ext cx="610" cy="289235"/>
+          </a:xfrm>
+          <a:prstGeom prst="straightConnector1">
+            <a:avLst/>
+          </a:prstGeom>
+          <a:ln w="38100">
+            <a:solidFill>
+              <a:schemeClr val="tx1"/>
+            </a:solidFill>
+            <a:tailEnd type="triangle"/>
+          </a:ln>
+        </p:spPr>
+        <p:style>
+          <a:lnRef idx="2">
+            <a:schemeClr val="accent1"/>
+          </a:lnRef>
+          <a:fillRef idx="0">
+            <a:schemeClr val="accent1"/>
+          </a:fillRef>
+          <a:effectRef idx="1">
+            <a:schemeClr val="accent1"/>
+          </a:effectRef>
+          <a:fontRef idx="minor">
+            <a:schemeClr val="tx1"/>
+          </a:fontRef>
+        </p:style>
+      </p:cxnSp>
+      <p:cxnSp>
+        <p:nvCxnSpPr>
+          <p:cNvPr id="71" name="直接箭头连接符 70">
+            <a:extLst>
+              <a:ext uri="{FF2B5EF4-FFF2-40B4-BE49-F238E27FC236}">
+                <a16:creationId xmlns:a16="http://schemas.microsoft.com/office/drawing/2014/main" id="{F6B26A10-5A9E-D564-69DD-226C86D11531}"/>
+              </a:ext>
+            </a:extLst>
+          </p:cNvPr>
+          <p:cNvCxnSpPr>
+            <a:cxnSpLocks/>
+            <a:endCxn id="69" idx="0"/>
+          </p:cNvCxnSpPr>
+          <p:nvPr/>
+        </p:nvCxnSpPr>
+        <p:spPr>
+          <a:xfrm>
+            <a:off x="7924132" y="3522939"/>
+            <a:ext cx="8955" cy="771950"/>
+          </a:xfrm>
+          <a:prstGeom prst="straightConnector1">
+            <a:avLst/>
+          </a:prstGeom>
+          <a:ln w="38100">
+            <a:solidFill>
+              <a:schemeClr val="tx1"/>
+            </a:solidFill>
+            <a:tailEnd type="triangle"/>
+          </a:ln>
+        </p:spPr>
+        <p:style>
+          <a:lnRef idx="2">
+            <a:schemeClr val="accent1"/>
+          </a:lnRef>
+          <a:fillRef idx="0">
+            <a:schemeClr val="accent1"/>
+          </a:fillRef>
+          <a:effectRef idx="1">
+            <a:schemeClr val="accent1"/>
+          </a:effectRef>
+          <a:fontRef idx="minor">
+            <a:schemeClr val="tx1"/>
+          </a:fontRef>
+        </p:style>
+      </p:cxnSp>
+      <p:cxnSp>
+        <p:nvCxnSpPr>
+          <p:cNvPr id="73" name="连接符: 肘形 72">
+            <a:extLst>
+              <a:ext uri="{FF2B5EF4-FFF2-40B4-BE49-F238E27FC236}">
+                <a16:creationId xmlns:a16="http://schemas.microsoft.com/office/drawing/2014/main" id="{526F2678-D29E-5D10-6FEF-5E35226898A4}"/>
+              </a:ext>
+            </a:extLst>
+          </p:cNvPr>
+          <p:cNvCxnSpPr>
+            <a:stCxn id="12" idx="3"/>
+            <a:endCxn id="67" idx="1"/>
+          </p:cNvCxnSpPr>
+          <p:nvPr/>
+        </p:nvCxnSpPr>
+        <p:spPr>
+          <a:xfrm flipV="1">
+            <a:off x="6402810" y="1886989"/>
+            <a:ext cx="840267" cy="2030415"/>
+          </a:xfrm>
+          <a:prstGeom prst="bentConnector3">
+            <a:avLst/>
+          </a:prstGeom>
+          <a:ln w="28575">
+            <a:solidFill>
+              <a:schemeClr val="tx1"/>
+            </a:solidFill>
+            <a:tailEnd type="triangle"/>
+          </a:ln>
+        </p:spPr>
+        <p:style>
+          <a:lnRef idx="2">
+            <a:schemeClr val="accent1"/>
+          </a:lnRef>
+          <a:fillRef idx="0">
+            <a:schemeClr val="accent1"/>
+          </a:fillRef>
+          <a:effectRef idx="1">
+            <a:schemeClr val="accent1"/>
+          </a:effectRef>
+          <a:fontRef idx="minor">
+            <a:schemeClr val="tx1"/>
+          </a:fontRef>
+        </p:style>
+      </p:cxnSp>
+      <p:sp>
+        <p:nvSpPr>
+          <p:cNvPr id="87" name="矩形 86">
+            <a:extLst>
+              <a:ext uri="{FF2B5EF4-FFF2-40B4-BE49-F238E27FC236}">
+                <a16:creationId xmlns:a16="http://schemas.microsoft.com/office/drawing/2014/main" id="{318DBC37-4423-AED9-34D5-D2D7D2BCBB84}"/>
+              </a:ext>
+            </a:extLst>
+          </p:cNvPr>
+          <p:cNvSpPr/>
+          <p:nvPr/>
+        </p:nvSpPr>
+        <p:spPr>
+          <a:xfrm>
+            <a:off x="9313104" y="1598179"/>
+            <a:ext cx="1378800" cy="1059525"/>
+          </a:xfrm>
+          <a:prstGeom prst="rect">
+            <a:avLst/>
+          </a:prstGeom>
+          <a:solidFill>
+            <a:srgbClr val="D6CADB"/>
+          </a:solidFill>
+          <a:ln>
+            <a:noFill/>
+          </a:ln>
+        </p:spPr>
+        <p:style>
+          <a:lnRef idx="2">
+            <a:schemeClr val="accent1">
+              <a:shade val="15000"/>
+            </a:schemeClr>
+          </a:lnRef>
+          <a:fillRef idx="1">
+            <a:schemeClr val="accent1"/>
+          </a:fillRef>
+          <a:effectRef idx="0">
+            <a:schemeClr val="accent1"/>
+          </a:effectRef>
+          <a:fontRef idx="minor">
+            <a:schemeClr val="lt1"/>
+          </a:fontRef>
+        </p:style>
+        <p:txBody>
+          <a:bodyPr rtlCol="0" anchor="ctr"/>
+          <a:lstStyle/>
+          <a:p>
+            <a:pPr algn="ctr"/>
+            <a:r>
+              <a:rPr lang="en-US" altLang="zh-CN" dirty="0">
+                <a:solidFill>
+                  <a:schemeClr val="tx1"/>
+                </a:solidFill>
+              </a:rPr>
+              <a:t>Attention Module</a:t>
+            </a:r>
+            <a:endParaRPr lang="zh-CN" altLang="en-US" dirty="0">
+              <a:solidFill>
+                <a:schemeClr val="tx1"/>
+              </a:solidFill>
+            </a:endParaRPr>
+          </a:p>
+        </p:txBody>
+      </p:sp>
+      <p:sp>
+        <p:nvSpPr>
+          <p:cNvPr id="89" name="矩形 88">
+            <a:extLst>
+              <a:ext uri="{FF2B5EF4-FFF2-40B4-BE49-F238E27FC236}">
+                <a16:creationId xmlns:a16="http://schemas.microsoft.com/office/drawing/2014/main" id="{9D233973-2BDE-741E-B2AD-CE7560A54759}"/>
+              </a:ext>
+            </a:extLst>
+          </p:cNvPr>
+          <p:cNvSpPr/>
+          <p:nvPr/>
+        </p:nvSpPr>
+        <p:spPr>
+          <a:xfrm>
+            <a:off x="9313104" y="2946939"/>
+            <a:ext cx="1380019" cy="576000"/>
+          </a:xfrm>
+          <a:prstGeom prst="rect">
+            <a:avLst/>
+          </a:prstGeom>
+          <a:solidFill>
+            <a:srgbClr val="FFCC80"/>
+          </a:solidFill>
+          <a:ln>
+            <a:noFill/>
+          </a:ln>
+        </p:spPr>
+        <p:style>
+          <a:lnRef idx="2">
+            <a:schemeClr val="accent1">
+              <a:shade val="15000"/>
+            </a:schemeClr>
+          </a:lnRef>
+          <a:fillRef idx="1">
+            <a:schemeClr val="accent1"/>
+          </a:fillRef>
+          <a:effectRef idx="0">
+            <a:schemeClr val="accent1"/>
+          </a:effectRef>
+          <a:fontRef idx="minor">
+            <a:schemeClr val="lt1"/>
+          </a:fontRef>
+        </p:style>
+        <p:txBody>
+          <a:bodyPr rtlCol="0" anchor="ctr"/>
+          <a:lstStyle/>
+          <a:p>
+            <a:pPr algn="ctr"/>
+            <a:r>
+              <a:rPr lang="en-US" altLang="zh-CN" dirty="0">
+                <a:solidFill>
+                  <a:schemeClr val="tx1"/>
+                </a:solidFill>
+              </a:rPr>
+              <a:t>GAP</a:t>
+            </a:r>
+            <a:endParaRPr lang="zh-CN" altLang="en-US" dirty="0">
+              <a:solidFill>
+                <a:schemeClr val="tx1"/>
+              </a:solidFill>
+            </a:endParaRPr>
+          </a:p>
+        </p:txBody>
+      </p:sp>
+      <p:sp>
+        <p:nvSpPr>
+          <p:cNvPr id="91" name="矩形 90">
+            <a:extLst>
+              <a:ext uri="{FF2B5EF4-FFF2-40B4-BE49-F238E27FC236}">
+                <a16:creationId xmlns:a16="http://schemas.microsoft.com/office/drawing/2014/main" id="{C3D0EC2C-0F8B-91B8-4A3F-05CD5CB56B09}"/>
+              </a:ext>
+            </a:extLst>
+          </p:cNvPr>
+          <p:cNvSpPr/>
+          <p:nvPr/>
+        </p:nvSpPr>
+        <p:spPr>
+          <a:xfrm>
+            <a:off x="9313104" y="3953404"/>
+            <a:ext cx="1380019" cy="576000"/>
+          </a:xfrm>
+          <a:prstGeom prst="rect">
+            <a:avLst/>
+          </a:prstGeom>
+          <a:solidFill>
+            <a:srgbClr val="FFCC80"/>
+          </a:solidFill>
+          <a:ln>
+            <a:noFill/>
+          </a:ln>
+        </p:spPr>
+        <p:style>
+          <a:lnRef idx="2">
+            <a:schemeClr val="accent1">
+              <a:shade val="15000"/>
+            </a:schemeClr>
+          </a:lnRef>
+          <a:fillRef idx="1">
+            <a:schemeClr val="accent1"/>
+          </a:fillRef>
+          <a:effectRef idx="0">
+            <a:schemeClr val="accent1"/>
+          </a:effectRef>
+          <a:fontRef idx="minor">
+            <a:schemeClr val="lt1"/>
+          </a:fontRef>
+        </p:style>
+        <p:txBody>
+          <a:bodyPr rtlCol="0" anchor="ctr"/>
+          <a:lstStyle/>
+          <a:p>
+            <a:pPr algn="ctr"/>
+            <a:r>
+              <a:rPr lang="en-US" altLang="zh-CN" dirty="0">
+                <a:solidFill>
+                  <a:schemeClr val="tx1"/>
+                </a:solidFill>
+              </a:rPr>
+              <a:t>Linear</a:t>
+            </a:r>
+            <a:endParaRPr lang="zh-CN" altLang="en-US" dirty="0">
+              <a:solidFill>
+                <a:schemeClr val="tx1"/>
+              </a:solidFill>
+            </a:endParaRPr>
+          </a:p>
+        </p:txBody>
+      </p:sp>
+      <p:sp>
+        <p:nvSpPr>
+          <p:cNvPr id="92" name="矩形: 圆角 91">
+            <a:extLst>
+              <a:ext uri="{FF2B5EF4-FFF2-40B4-BE49-F238E27FC236}">
+                <a16:creationId xmlns:a16="http://schemas.microsoft.com/office/drawing/2014/main" id="{DA678E99-CA3E-586C-666F-B36F98A141EC}"/>
+              </a:ext>
+            </a:extLst>
+          </p:cNvPr>
+          <p:cNvSpPr/>
+          <p:nvPr/>
+        </p:nvSpPr>
+        <p:spPr>
+          <a:xfrm>
+            <a:off x="9227804" y="5040775"/>
+            <a:ext cx="1549400" cy="652687"/>
+          </a:xfrm>
+          <a:prstGeom prst="roundRect">
+            <a:avLst>
+              <a:gd name="adj" fmla="val 50000"/>
+            </a:avLst>
+          </a:prstGeom>
+          <a:solidFill>
+            <a:schemeClr val="bg2">
+              <a:lumMod val="75000"/>
+            </a:schemeClr>
+          </a:solidFill>
+          <a:ln>
+            <a:noFill/>
+          </a:ln>
+        </p:spPr>
+        <p:style>
+          <a:lnRef idx="2">
+            <a:schemeClr val="accent1">
+              <a:shade val="15000"/>
+            </a:schemeClr>
+          </a:lnRef>
+          <a:fillRef idx="1">
+            <a:schemeClr val="accent1"/>
+          </a:fillRef>
+          <a:effectRef idx="0">
+            <a:schemeClr val="accent1"/>
+          </a:effectRef>
+          <a:fontRef idx="minor">
+            <a:schemeClr val="lt1"/>
+          </a:fontRef>
+        </p:style>
+        <p:txBody>
+          <a:bodyPr rtlCol="0" anchor="ctr"/>
+          <a:lstStyle/>
+          <a:p>
+            <a:pPr algn="ctr"/>
+            <a:r>
+              <a:rPr lang="en-US" altLang="zh-CN" dirty="0">
+                <a:solidFill>
+                  <a:schemeClr val="tx1"/>
+                </a:solidFill>
+              </a:rPr>
+              <a:t>Output</a:t>
+            </a:r>
+            <a:endParaRPr lang="zh-CN" altLang="en-US" dirty="0">
+              <a:solidFill>
+                <a:schemeClr val="tx1"/>
+              </a:solidFill>
+            </a:endParaRPr>
+          </a:p>
+        </p:txBody>
+      </p:sp>
+      <p:cxnSp>
+        <p:nvCxnSpPr>
+          <p:cNvPr id="96" name="连接符: 肘形 95">
+            <a:extLst>
+              <a:ext uri="{FF2B5EF4-FFF2-40B4-BE49-F238E27FC236}">
+                <a16:creationId xmlns:a16="http://schemas.microsoft.com/office/drawing/2014/main" id="{62BA07FB-2677-262E-361F-FF969C90E9B0}"/>
+              </a:ext>
+            </a:extLst>
+          </p:cNvPr>
+          <p:cNvCxnSpPr>
+            <a:cxnSpLocks/>
+            <a:stCxn id="69" idx="3"/>
+            <a:endCxn id="87" idx="1"/>
+          </p:cNvCxnSpPr>
+          <p:nvPr/>
+        </p:nvCxnSpPr>
+        <p:spPr>
+          <a:xfrm flipV="1">
+            <a:off x="8623096" y="2127942"/>
+            <a:ext cx="690008" cy="2454947"/>
+          </a:xfrm>
+          <a:prstGeom prst="bentConnector3">
+            <a:avLst>
+              <a:gd name="adj1" fmla="val 50000"/>
+            </a:avLst>
+          </a:prstGeom>
+          <a:ln w="28575">
+            <a:solidFill>
+              <a:schemeClr val="tx1"/>
+            </a:solidFill>
+            <a:tailEnd type="triangle"/>
+          </a:ln>
+        </p:spPr>
+        <p:style>
+          <a:lnRef idx="2">
+            <a:schemeClr val="accent1"/>
+          </a:lnRef>
+          <a:fillRef idx="0">
+            <a:schemeClr val="accent1"/>
+          </a:fillRef>
+          <a:effectRef idx="1">
+            <a:schemeClr val="accent1"/>
+          </a:effectRef>
+          <a:fontRef idx="minor">
+            <a:schemeClr val="tx1"/>
+          </a:fontRef>
+        </p:style>
+      </p:cxnSp>
+      <p:cxnSp>
+        <p:nvCxnSpPr>
+          <p:cNvPr id="101" name="直接箭头连接符 100">
+            <a:extLst>
+              <a:ext uri="{FF2B5EF4-FFF2-40B4-BE49-F238E27FC236}">
+                <a16:creationId xmlns:a16="http://schemas.microsoft.com/office/drawing/2014/main" id="{D062D6B3-4867-EE76-6C20-E838D83E628E}"/>
+              </a:ext>
+            </a:extLst>
+          </p:cNvPr>
+          <p:cNvCxnSpPr>
+            <a:cxnSpLocks/>
+            <a:stCxn id="89" idx="2"/>
+            <a:endCxn id="91" idx="0"/>
+          </p:cNvCxnSpPr>
+          <p:nvPr/>
+        </p:nvCxnSpPr>
+        <p:spPr>
+          <a:xfrm>
+            <a:off x="10003114" y="3522939"/>
+            <a:ext cx="0" cy="430465"/>
+          </a:xfrm>
+          <a:prstGeom prst="straightConnector1">
+            <a:avLst/>
+          </a:prstGeom>
+          <a:ln w="38100">
+            <a:solidFill>
+              <a:schemeClr val="tx1"/>
+            </a:solidFill>
+            <a:tailEnd type="triangle"/>
+          </a:ln>
+        </p:spPr>
+        <p:style>
+          <a:lnRef idx="2">
+            <a:schemeClr val="accent1"/>
+          </a:lnRef>
+          <a:fillRef idx="0">
+            <a:schemeClr val="accent1"/>
+          </a:fillRef>
+          <a:effectRef idx="1">
+            <a:schemeClr val="accent1"/>
+          </a:effectRef>
+          <a:fontRef idx="minor">
+            <a:schemeClr val="tx1"/>
+          </a:fontRef>
+        </p:style>
+      </p:cxnSp>
+      <p:cxnSp>
+        <p:nvCxnSpPr>
+          <p:cNvPr id="104" name="直接箭头连接符 103">
+            <a:extLst>
+              <a:ext uri="{FF2B5EF4-FFF2-40B4-BE49-F238E27FC236}">
+                <a16:creationId xmlns:a16="http://schemas.microsoft.com/office/drawing/2014/main" id="{64F1998D-A0F0-C3A4-2FD5-0A615AC895C5}"/>
+              </a:ext>
+            </a:extLst>
+          </p:cNvPr>
+          <p:cNvCxnSpPr>
+            <a:cxnSpLocks/>
+            <a:endCxn id="92" idx="0"/>
+          </p:cNvCxnSpPr>
+          <p:nvPr/>
+        </p:nvCxnSpPr>
+        <p:spPr>
+          <a:xfrm>
+            <a:off x="10002504" y="4529404"/>
+            <a:ext cx="0" cy="511371"/>
+          </a:xfrm>
+          <a:prstGeom prst="straightConnector1">
+            <a:avLst/>
+          </a:prstGeom>
+          <a:ln w="38100">
+            <a:solidFill>
+              <a:schemeClr val="tx1"/>
+            </a:solidFill>
+            <a:tailEnd type="triangle"/>
+          </a:ln>
+        </p:spPr>
+        <p:style>
+          <a:lnRef idx="2">
+            <a:schemeClr val="accent1"/>
+          </a:lnRef>
+          <a:fillRef idx="0">
+            <a:schemeClr val="accent1"/>
+          </a:fillRef>
+          <a:effectRef idx="1">
+            <a:schemeClr val="accent1"/>
+          </a:effectRef>
+          <a:fontRef idx="minor">
+            <a:schemeClr val="tx1"/>
+          </a:fontRef>
+        </p:style>
+      </p:cxnSp>
+      <p:sp>
+        <p:nvSpPr>
+          <p:cNvPr id="106" name="文本框 105">
+            <a:extLst>
+              <a:ext uri="{FF2B5EF4-FFF2-40B4-BE49-F238E27FC236}">
+                <a16:creationId xmlns:a16="http://schemas.microsoft.com/office/drawing/2014/main" id="{BC61C88A-2077-F44C-4A6A-53292975C7A1}"/>
+              </a:ext>
+            </a:extLst>
+          </p:cNvPr>
+          <p:cNvSpPr txBox="1"/>
+          <p:nvPr/>
+        </p:nvSpPr>
+        <p:spPr>
+          <a:xfrm>
+            <a:off x="2909673" y="1301802"/>
+            <a:ext cx="936497" cy="338554"/>
+          </a:xfrm>
+          <a:prstGeom prst="rect">
+            <a:avLst/>
+          </a:prstGeom>
+          <a:noFill/>
+        </p:spPr>
+        <p:txBody>
+          <a:bodyPr wrap="square" rtlCol="0">
+            <a:spAutoFit/>
+          </a:bodyPr>
+          <a:lstStyle/>
+          <a:p>
+            <a:pPr algn="ctr"/>
+            <a:r>
+              <a:rPr lang="en-US" altLang="zh-CN" sz="1600" dirty="0">
+                <a:solidFill>
+                  <a:schemeClr val="bg2">
+                    <a:lumMod val="50000"/>
+                  </a:schemeClr>
+                </a:solidFill>
+                <a:latin typeface="Times New Roman" panose="02020603050405020304" pitchFamily="18" charset="0"/>
+                <a:cs typeface="Times New Roman" panose="02020603050405020304" pitchFamily="18" charset="0"/>
+              </a:rPr>
+              <a:t>64,</a:t>
+            </a:r>
+            <a:r>
+              <a:rPr lang="zh-CN" altLang="en-US" sz="1600" dirty="0">
+                <a:solidFill>
+                  <a:schemeClr val="bg2">
+                    <a:lumMod val="50000"/>
+                  </a:schemeClr>
+                </a:solidFill>
+                <a:latin typeface="Times New Roman" panose="02020603050405020304" pitchFamily="18" charset="0"/>
+                <a:cs typeface="Times New Roman" panose="02020603050405020304" pitchFamily="18" charset="0"/>
+              </a:rPr>
+              <a:t> </a:t>
+            </a:r>
+            <a:r>
+              <a:rPr lang="en-US" altLang="zh-CN" sz="1600" dirty="0">
+                <a:solidFill>
+                  <a:schemeClr val="bg2">
+                    <a:lumMod val="50000"/>
+                  </a:schemeClr>
+                </a:solidFill>
+                <a:latin typeface="Times New Roman" panose="02020603050405020304" pitchFamily="18" charset="0"/>
+                <a:cs typeface="Times New Roman" panose="02020603050405020304" pitchFamily="18" charset="0"/>
+              </a:rPr>
+              <a:t>3x3</a:t>
+            </a:r>
+            <a:endParaRPr lang="zh-CN" altLang="en-US" sz="1600" dirty="0">
+              <a:solidFill>
+                <a:schemeClr val="bg2">
+                  <a:lumMod val="50000"/>
+                </a:schemeClr>
+              </a:solidFill>
+              <a:latin typeface="Times New Roman" panose="02020603050405020304" pitchFamily="18" charset="0"/>
+              <a:cs typeface="Times New Roman" panose="02020603050405020304" pitchFamily="18" charset="0"/>
+            </a:endParaRPr>
+          </a:p>
+        </p:txBody>
+      </p:sp>
+      <p:sp>
+        <p:nvSpPr>
+          <p:cNvPr id="108" name="文本框 107">
+            <a:extLst>
+              <a:ext uri="{FF2B5EF4-FFF2-40B4-BE49-F238E27FC236}">
+                <a16:creationId xmlns:a16="http://schemas.microsoft.com/office/drawing/2014/main" id="{83517A33-056E-9CF8-A281-B9EAD4613C76}"/>
+              </a:ext>
+            </a:extLst>
+          </p:cNvPr>
+          <p:cNvSpPr txBox="1"/>
+          <p:nvPr/>
+        </p:nvSpPr>
+        <p:spPr>
+          <a:xfrm>
+            <a:off x="7464837" y="1281183"/>
+            <a:ext cx="936497" cy="338554"/>
+          </a:xfrm>
+          <a:prstGeom prst="rect">
+            <a:avLst/>
+          </a:prstGeom>
+          <a:noFill/>
+        </p:spPr>
+        <p:txBody>
+          <a:bodyPr wrap="square" rtlCol="0">
+            <a:spAutoFit/>
+          </a:bodyPr>
+          <a:lstStyle/>
+          <a:p>
+            <a:pPr algn="ctr"/>
+            <a:r>
+              <a:rPr lang="en-US" altLang="zh-CN" sz="1600" dirty="0">
+                <a:solidFill>
+                  <a:schemeClr val="bg2">
+                    <a:lumMod val="50000"/>
+                  </a:schemeClr>
+                </a:solidFill>
+                <a:latin typeface="Times New Roman" panose="02020603050405020304" pitchFamily="18" charset="0"/>
+                <a:cs typeface="Times New Roman" panose="02020603050405020304" pitchFamily="18" charset="0"/>
+              </a:rPr>
+              <a:t>128,</a:t>
+            </a:r>
+            <a:r>
+              <a:rPr lang="zh-CN" altLang="en-US" sz="1600" dirty="0">
+                <a:solidFill>
+                  <a:schemeClr val="bg2">
+                    <a:lumMod val="50000"/>
+                  </a:schemeClr>
+                </a:solidFill>
+                <a:latin typeface="Times New Roman" panose="02020603050405020304" pitchFamily="18" charset="0"/>
+                <a:cs typeface="Times New Roman" panose="02020603050405020304" pitchFamily="18" charset="0"/>
+              </a:rPr>
+              <a:t> </a:t>
+            </a:r>
+            <a:r>
+              <a:rPr lang="en-US" altLang="zh-CN" sz="1600" dirty="0">
+                <a:solidFill>
+                  <a:schemeClr val="bg2">
+                    <a:lumMod val="50000"/>
+                  </a:schemeClr>
+                </a:solidFill>
+                <a:latin typeface="Times New Roman" panose="02020603050405020304" pitchFamily="18" charset="0"/>
+                <a:cs typeface="Times New Roman" panose="02020603050405020304" pitchFamily="18" charset="0"/>
+              </a:rPr>
+              <a:t>3x3</a:t>
+            </a:r>
+            <a:endParaRPr lang="zh-CN" altLang="en-US" sz="1600" dirty="0">
+              <a:solidFill>
+                <a:schemeClr val="bg2">
+                  <a:lumMod val="50000"/>
+                </a:schemeClr>
+              </a:solidFill>
+              <a:latin typeface="Times New Roman" panose="02020603050405020304" pitchFamily="18" charset="0"/>
+              <a:cs typeface="Times New Roman" panose="02020603050405020304" pitchFamily="18" charset="0"/>
+            </a:endParaRPr>
+          </a:p>
+        </p:txBody>
+      </p:sp>
+      <p:cxnSp>
+        <p:nvCxnSpPr>
+          <p:cNvPr id="109" name="直接箭头连接符 108">
+            <a:extLst>
+              <a:ext uri="{FF2B5EF4-FFF2-40B4-BE49-F238E27FC236}">
+                <a16:creationId xmlns:a16="http://schemas.microsoft.com/office/drawing/2014/main" id="{2634C597-21DD-CD0E-75B2-D8FAFF95B654}"/>
+              </a:ext>
+            </a:extLst>
+          </p:cNvPr>
+          <p:cNvCxnSpPr>
+            <a:cxnSpLocks/>
+            <a:stCxn id="67" idx="2"/>
+            <a:endCxn id="68" idx="0"/>
+          </p:cNvCxnSpPr>
+          <p:nvPr/>
+        </p:nvCxnSpPr>
+        <p:spPr>
+          <a:xfrm>
+            <a:off x="7933086" y="2174989"/>
+            <a:ext cx="1" cy="771950"/>
+          </a:xfrm>
+          <a:prstGeom prst="straightConnector1">
+            <a:avLst/>
+          </a:prstGeom>
+          <a:ln w="38100">
+            <a:solidFill>
+              <a:schemeClr val="tx1"/>
+            </a:solidFill>
+            <a:tailEnd type="triangle"/>
+          </a:ln>
+        </p:spPr>
+        <p:style>
+          <a:lnRef idx="2">
+            <a:schemeClr val="accent1"/>
+          </a:lnRef>
+          <a:fillRef idx="0">
+            <a:schemeClr val="accent1"/>
+          </a:fillRef>
+          <a:effectRef idx="1">
+            <a:schemeClr val="accent1"/>
+          </a:effectRef>
+          <a:fontRef idx="minor">
+            <a:schemeClr val="tx1"/>
+          </a:fontRef>
+        </p:style>
+      </p:cxnSp>
+      <p:pic>
+        <p:nvPicPr>
+          <p:cNvPr id="113" name="图片 112" descr="图片包含 游戏机, 灯, 建筑, 灯光&#10;&#10;描述已自动生成">
+            <a:extLst>
+              <a:ext uri="{FF2B5EF4-FFF2-40B4-BE49-F238E27FC236}">
+                <a16:creationId xmlns:a16="http://schemas.microsoft.com/office/drawing/2014/main" id="{66ECC307-D61F-7C2F-25C9-DC2777E38A13}"/>
+              </a:ext>
+            </a:extLst>
+          </p:cNvPr>
+          <p:cNvPicPr>
+            <a:picLocks noChangeAspect="1"/>
+          </p:cNvPicPr>
+          <p:nvPr/>
+        </p:nvPicPr>
+        <p:blipFill>
+          <a:blip r:embed="rId2">
+            <a:extLst>
+              <a:ext uri="{28A0092B-C50C-407E-A947-70E740481C1C}">
+                <a14:useLocalDpi xmlns:a14="http://schemas.microsoft.com/office/drawing/2010/main" val="0"/>
+              </a:ext>
+            </a:extLst>
+          </a:blip>
+          <a:stretch>
+            <a:fillRect/>
+          </a:stretch>
+        </p:blipFill>
+        <p:spPr>
+          <a:xfrm>
+            <a:off x="913273" y="1346989"/>
+            <a:ext cx="1080000" cy="1080000"/>
+          </a:xfrm>
+          <a:prstGeom prst="rect">
+            <a:avLst/>
+          </a:prstGeom>
+        </p:spPr>
+      </p:pic>
+    </p:spTree>
+    <p:extLst>
+      <p:ext uri="{BB962C8B-B14F-4D97-AF65-F5344CB8AC3E}">
+        <p14:creationId xmlns:p14="http://schemas.microsoft.com/office/powerpoint/2010/main" val="2466082206"/>
+      </p:ext>
+    </p:extLst>
+  </p:cSld>
+  <p:clrMapOvr>
+    <a:masterClrMapping/>
+  </p:clrMapOvr>
+</p:sld>
+</file>
+
+<file path=ppt/slides/slide2.xml><?xml version="1.0" encoding="utf-8"?>
+<p:sld xmlns:a="http://schemas.openxmlformats.org/drawingml/2006/main" xmlns:r="http://schemas.openxmlformats.org/officeDocument/2006/relationships" xmlns:p="http://schemas.openxmlformats.org/presentationml/2006/main">
+  <p:cSld>
+    <p:spTree>
+      <p:nvGrpSpPr>
+        <p:cNvPr id="1" name="">
+          <a:extLst>
+            <a:ext uri="{FF2B5EF4-FFF2-40B4-BE49-F238E27FC236}">
+              <a16:creationId xmlns:a16="http://schemas.microsoft.com/office/drawing/2014/main" id="{613E74EF-7C0A-B25A-97D6-3CAF66CFA86D}"/>
+            </a:ext>
+          </a:extLst>
+        </p:cNvPr>
+        <p:cNvGrpSpPr/>
+        <p:nvPr/>
+      </p:nvGrpSpPr>
+      <p:grpSpPr>
+        <a:xfrm>
+          <a:off x="0" y="0"/>
+          <a:ext cx="0" cy="0"/>
+          <a:chOff x="0" y="0"/>
+          <a:chExt cx="0" cy="0"/>
+        </a:xfrm>
+      </p:grpSpPr>
+      <p:sp>
+        <p:nvSpPr>
+          <p:cNvPr id="4" name="矩形: 圆角 3">
+            <a:extLst>
+              <a:ext uri="{FF2B5EF4-FFF2-40B4-BE49-F238E27FC236}">
+                <a16:creationId xmlns:a16="http://schemas.microsoft.com/office/drawing/2014/main" id="{9B666A12-840E-2B5C-4EC3-51BF5DE0154C}"/>
+              </a:ext>
+            </a:extLst>
+          </p:cNvPr>
+          <p:cNvSpPr/>
+          <p:nvPr/>
+        </p:nvSpPr>
+        <p:spPr>
+          <a:xfrm>
+            <a:off x="1512521" y="752168"/>
+            <a:ext cx="4674697" cy="5220586"/>
+          </a:xfrm>
+          <a:prstGeom prst="roundRect">
+            <a:avLst>
+              <a:gd name="adj" fmla="val 4388"/>
+            </a:avLst>
+          </a:prstGeom>
+          <a:solidFill>
+            <a:srgbClr val="D6CADB"/>
+          </a:solidFill>
+          <a:ln w="28575">
+            <a:noFill/>
+            <a:prstDash val="dash"/>
+          </a:ln>
+        </p:spPr>
+        <p:style>
+          <a:lnRef idx="2">
+            <a:schemeClr val="accent1">
+              <a:shade val="15000"/>
+            </a:schemeClr>
+          </a:lnRef>
+          <a:fillRef idx="1">
+            <a:schemeClr val="accent1"/>
+          </a:fillRef>
+          <a:effectRef idx="0">
+            <a:schemeClr val="accent1"/>
+          </a:effectRef>
+          <a:fontRef idx="minor">
+            <a:schemeClr val="lt1"/>
+          </a:fontRef>
+        </p:style>
+        <p:txBody>
+          <a:bodyPr rtlCol="0" anchor="ctr"/>
+          <a:lstStyle/>
+          <a:p>
+            <a:pPr algn="ctr"/>
+            <a:endParaRPr lang="zh-CN" altLang="en-US" dirty="0"/>
+          </a:p>
+        </p:txBody>
+      </p:sp>
+      <p:sp>
+        <p:nvSpPr>
+          <p:cNvPr id="23" name="椭圆 22">
+            <a:extLst>
+              <a:ext uri="{FF2B5EF4-FFF2-40B4-BE49-F238E27FC236}">
+                <a16:creationId xmlns:a16="http://schemas.microsoft.com/office/drawing/2014/main" id="{09250BB6-58B3-ACD4-16E2-7839D1C02E11}"/>
+              </a:ext>
+            </a:extLst>
+          </p:cNvPr>
+          <p:cNvSpPr/>
+          <p:nvPr/>
+        </p:nvSpPr>
+        <p:spPr>
+          <a:xfrm>
+            <a:off x="4447868" y="2005094"/>
+            <a:ext cx="1429879" cy="667837"/>
+          </a:xfrm>
+          <a:prstGeom prst="ellipse">
+            <a:avLst/>
+          </a:prstGeom>
+          <a:solidFill>
+            <a:srgbClr val="CADCC9"/>
+          </a:solidFill>
+          <a:ln>
+            <a:noFill/>
+          </a:ln>
+        </p:spPr>
+        <p:style>
+          <a:lnRef idx="2">
+            <a:schemeClr val="accent1">
+              <a:shade val="15000"/>
+            </a:schemeClr>
+          </a:lnRef>
+          <a:fillRef idx="1">
+            <a:schemeClr val="accent1"/>
+          </a:fillRef>
+          <a:effectRef idx="0">
+            <a:schemeClr val="accent1"/>
+          </a:effectRef>
+          <a:fontRef idx="minor">
+            <a:schemeClr val="lt1"/>
+          </a:fontRef>
+        </p:style>
+        <p:txBody>
+          <a:bodyPr rtlCol="0" anchor="ctr"/>
+          <a:lstStyle/>
+          <a:p>
+            <a:pPr algn="ctr"/>
+            <a:r>
+              <a:rPr lang="en-US" altLang="zh-CN" dirty="0">
+                <a:solidFill>
+                  <a:schemeClr val="tx1"/>
+                </a:solidFill>
+              </a:rPr>
+              <a:t>Softmax</a:t>
+            </a:r>
+            <a:endParaRPr lang="zh-CN" altLang="en-US" dirty="0">
+              <a:solidFill>
+                <a:schemeClr val="tx1"/>
+              </a:solidFill>
+            </a:endParaRPr>
+          </a:p>
+        </p:txBody>
+      </p:sp>
+      <p:sp>
+        <p:nvSpPr>
+          <p:cNvPr id="43" name="矩形 42">
+            <a:extLst>
+              <a:ext uri="{FF2B5EF4-FFF2-40B4-BE49-F238E27FC236}">
+                <a16:creationId xmlns:a16="http://schemas.microsoft.com/office/drawing/2014/main" id="{03FC9D09-B7E7-8F8E-42FB-DEB1B200E82F}"/>
+              </a:ext>
+            </a:extLst>
+          </p:cNvPr>
+          <p:cNvSpPr/>
+          <p:nvPr/>
+        </p:nvSpPr>
+        <p:spPr>
+          <a:xfrm>
+            <a:off x="4490923" y="1175818"/>
+            <a:ext cx="1380018" cy="432000"/>
+          </a:xfrm>
+          <a:prstGeom prst="rect">
+            <a:avLst/>
+          </a:prstGeom>
+          <a:solidFill>
+            <a:schemeClr val="tx2">
+              <a:lumMod val="10000"/>
+              <a:lumOff val="90000"/>
+            </a:schemeClr>
+          </a:solidFill>
+          <a:ln>
+            <a:noFill/>
+          </a:ln>
+        </p:spPr>
+        <p:style>
+          <a:lnRef idx="2">
+            <a:schemeClr val="accent1">
+              <a:shade val="15000"/>
+            </a:schemeClr>
+          </a:lnRef>
+          <a:fillRef idx="1">
+            <a:schemeClr val="accent1"/>
+          </a:fillRef>
+          <a:effectRef idx="0">
+            <a:schemeClr val="accent1"/>
+          </a:effectRef>
+          <a:fontRef idx="minor">
+            <a:schemeClr val="lt1"/>
+          </a:fontRef>
+        </p:style>
+        <p:txBody>
+          <a:bodyPr rtlCol="0" anchor="ctr"/>
+          <a:lstStyle/>
+          <a:p>
+            <a:pPr algn="ctr"/>
+            <a:r>
+              <a:rPr lang="en-US" altLang="zh-CN" dirty="0">
+                <a:solidFill>
+                  <a:schemeClr val="tx1"/>
+                </a:solidFill>
+              </a:rPr>
+              <a:t>conv(1x1)</a:t>
+            </a:r>
+            <a:endParaRPr lang="zh-CN" altLang="en-US" dirty="0">
+              <a:solidFill>
+                <a:schemeClr val="tx1"/>
+              </a:solidFill>
+            </a:endParaRPr>
           </a:p>
         </p:txBody>
       </p:sp>
       <p:grpSp>
         <p:nvGrpSpPr>
-          <p:cNvPr id="14" name="组合 13">
-            <a:extLst>
-              <a:ext uri="{FF2B5EF4-FFF2-40B4-BE49-F238E27FC236}">
-                <a16:creationId xmlns:a16="http://schemas.microsoft.com/office/drawing/2014/main" id="{51886A0E-DF33-9A14-BDF3-3289F725963A}"/>
+          <p:cNvPr id="44" name="组合 43">
+            <a:extLst>
+              <a:ext uri="{FF2B5EF4-FFF2-40B4-BE49-F238E27FC236}">
+                <a16:creationId xmlns:a16="http://schemas.microsoft.com/office/drawing/2014/main" id="{69E477AA-51DC-6BDC-D819-AB2304260F3B}"/>
               </a:ext>
             </a:extLst>
           </p:cNvPr>
@@ -3616,7 +5133,7 @@
         </p:nvGrpSpPr>
         <p:grpSpPr>
           <a:xfrm>
-            <a:off x="10439252" y="1236920"/>
+            <a:off x="3773150" y="2204637"/>
             <a:ext cx="336699" cy="336699"/>
             <a:chOff x="4692502" y="1818166"/>
             <a:chExt cx="336699" cy="336699"/>
@@ -3624,10 +5141,10 @@
         </p:grpSpPr>
         <p:sp>
           <p:nvSpPr>
-            <p:cNvPr id="9" name="椭圆 8">
+            <p:cNvPr id="45" name="椭圆 44">
               <a:extLst>
                 <a:ext uri="{FF2B5EF4-FFF2-40B4-BE49-F238E27FC236}">
-                  <a16:creationId xmlns:a16="http://schemas.microsoft.com/office/drawing/2014/main" id="{633CAB06-1759-56A1-FD92-058F056B4798}"/>
+                  <a16:creationId xmlns:a16="http://schemas.microsoft.com/office/drawing/2014/main" id="{83B2F75A-F8AC-F032-298F-44E2F81D592F}"/>
                 </a:ext>
               </a:extLst>
             </p:cNvPr>
@@ -3679,16 +5196,16 @@
         </p:sp>
         <p:cxnSp>
           <p:nvCxnSpPr>
-            <p:cNvPr id="11" name="直接连接符 10">
+            <p:cNvPr id="46" name="直接连接符 45">
               <a:extLst>
                 <a:ext uri="{FF2B5EF4-FFF2-40B4-BE49-F238E27FC236}">
-                  <a16:creationId xmlns:a16="http://schemas.microsoft.com/office/drawing/2014/main" id="{1DE648B2-1140-4331-1275-FF3107DE963C}"/>
+                  <a16:creationId xmlns:a16="http://schemas.microsoft.com/office/drawing/2014/main" id="{9C2A2262-9B54-DCC5-2EE5-003A857D433E}"/>
                 </a:ext>
               </a:extLst>
             </p:cNvPr>
             <p:cNvCxnSpPr>
-              <a:stCxn id="9" idx="1"/>
-              <a:endCxn id="9" idx="5"/>
+              <a:stCxn id="45" idx="1"/>
+              <a:endCxn id="45" idx="5"/>
             </p:cNvCxnSpPr>
             <p:nvPr/>
           </p:nvCxnSpPr>
@@ -3723,16 +5240,16 @@
         </p:cxnSp>
         <p:cxnSp>
           <p:nvCxnSpPr>
-            <p:cNvPr id="13" name="直接连接符 12">
+            <p:cNvPr id="47" name="直接连接符 46">
               <a:extLst>
                 <a:ext uri="{FF2B5EF4-FFF2-40B4-BE49-F238E27FC236}">
-                  <a16:creationId xmlns:a16="http://schemas.microsoft.com/office/drawing/2014/main" id="{96E2BBDA-BB74-B749-5800-511841200545}"/>
+                  <a16:creationId xmlns:a16="http://schemas.microsoft.com/office/drawing/2014/main" id="{BA626857-D881-0645-BEA6-65A578857334}"/>
                 </a:ext>
               </a:extLst>
             </p:cNvPr>
             <p:cNvCxnSpPr>
-              <a:stCxn id="9" idx="7"/>
-              <a:endCxn id="9" idx="3"/>
+              <a:stCxn id="45" idx="7"/>
+              <a:endCxn id="45" idx="3"/>
             </p:cNvCxnSpPr>
             <p:nvPr/>
           </p:nvCxnSpPr>
@@ -3766,12 +5283,568 @@
           </p:style>
         </p:cxnSp>
       </p:grpSp>
+      <p:sp>
+        <p:nvSpPr>
+          <p:cNvPr id="48" name="矩形 47">
+            <a:extLst>
+              <a:ext uri="{FF2B5EF4-FFF2-40B4-BE49-F238E27FC236}">
+                <a16:creationId xmlns:a16="http://schemas.microsoft.com/office/drawing/2014/main" id="{478F280F-2608-D143-8C5F-857269F3F1B8}"/>
+              </a:ext>
+            </a:extLst>
+          </p:cNvPr>
+          <p:cNvSpPr/>
+          <p:nvPr/>
+        </p:nvSpPr>
+        <p:spPr>
+          <a:xfrm>
+            <a:off x="3251491" y="2930461"/>
+            <a:ext cx="1380018" cy="432000"/>
+          </a:xfrm>
+          <a:prstGeom prst="rect">
+            <a:avLst/>
+          </a:prstGeom>
+          <a:solidFill>
+            <a:schemeClr val="tx2">
+              <a:lumMod val="10000"/>
+              <a:lumOff val="90000"/>
+            </a:schemeClr>
+          </a:solidFill>
+          <a:ln>
+            <a:noFill/>
+          </a:ln>
+        </p:spPr>
+        <p:style>
+          <a:lnRef idx="2">
+            <a:schemeClr val="accent1">
+              <a:shade val="15000"/>
+            </a:schemeClr>
+          </a:lnRef>
+          <a:fillRef idx="1">
+            <a:schemeClr val="accent1"/>
+          </a:fillRef>
+          <a:effectRef idx="0">
+            <a:schemeClr val="accent1"/>
+          </a:effectRef>
+          <a:fontRef idx="minor">
+            <a:schemeClr val="lt1"/>
+          </a:fontRef>
+        </p:style>
+        <p:txBody>
+          <a:bodyPr rtlCol="0" anchor="ctr"/>
+          <a:lstStyle/>
+          <a:p>
+            <a:pPr algn="ctr"/>
+            <a:r>
+              <a:rPr lang="en-US" altLang="zh-CN" dirty="0">
+                <a:solidFill>
+                  <a:schemeClr val="tx1"/>
+                </a:solidFill>
+              </a:rPr>
+              <a:t>conv(1x1)</a:t>
+            </a:r>
+            <a:endParaRPr lang="zh-CN" altLang="en-US" dirty="0">
+              <a:solidFill>
+                <a:schemeClr val="tx1"/>
+              </a:solidFill>
+            </a:endParaRPr>
+          </a:p>
+        </p:txBody>
+      </p:sp>
+      <p:sp>
+        <p:nvSpPr>
+          <p:cNvPr id="49" name="矩形 48">
+            <a:extLst>
+              <a:ext uri="{FF2B5EF4-FFF2-40B4-BE49-F238E27FC236}">
+                <a16:creationId xmlns:a16="http://schemas.microsoft.com/office/drawing/2014/main" id="{AE50AE6D-7436-5EB1-B323-4C6B80A81E4D}"/>
+              </a:ext>
+            </a:extLst>
+          </p:cNvPr>
+          <p:cNvSpPr/>
+          <p:nvPr/>
+        </p:nvSpPr>
+        <p:spPr>
+          <a:xfrm>
+            <a:off x="3251491" y="3690187"/>
+            <a:ext cx="1380018" cy="432000"/>
+          </a:xfrm>
+          <a:prstGeom prst="rect">
+            <a:avLst/>
+          </a:prstGeom>
+          <a:solidFill>
+            <a:schemeClr val="tx2">
+              <a:lumMod val="10000"/>
+              <a:lumOff val="90000"/>
+            </a:schemeClr>
+          </a:solidFill>
+          <a:ln>
+            <a:noFill/>
+          </a:ln>
+        </p:spPr>
+        <p:style>
+          <a:lnRef idx="2">
+            <a:schemeClr val="accent1">
+              <a:shade val="15000"/>
+            </a:schemeClr>
+          </a:lnRef>
+          <a:fillRef idx="1">
+            <a:schemeClr val="accent1"/>
+          </a:fillRef>
+          <a:effectRef idx="0">
+            <a:schemeClr val="accent1"/>
+          </a:effectRef>
+          <a:fontRef idx="minor">
+            <a:schemeClr val="lt1"/>
+          </a:fontRef>
+        </p:style>
+        <p:txBody>
+          <a:bodyPr rtlCol="0" anchor="ctr"/>
+          <a:lstStyle/>
+          <a:p>
+            <a:pPr algn="ctr"/>
+            <a:r>
+              <a:rPr lang="en-US" altLang="zh-CN" dirty="0">
+                <a:solidFill>
+                  <a:schemeClr val="tx1"/>
+                </a:solidFill>
+              </a:rPr>
+              <a:t>ReLU</a:t>
+            </a:r>
+            <a:endParaRPr lang="zh-CN" altLang="en-US" dirty="0">
+              <a:solidFill>
+                <a:schemeClr val="tx1"/>
+              </a:solidFill>
+            </a:endParaRPr>
+          </a:p>
+        </p:txBody>
+      </p:sp>
+      <p:sp>
+        <p:nvSpPr>
+          <p:cNvPr id="50" name="矩形 49">
+            <a:extLst>
+              <a:ext uri="{FF2B5EF4-FFF2-40B4-BE49-F238E27FC236}">
+                <a16:creationId xmlns:a16="http://schemas.microsoft.com/office/drawing/2014/main" id="{084A73C1-6BF6-512F-9E1F-80AF03F8F149}"/>
+              </a:ext>
+            </a:extLst>
+          </p:cNvPr>
+          <p:cNvSpPr/>
+          <p:nvPr/>
+        </p:nvSpPr>
+        <p:spPr>
+          <a:xfrm>
+            <a:off x="3251491" y="4449912"/>
+            <a:ext cx="1380018" cy="432000"/>
+          </a:xfrm>
+          <a:prstGeom prst="rect">
+            <a:avLst/>
+          </a:prstGeom>
+          <a:solidFill>
+            <a:schemeClr val="tx2">
+              <a:lumMod val="10000"/>
+              <a:lumOff val="90000"/>
+            </a:schemeClr>
+          </a:solidFill>
+          <a:ln>
+            <a:noFill/>
+          </a:ln>
+        </p:spPr>
+        <p:style>
+          <a:lnRef idx="2">
+            <a:schemeClr val="accent1">
+              <a:shade val="15000"/>
+            </a:schemeClr>
+          </a:lnRef>
+          <a:fillRef idx="1">
+            <a:schemeClr val="accent1"/>
+          </a:fillRef>
+          <a:effectRef idx="0">
+            <a:schemeClr val="accent1"/>
+          </a:effectRef>
+          <a:fontRef idx="minor">
+            <a:schemeClr val="lt1"/>
+          </a:fontRef>
+        </p:style>
+        <p:txBody>
+          <a:bodyPr rtlCol="0" anchor="ctr"/>
+          <a:lstStyle/>
+          <a:p>
+            <a:pPr algn="ctr"/>
+            <a:r>
+              <a:rPr lang="en-US" altLang="zh-CN" dirty="0">
+                <a:solidFill>
+                  <a:schemeClr val="tx1"/>
+                </a:solidFill>
+              </a:rPr>
+              <a:t>conv(1x1)</a:t>
+            </a:r>
+            <a:endParaRPr lang="zh-CN" altLang="en-US" dirty="0">
+              <a:solidFill>
+                <a:schemeClr val="tx1"/>
+              </a:solidFill>
+            </a:endParaRPr>
+          </a:p>
+        </p:txBody>
+      </p:sp>
+      <p:cxnSp>
+        <p:nvCxnSpPr>
+          <p:cNvPr id="22" name="直接箭头连接符 21">
+            <a:extLst>
+              <a:ext uri="{FF2B5EF4-FFF2-40B4-BE49-F238E27FC236}">
+                <a16:creationId xmlns:a16="http://schemas.microsoft.com/office/drawing/2014/main" id="{FE560E7F-95B8-039F-1D5C-825E951CA335}"/>
+              </a:ext>
+            </a:extLst>
+          </p:cNvPr>
+          <p:cNvCxnSpPr/>
+          <p:nvPr/>
+        </p:nvCxnSpPr>
+        <p:spPr>
+          <a:xfrm>
+            <a:off x="2184505" y="1046426"/>
+            <a:ext cx="0" cy="4632070"/>
+          </a:xfrm>
+          <a:prstGeom prst="straightConnector1">
+            <a:avLst/>
+          </a:prstGeom>
+          <a:ln w="28575">
+            <a:solidFill>
+              <a:schemeClr val="tx1"/>
+            </a:solidFill>
+            <a:tailEnd type="triangle"/>
+          </a:ln>
+        </p:spPr>
+        <p:style>
+          <a:lnRef idx="2">
+            <a:schemeClr val="accent1"/>
+          </a:lnRef>
+          <a:fillRef idx="0">
+            <a:schemeClr val="accent1"/>
+          </a:fillRef>
+          <a:effectRef idx="1">
+            <a:schemeClr val="accent1"/>
+          </a:effectRef>
+          <a:fontRef idx="minor">
+            <a:schemeClr val="tx1"/>
+          </a:fontRef>
+        </p:style>
+      </p:cxnSp>
+      <p:cxnSp>
+        <p:nvCxnSpPr>
+          <p:cNvPr id="25" name="直接箭头连接符 24">
+            <a:extLst>
+              <a:ext uri="{FF2B5EF4-FFF2-40B4-BE49-F238E27FC236}">
+                <a16:creationId xmlns:a16="http://schemas.microsoft.com/office/drawing/2014/main" id="{ADB0B9E6-E0C5-80FE-AD91-BC9969E4A428}"/>
+              </a:ext>
+            </a:extLst>
+          </p:cNvPr>
+          <p:cNvCxnSpPr>
+            <a:cxnSpLocks/>
+          </p:cNvCxnSpPr>
+          <p:nvPr/>
+        </p:nvCxnSpPr>
+        <p:spPr>
+          <a:xfrm>
+            <a:off x="2184505" y="1411009"/>
+            <a:ext cx="2306418" cy="0"/>
+          </a:xfrm>
+          <a:prstGeom prst="straightConnector1">
+            <a:avLst/>
+          </a:prstGeom>
+          <a:ln w="28575">
+            <a:solidFill>
+              <a:srgbClr val="000000"/>
+            </a:solidFill>
+            <a:tailEnd type="triangle"/>
+          </a:ln>
+        </p:spPr>
+        <p:style>
+          <a:lnRef idx="2">
+            <a:schemeClr val="accent1"/>
+          </a:lnRef>
+          <a:fillRef idx="0">
+            <a:schemeClr val="accent1"/>
+          </a:fillRef>
+          <a:effectRef idx="1">
+            <a:schemeClr val="accent1"/>
+          </a:effectRef>
+          <a:fontRef idx="minor">
+            <a:schemeClr val="tx1"/>
+          </a:fontRef>
+        </p:style>
+      </p:cxnSp>
+      <p:cxnSp>
+        <p:nvCxnSpPr>
+          <p:cNvPr id="29" name="直接箭头连接符 28">
+            <a:extLst>
+              <a:ext uri="{FF2B5EF4-FFF2-40B4-BE49-F238E27FC236}">
+                <a16:creationId xmlns:a16="http://schemas.microsoft.com/office/drawing/2014/main" id="{F42C261B-73EF-30C8-FE1F-13B1E7642C4D}"/>
+              </a:ext>
+            </a:extLst>
+          </p:cNvPr>
+          <p:cNvCxnSpPr>
+            <a:cxnSpLocks/>
+          </p:cNvCxnSpPr>
+          <p:nvPr/>
+        </p:nvCxnSpPr>
+        <p:spPr>
+          <a:xfrm>
+            <a:off x="3941499" y="1411009"/>
+            <a:ext cx="0" cy="768436"/>
+          </a:xfrm>
+          <a:prstGeom prst="straightConnector1">
+            <a:avLst/>
+          </a:prstGeom>
+          <a:ln w="28575">
+            <a:solidFill>
+              <a:schemeClr val="tx1"/>
+            </a:solidFill>
+            <a:tailEnd type="triangle"/>
+          </a:ln>
+        </p:spPr>
+        <p:style>
+          <a:lnRef idx="2">
+            <a:schemeClr val="accent1"/>
+          </a:lnRef>
+          <a:fillRef idx="0">
+            <a:schemeClr val="accent1"/>
+          </a:fillRef>
+          <a:effectRef idx="1">
+            <a:schemeClr val="accent1"/>
+          </a:effectRef>
+          <a:fontRef idx="minor">
+            <a:schemeClr val="tx1"/>
+          </a:fontRef>
+        </p:style>
+      </p:cxnSp>
+      <p:cxnSp>
+        <p:nvCxnSpPr>
+          <p:cNvPr id="39" name="直接箭头连接符 38">
+            <a:extLst>
+              <a:ext uri="{FF2B5EF4-FFF2-40B4-BE49-F238E27FC236}">
+                <a16:creationId xmlns:a16="http://schemas.microsoft.com/office/drawing/2014/main" id="{0FA3A8E9-0EFD-5DCD-F4A9-58524C09AC68}"/>
+              </a:ext>
+            </a:extLst>
+          </p:cNvPr>
+          <p:cNvCxnSpPr>
+            <a:cxnSpLocks/>
+            <a:stCxn id="43" idx="2"/>
+          </p:cNvCxnSpPr>
+          <p:nvPr/>
+        </p:nvCxnSpPr>
+        <p:spPr>
+          <a:xfrm>
+            <a:off x="5180932" y="1607818"/>
+            <a:ext cx="0" cy="397276"/>
+          </a:xfrm>
+          <a:prstGeom prst="straightConnector1">
+            <a:avLst/>
+          </a:prstGeom>
+          <a:ln w="28575">
+            <a:solidFill>
+              <a:schemeClr val="tx1"/>
+            </a:solidFill>
+            <a:tailEnd type="triangle"/>
+          </a:ln>
+        </p:spPr>
+        <p:style>
+          <a:lnRef idx="2">
+            <a:schemeClr val="accent1"/>
+          </a:lnRef>
+          <a:fillRef idx="0">
+            <a:schemeClr val="accent1"/>
+          </a:fillRef>
+          <a:effectRef idx="1">
+            <a:schemeClr val="accent1"/>
+          </a:effectRef>
+          <a:fontRef idx="minor">
+            <a:schemeClr val="tx1"/>
+          </a:fontRef>
+        </p:style>
+      </p:cxnSp>
+      <p:cxnSp>
+        <p:nvCxnSpPr>
+          <p:cNvPr id="52" name="直接箭头连接符 51">
+            <a:extLst>
+              <a:ext uri="{FF2B5EF4-FFF2-40B4-BE49-F238E27FC236}">
+                <a16:creationId xmlns:a16="http://schemas.microsoft.com/office/drawing/2014/main" id="{5A53BC7E-FADB-68FD-DE23-F69C8568774B}"/>
+              </a:ext>
+            </a:extLst>
+          </p:cNvPr>
+          <p:cNvCxnSpPr>
+            <a:cxnSpLocks/>
+          </p:cNvCxnSpPr>
+          <p:nvPr/>
+        </p:nvCxnSpPr>
+        <p:spPr>
+          <a:xfrm flipH="1">
+            <a:off x="4152900" y="2361884"/>
+            <a:ext cx="294968" cy="0"/>
+          </a:xfrm>
+          <a:prstGeom prst="straightConnector1">
+            <a:avLst/>
+          </a:prstGeom>
+          <a:ln w="28575">
+            <a:solidFill>
+              <a:schemeClr val="tx1"/>
+            </a:solidFill>
+            <a:tailEnd type="triangle"/>
+          </a:ln>
+        </p:spPr>
+        <p:style>
+          <a:lnRef idx="2">
+            <a:schemeClr val="accent1"/>
+          </a:lnRef>
+          <a:fillRef idx="0">
+            <a:schemeClr val="accent1"/>
+          </a:fillRef>
+          <a:effectRef idx="1">
+            <a:schemeClr val="accent1"/>
+          </a:effectRef>
+          <a:fontRef idx="minor">
+            <a:schemeClr val="tx1"/>
+          </a:fontRef>
+        </p:style>
+      </p:cxnSp>
+      <p:cxnSp>
+        <p:nvCxnSpPr>
+          <p:cNvPr id="56" name="直接箭头连接符 55">
+            <a:extLst>
+              <a:ext uri="{FF2B5EF4-FFF2-40B4-BE49-F238E27FC236}">
+                <a16:creationId xmlns:a16="http://schemas.microsoft.com/office/drawing/2014/main" id="{D570594A-D078-6A99-ACD8-5255EF61CD5C}"/>
+              </a:ext>
+            </a:extLst>
+          </p:cNvPr>
+          <p:cNvCxnSpPr>
+            <a:cxnSpLocks/>
+            <a:endCxn id="48" idx="0"/>
+          </p:cNvCxnSpPr>
+          <p:nvPr/>
+        </p:nvCxnSpPr>
+        <p:spPr>
+          <a:xfrm>
+            <a:off x="3941500" y="2578057"/>
+            <a:ext cx="0" cy="352404"/>
+          </a:xfrm>
+          <a:prstGeom prst="straightConnector1">
+            <a:avLst/>
+          </a:prstGeom>
+          <a:ln w="28575">
+            <a:solidFill>
+              <a:schemeClr val="tx1"/>
+            </a:solidFill>
+            <a:tailEnd type="triangle"/>
+          </a:ln>
+        </p:spPr>
+        <p:style>
+          <a:lnRef idx="2">
+            <a:schemeClr val="accent1"/>
+          </a:lnRef>
+          <a:fillRef idx="0">
+            <a:schemeClr val="accent1"/>
+          </a:fillRef>
+          <a:effectRef idx="1">
+            <a:schemeClr val="accent1"/>
+          </a:effectRef>
+          <a:fontRef idx="minor">
+            <a:schemeClr val="tx1"/>
+          </a:fontRef>
+        </p:style>
+      </p:cxnSp>
+      <p:cxnSp>
+        <p:nvCxnSpPr>
+          <p:cNvPr id="59" name="直接箭头连接符 58">
+            <a:extLst>
+              <a:ext uri="{FF2B5EF4-FFF2-40B4-BE49-F238E27FC236}">
+                <a16:creationId xmlns:a16="http://schemas.microsoft.com/office/drawing/2014/main" id="{98971538-AC69-1076-A68F-B284DF906A3C}"/>
+              </a:ext>
+            </a:extLst>
+          </p:cNvPr>
+          <p:cNvCxnSpPr>
+            <a:cxnSpLocks/>
+            <a:stCxn id="48" idx="2"/>
+            <a:endCxn id="49" idx="0"/>
+          </p:cNvCxnSpPr>
+          <p:nvPr/>
+        </p:nvCxnSpPr>
+        <p:spPr>
+          <a:xfrm>
+            <a:off x="3941500" y="3362461"/>
+            <a:ext cx="0" cy="327726"/>
+          </a:xfrm>
+          <a:prstGeom prst="straightConnector1">
+            <a:avLst/>
+          </a:prstGeom>
+          <a:ln w="28575">
+            <a:solidFill>
+              <a:schemeClr val="tx1"/>
+            </a:solidFill>
+            <a:tailEnd type="triangle"/>
+          </a:ln>
+        </p:spPr>
+        <p:style>
+          <a:lnRef idx="2">
+            <a:schemeClr val="accent1"/>
+          </a:lnRef>
+          <a:fillRef idx="0">
+            <a:schemeClr val="accent1"/>
+          </a:fillRef>
+          <a:effectRef idx="1">
+            <a:schemeClr val="accent1"/>
+          </a:effectRef>
+          <a:fontRef idx="minor">
+            <a:schemeClr val="tx1"/>
+          </a:fontRef>
+        </p:style>
+      </p:cxnSp>
+      <p:cxnSp>
+        <p:nvCxnSpPr>
+          <p:cNvPr id="60" name="直接箭头连接符 59">
+            <a:extLst>
+              <a:ext uri="{FF2B5EF4-FFF2-40B4-BE49-F238E27FC236}">
+                <a16:creationId xmlns:a16="http://schemas.microsoft.com/office/drawing/2014/main" id="{53ACE8BC-C453-C6AE-18BD-056A788AAC0D}"/>
+              </a:ext>
+            </a:extLst>
+          </p:cNvPr>
+          <p:cNvCxnSpPr>
+            <a:cxnSpLocks/>
+            <a:stCxn id="49" idx="2"/>
+          </p:cNvCxnSpPr>
+          <p:nvPr/>
+        </p:nvCxnSpPr>
+        <p:spPr>
+          <a:xfrm>
+            <a:off x="3941500" y="4122187"/>
+            <a:ext cx="0" cy="321257"/>
+          </a:xfrm>
+          <a:prstGeom prst="straightConnector1">
+            <a:avLst/>
+          </a:prstGeom>
+          <a:ln w="28575">
+            <a:solidFill>
+              <a:schemeClr val="tx1"/>
+            </a:solidFill>
+            <a:tailEnd type="triangle"/>
+          </a:ln>
+        </p:spPr>
+        <p:style>
+          <a:lnRef idx="2">
+            <a:schemeClr val="accent1"/>
+          </a:lnRef>
+          <a:fillRef idx="0">
+            <a:schemeClr val="accent1"/>
+          </a:fillRef>
+          <a:effectRef idx="1">
+            <a:schemeClr val="accent1"/>
+          </a:effectRef>
+          <a:fontRef idx="minor">
+            <a:schemeClr val="tx1"/>
+          </a:fontRef>
+        </p:style>
+      </p:cxnSp>
       <p:grpSp>
         <p:nvGrpSpPr>
-          <p:cNvPr id="19" name="组合 18">
-            <a:extLst>
-              <a:ext uri="{FF2B5EF4-FFF2-40B4-BE49-F238E27FC236}">
-                <a16:creationId xmlns:a16="http://schemas.microsoft.com/office/drawing/2014/main" id="{7C8A688C-F8B7-953F-C84B-C5ECC668EE02}"/>
+          <p:cNvPr id="61" name="组合 60">
+            <a:extLst>
+              <a:ext uri="{FF2B5EF4-FFF2-40B4-BE49-F238E27FC236}">
+                <a16:creationId xmlns:a16="http://schemas.microsoft.com/office/drawing/2014/main" id="{44064238-AB84-C827-CCCA-8F3C467BAD52}"/>
               </a:ext>
             </a:extLst>
           </p:cNvPr>
@@ -3780,7 +5853,227 @@
         </p:nvGrpSpPr>
         <p:grpSpPr>
           <a:xfrm>
-            <a:off x="10439252" y="1818166"/>
+            <a:off x="2533067" y="4488101"/>
+            <a:ext cx="336699" cy="336699"/>
+            <a:chOff x="7324571" y="2736047"/>
+            <a:chExt cx="336699" cy="336699"/>
+          </a:xfrm>
+        </p:grpSpPr>
+        <p:sp>
+          <p:nvSpPr>
+            <p:cNvPr id="62" name="椭圆 61">
+              <a:extLst>
+                <a:ext uri="{FF2B5EF4-FFF2-40B4-BE49-F238E27FC236}">
+                  <a16:creationId xmlns:a16="http://schemas.microsoft.com/office/drawing/2014/main" id="{6DEF106E-C6C9-C0E3-3256-DEFF5E033958}"/>
+                </a:ext>
+              </a:extLst>
+            </p:cNvPr>
+            <p:cNvSpPr/>
+            <p:nvPr/>
+          </p:nvSpPr>
+          <p:spPr>
+            <a:xfrm>
+              <a:off x="7324571" y="2736047"/>
+              <a:ext cx="336699" cy="336699"/>
+            </a:xfrm>
+            <a:prstGeom prst="ellipse">
+              <a:avLst/>
+            </a:prstGeom>
+            <a:noFill/>
+            <a:ln w="57150">
+              <a:solidFill>
+                <a:schemeClr val="tx1">
+                  <a:lumMod val="65000"/>
+                  <a:lumOff val="35000"/>
+                </a:schemeClr>
+              </a:solidFill>
+            </a:ln>
+          </p:spPr>
+          <p:style>
+            <a:lnRef idx="2">
+              <a:schemeClr val="accent1">
+                <a:shade val="15000"/>
+              </a:schemeClr>
+            </a:lnRef>
+            <a:fillRef idx="1">
+              <a:schemeClr val="accent1"/>
+            </a:fillRef>
+            <a:effectRef idx="0">
+              <a:schemeClr val="accent1"/>
+            </a:effectRef>
+            <a:fontRef idx="minor">
+              <a:schemeClr val="lt1"/>
+            </a:fontRef>
+          </p:style>
+          <p:txBody>
+            <a:bodyPr rtlCol="0" anchor="ctr"/>
+            <a:lstStyle/>
+            <a:p>
+              <a:pPr algn="ctr"/>
+              <a:endParaRPr lang="zh-CN" altLang="en-US"/>
+            </a:p>
+          </p:txBody>
+        </p:sp>
+        <p:sp>
+          <p:nvSpPr>
+            <p:cNvPr id="63" name="椭圆 62">
+              <a:extLst>
+                <a:ext uri="{FF2B5EF4-FFF2-40B4-BE49-F238E27FC236}">
+                  <a16:creationId xmlns:a16="http://schemas.microsoft.com/office/drawing/2014/main" id="{474B67EA-515E-7300-E534-93A07C2C7E77}"/>
+                </a:ext>
+              </a:extLst>
+            </p:cNvPr>
+            <p:cNvSpPr/>
+            <p:nvPr/>
+          </p:nvSpPr>
+          <p:spPr>
+            <a:xfrm>
+              <a:off x="7456920" y="2868396"/>
+              <a:ext cx="72000" cy="72000"/>
+            </a:xfrm>
+            <a:prstGeom prst="ellipse">
+              <a:avLst/>
+            </a:prstGeom>
+            <a:solidFill>
+              <a:srgbClr val="595959"/>
+            </a:solidFill>
+            <a:ln>
+              <a:solidFill>
+                <a:srgbClr val="595959"/>
+              </a:solidFill>
+            </a:ln>
+          </p:spPr>
+          <p:style>
+            <a:lnRef idx="2">
+              <a:schemeClr val="accent1">
+                <a:shade val="15000"/>
+              </a:schemeClr>
+            </a:lnRef>
+            <a:fillRef idx="1">
+              <a:schemeClr val="accent1"/>
+            </a:fillRef>
+            <a:effectRef idx="0">
+              <a:schemeClr val="accent1"/>
+            </a:effectRef>
+            <a:fontRef idx="minor">
+              <a:schemeClr val="lt1"/>
+            </a:fontRef>
+          </p:style>
+          <p:txBody>
+            <a:bodyPr rtlCol="0" anchor="ctr"/>
+            <a:lstStyle/>
+            <a:p>
+              <a:pPr algn="ctr"/>
+              <a:endParaRPr lang="zh-CN" altLang="en-US"/>
+            </a:p>
+          </p:txBody>
+        </p:sp>
+      </p:grpSp>
+      <p:cxnSp>
+        <p:nvCxnSpPr>
+          <p:cNvPr id="65" name="直接箭头连接符 64">
+            <a:extLst>
+              <a:ext uri="{FF2B5EF4-FFF2-40B4-BE49-F238E27FC236}">
+                <a16:creationId xmlns:a16="http://schemas.microsoft.com/office/drawing/2014/main" id="{66E70738-9535-22C4-97C6-17CE5DA85276}"/>
+              </a:ext>
+            </a:extLst>
+          </p:cNvPr>
+          <p:cNvCxnSpPr>
+            <a:cxnSpLocks/>
+            <a:endCxn id="62" idx="2"/>
+          </p:cNvCxnSpPr>
+          <p:nvPr/>
+        </p:nvCxnSpPr>
+        <p:spPr>
+          <a:xfrm>
+            <a:off x="2184505" y="4656450"/>
+            <a:ext cx="348562" cy="1"/>
+          </a:xfrm>
+          <a:prstGeom prst="straightConnector1">
+            <a:avLst/>
+          </a:prstGeom>
+          <a:ln w="28575">
+            <a:solidFill>
+              <a:srgbClr val="000000"/>
+            </a:solidFill>
+            <a:tailEnd type="triangle"/>
+          </a:ln>
+        </p:spPr>
+        <p:style>
+          <a:lnRef idx="2">
+            <a:schemeClr val="accent1"/>
+          </a:lnRef>
+          <a:fillRef idx="0">
+            <a:schemeClr val="accent1"/>
+          </a:fillRef>
+          <a:effectRef idx="1">
+            <a:schemeClr val="accent1"/>
+          </a:effectRef>
+          <a:fontRef idx="minor">
+            <a:schemeClr val="tx1"/>
+          </a:fontRef>
+        </p:style>
+      </p:cxnSp>
+      <p:cxnSp>
+        <p:nvCxnSpPr>
+          <p:cNvPr id="69" name="直接箭头连接符 68">
+            <a:extLst>
+              <a:ext uri="{FF2B5EF4-FFF2-40B4-BE49-F238E27FC236}">
+                <a16:creationId xmlns:a16="http://schemas.microsoft.com/office/drawing/2014/main" id="{5C1A20A2-9C7C-E202-2D79-17C0744C7A62}"/>
+              </a:ext>
+            </a:extLst>
+          </p:cNvPr>
+          <p:cNvCxnSpPr>
+            <a:cxnSpLocks/>
+            <a:endCxn id="62" idx="6"/>
+          </p:cNvCxnSpPr>
+          <p:nvPr/>
+        </p:nvCxnSpPr>
+        <p:spPr>
+          <a:xfrm flipH="1">
+            <a:off x="2869766" y="4656450"/>
+            <a:ext cx="375259" cy="1"/>
+          </a:xfrm>
+          <a:prstGeom prst="straightConnector1">
+            <a:avLst/>
+          </a:prstGeom>
+          <a:ln w="28575">
+            <a:solidFill>
+              <a:srgbClr val="000000"/>
+            </a:solidFill>
+            <a:tailEnd type="triangle"/>
+          </a:ln>
+        </p:spPr>
+        <p:style>
+          <a:lnRef idx="2">
+            <a:schemeClr val="accent1"/>
+          </a:lnRef>
+          <a:fillRef idx="0">
+            <a:schemeClr val="accent1"/>
+          </a:fillRef>
+          <a:effectRef idx="1">
+            <a:schemeClr val="accent1"/>
+          </a:effectRef>
+          <a:fontRef idx="minor">
+            <a:schemeClr val="tx1"/>
+          </a:fontRef>
+        </p:style>
+      </p:cxnSp>
+      <p:grpSp>
+        <p:nvGrpSpPr>
+          <p:cNvPr id="93" name="组合 92">
+            <a:extLst>
+              <a:ext uri="{FF2B5EF4-FFF2-40B4-BE49-F238E27FC236}">
+                <a16:creationId xmlns:a16="http://schemas.microsoft.com/office/drawing/2014/main" id="{6F08AEDC-7DDF-FDF1-FE9B-C3CAD3103B9A}"/>
+              </a:ext>
+            </a:extLst>
+          </p:cNvPr>
+          <p:cNvGrpSpPr/>
+          <p:nvPr/>
+        </p:nvGrpSpPr>
+        <p:grpSpPr>
+          <a:xfrm>
+            <a:off x="2016155" y="5037089"/>
             <a:ext cx="336699" cy="336699"/>
             <a:chOff x="4743302" y="2039236"/>
             <a:chExt cx="336699" cy="336699"/>
@@ -3788,10 +6081,10 @@
         </p:grpSpPr>
         <p:sp>
           <p:nvSpPr>
-            <p:cNvPr id="16" name="椭圆 15">
+            <p:cNvPr id="94" name="椭圆 93">
               <a:extLst>
                 <a:ext uri="{FF2B5EF4-FFF2-40B4-BE49-F238E27FC236}">
-                  <a16:creationId xmlns:a16="http://schemas.microsoft.com/office/drawing/2014/main" id="{8F269200-D279-9CEE-E4CE-90A9D7565290}"/>
+                  <a16:creationId xmlns:a16="http://schemas.microsoft.com/office/drawing/2014/main" id="{AAE5BC9E-2B31-98D5-DCF6-47F1268B17EE}"/>
                 </a:ext>
               </a:extLst>
             </p:cNvPr>
@@ -3843,10 +6136,10 @@
         </p:sp>
         <p:cxnSp>
           <p:nvCxnSpPr>
-            <p:cNvPr id="17" name="直接连接符 16">
+            <p:cNvPr id="95" name="直接连接符 94">
               <a:extLst>
                 <a:ext uri="{FF2B5EF4-FFF2-40B4-BE49-F238E27FC236}">
-                  <a16:creationId xmlns:a16="http://schemas.microsoft.com/office/drawing/2014/main" id="{039650BE-92AB-52AA-9CA3-2357EA55D618}"/>
+                  <a16:creationId xmlns:a16="http://schemas.microsoft.com/office/drawing/2014/main" id="{35A9D85B-CE8B-91F6-A5B9-AE8AEEDF2926}"/>
                 </a:ext>
               </a:extLst>
             </p:cNvPr>
@@ -3886,10 +6179,10 @@
         </p:cxnSp>
         <p:cxnSp>
           <p:nvCxnSpPr>
-            <p:cNvPr id="18" name="直接连接符 17">
+            <p:cNvPr id="96" name="直接连接符 95">
               <a:extLst>
                 <a:ext uri="{FF2B5EF4-FFF2-40B4-BE49-F238E27FC236}">
-                  <a16:creationId xmlns:a16="http://schemas.microsoft.com/office/drawing/2014/main" id="{9681BD16-A192-7691-8B78-A5CB22961628}"/>
+                  <a16:creationId xmlns:a16="http://schemas.microsoft.com/office/drawing/2014/main" id="{B66DFCC2-A1C4-84ED-2232-76DA7588C487}"/>
                 </a:ext>
               </a:extLst>
             </p:cNvPr>
@@ -3928,31 +6221,496 @@
           </p:style>
         </p:cxnSp>
       </p:grpSp>
-      <p:sp>
-        <p:nvSpPr>
-          <p:cNvPr id="21" name="矩形 20">
-            <a:extLst>
-              <a:ext uri="{FF2B5EF4-FFF2-40B4-BE49-F238E27FC236}">
-                <a16:creationId xmlns:a16="http://schemas.microsoft.com/office/drawing/2014/main" id="{78A46D64-3C52-CE13-B44B-C4B6417228D1}"/>
-              </a:ext>
-            </a:extLst>
-          </p:cNvPr>
-          <p:cNvSpPr/>
+      <p:cxnSp>
+        <p:nvCxnSpPr>
+          <p:cNvPr id="98" name="连接符: 肘形 97">
+            <a:extLst>
+              <a:ext uri="{FF2B5EF4-FFF2-40B4-BE49-F238E27FC236}">
+                <a16:creationId xmlns:a16="http://schemas.microsoft.com/office/drawing/2014/main" id="{7EB9BFC0-98C7-8FAE-3C36-1BB08AFB6737}"/>
+              </a:ext>
+            </a:extLst>
+          </p:cNvPr>
+          <p:cNvCxnSpPr>
+            <a:cxnSpLocks/>
+            <a:stCxn id="62" idx="4"/>
+            <a:endCxn id="94" idx="6"/>
+          </p:cNvCxnSpPr>
           <p:nvPr/>
-        </p:nvSpPr>
+        </p:nvCxnSpPr>
         <p:spPr>
           <a:xfrm rot="5400000">
-            <a:off x="5730303" y="1370120"/>
-            <a:ext cx="648000" cy="1296000"/>
+            <a:off x="2336817" y="4840838"/>
+            <a:ext cx="380639" cy="348563"/>
+          </a:xfrm>
+          <a:prstGeom prst="bentConnector2">
+            <a:avLst/>
+          </a:prstGeom>
+          <a:ln w="28575">
+            <a:solidFill>
+              <a:schemeClr val="tx1"/>
+            </a:solidFill>
+            <a:tailEnd type="triangle"/>
+          </a:ln>
+        </p:spPr>
+        <p:style>
+          <a:lnRef idx="2">
+            <a:schemeClr val="accent1"/>
+          </a:lnRef>
+          <a:fillRef idx="0">
+            <a:schemeClr val="accent1"/>
+          </a:fillRef>
+          <a:effectRef idx="1">
+            <a:schemeClr val="accent1"/>
+          </a:effectRef>
+          <a:fontRef idx="minor">
+            <a:schemeClr val="tx1"/>
+          </a:fontRef>
+        </p:style>
+      </p:cxnSp>
+      <p:sp>
+        <p:nvSpPr>
+          <p:cNvPr id="107" name="文本框 106">
+            <a:extLst>
+              <a:ext uri="{FF2B5EF4-FFF2-40B4-BE49-F238E27FC236}">
+                <a16:creationId xmlns:a16="http://schemas.microsoft.com/office/drawing/2014/main" id="{70CF54A8-942D-6690-BD92-A22021172F2A}"/>
+              </a:ext>
+            </a:extLst>
+          </p:cNvPr>
+          <p:cNvSpPr txBox="1"/>
+          <p:nvPr/>
+        </p:nvSpPr>
+        <p:spPr>
+          <a:xfrm>
+            <a:off x="2184504" y="1041538"/>
+            <a:ext cx="1135255" cy="338554"/>
           </a:xfrm>
           <a:prstGeom prst="rect">
             <a:avLst/>
           </a:prstGeom>
+          <a:noFill/>
+        </p:spPr>
+        <p:txBody>
+          <a:bodyPr wrap="square" rtlCol="0">
+            <a:spAutoFit/>
+          </a:bodyPr>
+          <a:lstStyle/>
+          <a:p>
+            <a:r>
+              <a:rPr lang="en-US" altLang="zh-CN" sz="1600" dirty="0">
+                <a:solidFill>
+                  <a:schemeClr val="bg2">
+                    <a:lumMod val="50000"/>
+                  </a:schemeClr>
+                </a:solidFill>
+                <a:latin typeface="Times New Roman" panose="02020603050405020304" pitchFamily="18" charset="0"/>
+                <a:cs typeface="Times New Roman" panose="02020603050405020304" pitchFamily="18" charset="0"/>
+              </a:rPr>
+              <a:t>CxHxW</a:t>
+            </a:r>
+            <a:endParaRPr lang="zh-CN" altLang="en-US" sz="1600" dirty="0">
+              <a:solidFill>
+                <a:schemeClr val="bg2">
+                  <a:lumMod val="50000"/>
+                </a:schemeClr>
+              </a:solidFill>
+              <a:latin typeface="Times New Roman" panose="02020603050405020304" pitchFamily="18" charset="0"/>
+              <a:cs typeface="Times New Roman" panose="02020603050405020304" pitchFamily="18" charset="0"/>
+            </a:endParaRPr>
+          </a:p>
+        </p:txBody>
+      </p:sp>
+      <p:sp>
+        <p:nvSpPr>
+          <p:cNvPr id="108" name="文本框 107">
+            <a:extLst>
+              <a:ext uri="{FF2B5EF4-FFF2-40B4-BE49-F238E27FC236}">
+                <a16:creationId xmlns:a16="http://schemas.microsoft.com/office/drawing/2014/main" id="{FCD2B730-147A-FF1D-AB61-1D985844AB8A}"/>
+              </a:ext>
+            </a:extLst>
+          </p:cNvPr>
+          <p:cNvSpPr txBox="1"/>
+          <p:nvPr/>
+        </p:nvSpPr>
+        <p:spPr>
+          <a:xfrm>
+            <a:off x="4487993" y="1551893"/>
+            <a:ext cx="1135255" cy="276999"/>
+          </a:xfrm>
+          <a:prstGeom prst="rect">
+            <a:avLst/>
+          </a:prstGeom>
+          <a:noFill/>
+        </p:spPr>
+        <p:txBody>
+          <a:bodyPr wrap="square" rtlCol="0">
+            <a:spAutoFit/>
+          </a:bodyPr>
+          <a:lstStyle/>
+          <a:p>
+            <a:r>
+              <a:rPr lang="en-US" altLang="zh-CN" sz="1200" dirty="0">
+                <a:solidFill>
+                  <a:schemeClr val="bg2">
+                    <a:lumMod val="50000"/>
+                  </a:schemeClr>
+                </a:solidFill>
+                <a:latin typeface="Times New Roman" panose="02020603050405020304" pitchFamily="18" charset="0"/>
+                <a:cs typeface="Times New Roman" panose="02020603050405020304" pitchFamily="18" charset="0"/>
+              </a:rPr>
+              <a:t>1xHxW</a:t>
+            </a:r>
+            <a:endParaRPr lang="zh-CN" altLang="en-US" sz="1200" dirty="0">
+              <a:solidFill>
+                <a:schemeClr val="bg2">
+                  <a:lumMod val="50000"/>
+                </a:schemeClr>
+              </a:solidFill>
+              <a:latin typeface="Times New Roman" panose="02020603050405020304" pitchFamily="18" charset="0"/>
+              <a:cs typeface="Times New Roman" panose="02020603050405020304" pitchFamily="18" charset="0"/>
+            </a:endParaRPr>
+          </a:p>
+        </p:txBody>
+      </p:sp>
+      <p:sp>
+        <p:nvSpPr>
+          <p:cNvPr id="109" name="文本框 108">
+            <a:extLst>
+              <a:ext uri="{FF2B5EF4-FFF2-40B4-BE49-F238E27FC236}">
+                <a16:creationId xmlns:a16="http://schemas.microsoft.com/office/drawing/2014/main" id="{1D2482E2-27C9-CBBC-0F19-59F96B8B66F6}"/>
+              </a:ext>
+            </a:extLst>
+          </p:cNvPr>
+          <p:cNvSpPr txBox="1"/>
+          <p:nvPr/>
+        </p:nvSpPr>
+        <p:spPr>
+          <a:xfrm>
+            <a:off x="4241802" y="1892882"/>
+            <a:ext cx="1135255" cy="276999"/>
+          </a:xfrm>
+          <a:prstGeom prst="rect">
+            <a:avLst/>
+          </a:prstGeom>
+          <a:noFill/>
+        </p:spPr>
+        <p:txBody>
+          <a:bodyPr wrap="square" rtlCol="0">
+            <a:spAutoFit/>
+          </a:bodyPr>
+          <a:lstStyle/>
+          <a:p>
+            <a:r>
+              <a:rPr lang="en-US" altLang="zh-CN" sz="1200" dirty="0">
+                <a:solidFill>
+                  <a:schemeClr val="bg2">
+                    <a:lumMod val="50000"/>
+                  </a:schemeClr>
+                </a:solidFill>
+                <a:latin typeface="Times New Roman" panose="02020603050405020304" pitchFamily="18" charset="0"/>
+                <a:cs typeface="Times New Roman" panose="02020603050405020304" pitchFamily="18" charset="0"/>
+              </a:rPr>
+              <a:t>HWx1</a:t>
+            </a:r>
+            <a:endParaRPr lang="zh-CN" altLang="en-US" sz="1200" dirty="0">
+              <a:solidFill>
+                <a:schemeClr val="bg2">
+                  <a:lumMod val="50000"/>
+                </a:schemeClr>
+              </a:solidFill>
+              <a:latin typeface="Times New Roman" panose="02020603050405020304" pitchFamily="18" charset="0"/>
+              <a:cs typeface="Times New Roman" panose="02020603050405020304" pitchFamily="18" charset="0"/>
+            </a:endParaRPr>
+          </a:p>
+        </p:txBody>
+      </p:sp>
+      <p:sp>
+        <p:nvSpPr>
+          <p:cNvPr id="110" name="文本框 109">
+            <a:extLst>
+              <a:ext uri="{FF2B5EF4-FFF2-40B4-BE49-F238E27FC236}">
+                <a16:creationId xmlns:a16="http://schemas.microsoft.com/office/drawing/2014/main" id="{40408576-2B04-4527-D8D5-12CBEF784ACF}"/>
+              </a:ext>
+            </a:extLst>
+          </p:cNvPr>
+          <p:cNvSpPr txBox="1"/>
+          <p:nvPr/>
+        </p:nvSpPr>
+        <p:spPr>
+          <a:xfrm>
+            <a:off x="3337714" y="1918074"/>
+            <a:ext cx="1135255" cy="276999"/>
+          </a:xfrm>
+          <a:prstGeom prst="rect">
+            <a:avLst/>
+          </a:prstGeom>
+          <a:noFill/>
+        </p:spPr>
+        <p:txBody>
+          <a:bodyPr wrap="square" rtlCol="0">
+            <a:spAutoFit/>
+          </a:bodyPr>
+          <a:lstStyle/>
+          <a:p>
+            <a:r>
+              <a:rPr lang="en-US" altLang="zh-CN" sz="1200" dirty="0">
+                <a:solidFill>
+                  <a:schemeClr val="bg2">
+                    <a:lumMod val="50000"/>
+                  </a:schemeClr>
+                </a:solidFill>
+                <a:latin typeface="Times New Roman" panose="02020603050405020304" pitchFamily="18" charset="0"/>
+                <a:cs typeface="Times New Roman" panose="02020603050405020304" pitchFamily="18" charset="0"/>
+              </a:rPr>
+              <a:t>CxHW</a:t>
+            </a:r>
+            <a:endParaRPr lang="zh-CN" altLang="en-US" sz="1200" dirty="0">
+              <a:solidFill>
+                <a:schemeClr val="bg2">
+                  <a:lumMod val="50000"/>
+                </a:schemeClr>
+              </a:solidFill>
+              <a:latin typeface="Times New Roman" panose="02020603050405020304" pitchFamily="18" charset="0"/>
+              <a:cs typeface="Times New Roman" panose="02020603050405020304" pitchFamily="18" charset="0"/>
+            </a:endParaRPr>
+          </a:p>
+        </p:txBody>
+      </p:sp>
+      <p:sp>
+        <p:nvSpPr>
+          <p:cNvPr id="111" name="文本框 110">
+            <a:extLst>
+              <a:ext uri="{FF2B5EF4-FFF2-40B4-BE49-F238E27FC236}">
+                <a16:creationId xmlns:a16="http://schemas.microsoft.com/office/drawing/2014/main" id="{D46854E8-60C0-DBB7-AF99-D60EBC7EDF6B}"/>
+              </a:ext>
+            </a:extLst>
+          </p:cNvPr>
+          <p:cNvSpPr txBox="1"/>
+          <p:nvPr/>
+        </p:nvSpPr>
+        <p:spPr>
+          <a:xfrm>
+            <a:off x="3251491" y="2678265"/>
+            <a:ext cx="1135255" cy="276999"/>
+          </a:xfrm>
+          <a:prstGeom prst="rect">
+            <a:avLst/>
+          </a:prstGeom>
+          <a:noFill/>
+        </p:spPr>
+        <p:txBody>
+          <a:bodyPr wrap="square" rtlCol="0">
+            <a:spAutoFit/>
+          </a:bodyPr>
+          <a:lstStyle/>
+          <a:p>
+            <a:r>
+              <a:rPr lang="en-US" altLang="zh-CN" sz="1200" dirty="0">
+                <a:solidFill>
+                  <a:schemeClr val="bg2">
+                    <a:lumMod val="50000"/>
+                  </a:schemeClr>
+                </a:solidFill>
+                <a:latin typeface="Times New Roman" panose="02020603050405020304" pitchFamily="18" charset="0"/>
+                <a:cs typeface="Times New Roman" panose="02020603050405020304" pitchFamily="18" charset="0"/>
+              </a:rPr>
+              <a:t>Cx1x1</a:t>
+            </a:r>
+            <a:endParaRPr lang="zh-CN" altLang="en-US" sz="1200" dirty="0">
+              <a:solidFill>
+                <a:schemeClr val="bg2">
+                  <a:lumMod val="50000"/>
+                </a:schemeClr>
+              </a:solidFill>
+              <a:latin typeface="Times New Roman" panose="02020603050405020304" pitchFamily="18" charset="0"/>
+              <a:cs typeface="Times New Roman" panose="02020603050405020304" pitchFamily="18" charset="0"/>
+            </a:endParaRPr>
+          </a:p>
+        </p:txBody>
+      </p:sp>
+      <p:sp>
+        <p:nvSpPr>
+          <p:cNvPr id="113" name="文本框 112">
+            <a:extLst>
+              <a:ext uri="{FF2B5EF4-FFF2-40B4-BE49-F238E27FC236}">
+                <a16:creationId xmlns:a16="http://schemas.microsoft.com/office/drawing/2014/main" id="{E3E17342-63D5-2E5B-03CB-D654C5E0A62D}"/>
+              </a:ext>
+            </a:extLst>
+          </p:cNvPr>
+          <p:cNvSpPr txBox="1"/>
+          <p:nvPr/>
+        </p:nvSpPr>
+        <p:spPr>
+          <a:xfrm>
+            <a:off x="3166575" y="3431688"/>
+            <a:ext cx="1135255" cy="276999"/>
+          </a:xfrm>
+          <a:prstGeom prst="rect">
+            <a:avLst/>
+          </a:prstGeom>
+          <a:noFill/>
+        </p:spPr>
+        <p:txBody>
+          <a:bodyPr wrap="square" rtlCol="0">
+            <a:spAutoFit/>
+          </a:bodyPr>
+          <a:lstStyle/>
+          <a:p>
+            <a:r>
+              <a:rPr lang="en-US" altLang="zh-CN" sz="1200" dirty="0">
+                <a:solidFill>
+                  <a:schemeClr val="bg2">
+                    <a:lumMod val="50000"/>
+                  </a:schemeClr>
+                </a:solidFill>
+                <a:latin typeface="Times New Roman" panose="02020603050405020304" pitchFamily="18" charset="0"/>
+                <a:cs typeface="Times New Roman" panose="02020603050405020304" pitchFamily="18" charset="0"/>
+              </a:rPr>
+              <a:t>C/16x1x1</a:t>
+            </a:r>
+            <a:endParaRPr lang="zh-CN" altLang="en-US" sz="1200" dirty="0">
+              <a:solidFill>
+                <a:schemeClr val="bg2">
+                  <a:lumMod val="50000"/>
+                </a:schemeClr>
+              </a:solidFill>
+              <a:latin typeface="Times New Roman" panose="02020603050405020304" pitchFamily="18" charset="0"/>
+              <a:cs typeface="Times New Roman" panose="02020603050405020304" pitchFamily="18" charset="0"/>
+            </a:endParaRPr>
+          </a:p>
+        </p:txBody>
+      </p:sp>
+      <p:sp>
+        <p:nvSpPr>
+          <p:cNvPr id="114" name="文本框 113">
+            <a:extLst>
+              <a:ext uri="{FF2B5EF4-FFF2-40B4-BE49-F238E27FC236}">
+                <a16:creationId xmlns:a16="http://schemas.microsoft.com/office/drawing/2014/main" id="{87E53690-6D21-CDC8-750E-55B17270CAD2}"/>
+              </a:ext>
+            </a:extLst>
+          </p:cNvPr>
+          <p:cNvSpPr txBox="1"/>
+          <p:nvPr/>
+        </p:nvSpPr>
+        <p:spPr>
+          <a:xfrm>
+            <a:off x="3251490" y="4209839"/>
+            <a:ext cx="1135255" cy="276999"/>
+          </a:xfrm>
+          <a:prstGeom prst="rect">
+            <a:avLst/>
+          </a:prstGeom>
+          <a:noFill/>
+        </p:spPr>
+        <p:txBody>
+          <a:bodyPr wrap="square" rtlCol="0">
+            <a:spAutoFit/>
+          </a:bodyPr>
+          <a:lstStyle/>
+          <a:p>
+            <a:r>
+              <a:rPr lang="en-US" altLang="zh-CN" sz="1200" dirty="0">
+                <a:solidFill>
+                  <a:schemeClr val="bg2">
+                    <a:lumMod val="50000"/>
+                  </a:schemeClr>
+                </a:solidFill>
+                <a:latin typeface="Times New Roman" panose="02020603050405020304" pitchFamily="18" charset="0"/>
+                <a:cs typeface="Times New Roman" panose="02020603050405020304" pitchFamily="18" charset="0"/>
+              </a:rPr>
+              <a:t>Cx1x1</a:t>
+            </a:r>
+            <a:endParaRPr lang="zh-CN" altLang="en-US" sz="1200" dirty="0">
+              <a:solidFill>
+                <a:schemeClr val="bg2">
+                  <a:lumMod val="50000"/>
+                </a:schemeClr>
+              </a:solidFill>
+              <a:latin typeface="Times New Roman" panose="02020603050405020304" pitchFamily="18" charset="0"/>
+              <a:cs typeface="Times New Roman" panose="02020603050405020304" pitchFamily="18" charset="0"/>
+            </a:endParaRPr>
+          </a:p>
+        </p:txBody>
+      </p:sp>
+      <p:sp>
+        <p:nvSpPr>
+          <p:cNvPr id="116" name="文本框 115">
+            <a:extLst>
+              <a:ext uri="{FF2B5EF4-FFF2-40B4-BE49-F238E27FC236}">
+                <a16:creationId xmlns:a16="http://schemas.microsoft.com/office/drawing/2014/main" id="{D3561AF5-B666-A9D6-40ED-690C08ADE3C3}"/>
+              </a:ext>
+            </a:extLst>
+          </p:cNvPr>
+          <p:cNvSpPr txBox="1"/>
+          <p:nvPr/>
+        </p:nvSpPr>
+        <p:spPr>
+          <a:xfrm>
+            <a:off x="2202459" y="5514003"/>
+            <a:ext cx="1135255" cy="338554"/>
+          </a:xfrm>
+          <a:prstGeom prst="rect">
+            <a:avLst/>
+          </a:prstGeom>
+          <a:noFill/>
+        </p:spPr>
+        <p:txBody>
+          <a:bodyPr wrap="square" rtlCol="0">
+            <a:spAutoFit/>
+          </a:bodyPr>
+          <a:lstStyle/>
+          <a:p>
+            <a:r>
+              <a:rPr lang="en-US" altLang="zh-CN" sz="1600" dirty="0">
+                <a:solidFill>
+                  <a:schemeClr val="bg2">
+                    <a:lumMod val="50000"/>
+                  </a:schemeClr>
+                </a:solidFill>
+                <a:latin typeface="Times New Roman" panose="02020603050405020304" pitchFamily="18" charset="0"/>
+                <a:cs typeface="Times New Roman" panose="02020603050405020304" pitchFamily="18" charset="0"/>
+              </a:rPr>
+              <a:t>CxHxW</a:t>
+            </a:r>
+            <a:endParaRPr lang="zh-CN" altLang="en-US" sz="1600" dirty="0">
+              <a:solidFill>
+                <a:schemeClr val="bg2">
+                  <a:lumMod val="50000"/>
+                </a:schemeClr>
+              </a:solidFill>
+              <a:latin typeface="Times New Roman" panose="02020603050405020304" pitchFamily="18" charset="0"/>
+              <a:cs typeface="Times New Roman" panose="02020603050405020304" pitchFamily="18" charset="0"/>
+            </a:endParaRPr>
+          </a:p>
+        </p:txBody>
+      </p:sp>
+      <p:sp>
+        <p:nvSpPr>
+          <p:cNvPr id="117" name="矩形: 圆角 116">
+            <a:extLst>
+              <a:ext uri="{FF2B5EF4-FFF2-40B4-BE49-F238E27FC236}">
+                <a16:creationId xmlns:a16="http://schemas.microsoft.com/office/drawing/2014/main" id="{B351C113-BA10-D794-2FCA-1214F805A5B1}"/>
+              </a:ext>
+            </a:extLst>
+          </p:cNvPr>
+          <p:cNvSpPr/>
+          <p:nvPr/>
+        </p:nvSpPr>
+        <p:spPr>
+          <a:xfrm>
+            <a:off x="4604663" y="5250182"/>
+            <a:ext cx="1576918" cy="723761"/>
+          </a:xfrm>
+          <a:prstGeom prst="roundRect">
+            <a:avLst>
+              <a:gd name="adj" fmla="val 12992"/>
+            </a:avLst>
+          </a:prstGeom>
           <a:solidFill>
-            <a:srgbClr val="D6CADB"/>
+            <a:srgbClr val="9F82AA"/>
           </a:solidFill>
-          <a:ln>
+          <a:ln w="28575">
             <a:noFill/>
+            <a:prstDash val="dash"/>
           </a:ln>
         </p:spPr>
         <p:style>
@@ -3976,118 +6734,482 @@
           <a:lstStyle/>
           <a:p>
             <a:pPr algn="ctr"/>
-            <a:endParaRPr lang="zh-CN" altLang="en-US"/>
-          </a:p>
-        </p:txBody>
-      </p:sp>
-      <p:sp>
-        <p:nvSpPr>
-          <p:cNvPr id="22" name="矩形 21">
-            <a:extLst>
-              <a:ext uri="{FF2B5EF4-FFF2-40B4-BE49-F238E27FC236}">
-                <a16:creationId xmlns:a16="http://schemas.microsoft.com/office/drawing/2014/main" id="{7C3F33BF-1719-BD57-7824-951DEB2CDEEF}"/>
-              </a:ext>
-            </a:extLst>
-          </p:cNvPr>
-          <p:cNvSpPr/>
+            <a:r>
+              <a:rPr lang="en-US" altLang="zh-CN" sz="2000" dirty="0">
+                <a:solidFill>
+                  <a:schemeClr val="bg1"/>
+                </a:solidFill>
+              </a:rPr>
+              <a:t>Attention Module</a:t>
+            </a:r>
+            <a:endParaRPr lang="zh-CN" altLang="en-US" sz="2000" dirty="0">
+              <a:solidFill>
+                <a:schemeClr val="bg1"/>
+              </a:solidFill>
+            </a:endParaRPr>
+          </a:p>
+        </p:txBody>
+      </p:sp>
+      <p:grpSp>
+        <p:nvGrpSpPr>
+          <p:cNvPr id="118" name="组合 117">
+            <a:extLst>
+              <a:ext uri="{FF2B5EF4-FFF2-40B4-BE49-F238E27FC236}">
+                <a16:creationId xmlns:a16="http://schemas.microsoft.com/office/drawing/2014/main" id="{87FD0A26-9694-36F0-510F-E876BE225236}"/>
+              </a:ext>
+            </a:extLst>
+          </p:cNvPr>
+          <p:cNvGrpSpPr/>
           <p:nvPr/>
-        </p:nvSpPr>
-        <p:spPr>
-          <a:xfrm rot="5400000">
-            <a:off x="3924400" y="1370120"/>
-            <a:ext cx="648000" cy="1296000"/>
-          </a:xfrm>
-          <a:prstGeom prst="rect">
-            <a:avLst/>
-          </a:prstGeom>
-          <a:solidFill>
-            <a:srgbClr val="FFCC80"/>
-          </a:solidFill>
-          <a:ln>
+        </p:nvGrpSpPr>
+        <p:grpSpPr>
+          <a:xfrm>
+            <a:off x="10342780" y="526681"/>
+            <a:ext cx="336699" cy="336699"/>
+            <a:chOff x="4692502" y="1818166"/>
+            <a:chExt cx="336699" cy="336699"/>
+          </a:xfrm>
+        </p:grpSpPr>
+        <p:sp>
+          <p:nvSpPr>
+            <p:cNvPr id="119" name="椭圆 118">
+              <a:extLst>
+                <a:ext uri="{FF2B5EF4-FFF2-40B4-BE49-F238E27FC236}">
+                  <a16:creationId xmlns:a16="http://schemas.microsoft.com/office/drawing/2014/main" id="{1DC67C3C-BA1D-E90D-97DD-C43C5D6AA97D}"/>
+                </a:ext>
+              </a:extLst>
+            </p:cNvPr>
+            <p:cNvSpPr/>
+            <p:nvPr/>
+          </p:nvSpPr>
+          <p:spPr>
+            <a:xfrm>
+              <a:off x="4692502" y="1818166"/>
+              <a:ext cx="336699" cy="336699"/>
+            </a:xfrm>
+            <a:prstGeom prst="ellipse">
+              <a:avLst/>
+            </a:prstGeom>
             <a:noFill/>
-          </a:ln>
-        </p:spPr>
-        <p:style>
-          <a:lnRef idx="2">
-            <a:schemeClr val="accent1">
-              <a:shade val="15000"/>
-            </a:schemeClr>
-          </a:lnRef>
-          <a:fillRef idx="1">
-            <a:schemeClr val="accent1"/>
-          </a:fillRef>
-          <a:effectRef idx="0">
-            <a:schemeClr val="accent1"/>
-          </a:effectRef>
-          <a:fontRef idx="minor">
-            <a:schemeClr val="lt1"/>
-          </a:fontRef>
-        </p:style>
-        <p:txBody>
-          <a:bodyPr rtlCol="0" anchor="ctr"/>
-          <a:lstStyle/>
-          <a:p>
-            <a:pPr algn="ctr"/>
-            <a:endParaRPr lang="zh-CN" altLang="en-US"/>
-          </a:p>
-        </p:txBody>
-      </p:sp>
-      <p:sp>
-        <p:nvSpPr>
-          <p:cNvPr id="23" name="椭圆 22">
-            <a:extLst>
-              <a:ext uri="{FF2B5EF4-FFF2-40B4-BE49-F238E27FC236}">
-                <a16:creationId xmlns:a16="http://schemas.microsoft.com/office/drawing/2014/main" id="{33F8AB8D-438E-CE66-9B14-6E3B7B3CA3ED}"/>
-              </a:ext>
-            </a:extLst>
-          </p:cNvPr>
-          <p:cNvSpPr/>
+            <a:ln w="57150">
+              <a:solidFill>
+                <a:schemeClr val="tx1">
+                  <a:lumMod val="65000"/>
+                  <a:lumOff val="35000"/>
+                </a:schemeClr>
+              </a:solidFill>
+            </a:ln>
+          </p:spPr>
+          <p:style>
+            <a:lnRef idx="2">
+              <a:schemeClr val="accent1">
+                <a:shade val="15000"/>
+              </a:schemeClr>
+            </a:lnRef>
+            <a:fillRef idx="1">
+              <a:schemeClr val="accent1"/>
+            </a:fillRef>
+            <a:effectRef idx="0">
+              <a:schemeClr val="accent1"/>
+            </a:effectRef>
+            <a:fontRef idx="minor">
+              <a:schemeClr val="lt1"/>
+            </a:fontRef>
+          </p:style>
+          <p:txBody>
+            <a:bodyPr rtlCol="0" anchor="ctr"/>
+            <a:lstStyle/>
+            <a:p>
+              <a:pPr algn="ctr"/>
+              <a:endParaRPr lang="zh-CN" altLang="en-US"/>
+            </a:p>
+          </p:txBody>
+        </p:sp>
+        <p:cxnSp>
+          <p:nvCxnSpPr>
+            <p:cNvPr id="120" name="直接连接符 119">
+              <a:extLst>
+                <a:ext uri="{FF2B5EF4-FFF2-40B4-BE49-F238E27FC236}">
+                  <a16:creationId xmlns:a16="http://schemas.microsoft.com/office/drawing/2014/main" id="{28EA1A26-9971-77B6-97BC-37760C8C61A7}"/>
+                </a:ext>
+              </a:extLst>
+            </p:cNvPr>
+            <p:cNvCxnSpPr>
+              <a:stCxn id="119" idx="1"/>
+              <a:endCxn id="119" idx="5"/>
+            </p:cNvCxnSpPr>
+            <p:nvPr/>
+          </p:nvCxnSpPr>
+          <p:spPr>
+            <a:xfrm>
+              <a:off x="4741810" y="1867474"/>
+              <a:ext cx="238083" cy="238083"/>
+            </a:xfrm>
+            <a:prstGeom prst="line">
+              <a:avLst/>
+            </a:prstGeom>
+            <a:ln w="57150">
+              <a:solidFill>
+                <a:srgbClr val="595959"/>
+              </a:solidFill>
+            </a:ln>
+          </p:spPr>
+          <p:style>
+            <a:lnRef idx="2">
+              <a:schemeClr val="accent1"/>
+            </a:lnRef>
+            <a:fillRef idx="0">
+              <a:schemeClr val="accent1"/>
+            </a:fillRef>
+            <a:effectRef idx="1">
+              <a:schemeClr val="accent1"/>
+            </a:effectRef>
+            <a:fontRef idx="minor">
+              <a:schemeClr val="tx1"/>
+            </a:fontRef>
+          </p:style>
+        </p:cxnSp>
+        <p:cxnSp>
+          <p:nvCxnSpPr>
+            <p:cNvPr id="121" name="直接连接符 120">
+              <a:extLst>
+                <a:ext uri="{FF2B5EF4-FFF2-40B4-BE49-F238E27FC236}">
+                  <a16:creationId xmlns:a16="http://schemas.microsoft.com/office/drawing/2014/main" id="{23184357-7678-FC76-EBA6-BED23FB84AB4}"/>
+                </a:ext>
+              </a:extLst>
+            </p:cNvPr>
+            <p:cNvCxnSpPr>
+              <a:stCxn id="119" idx="7"/>
+              <a:endCxn id="119" idx="3"/>
+            </p:cNvCxnSpPr>
+            <p:nvPr/>
+          </p:nvCxnSpPr>
+          <p:spPr>
+            <a:xfrm flipH="1">
+              <a:off x="4741810" y="1867474"/>
+              <a:ext cx="238083" cy="238083"/>
+            </a:xfrm>
+            <a:prstGeom prst="line">
+              <a:avLst/>
+            </a:prstGeom>
+            <a:ln w="57150">
+              <a:solidFill>
+                <a:srgbClr val="595959"/>
+              </a:solidFill>
+            </a:ln>
+          </p:spPr>
+          <p:style>
+            <a:lnRef idx="2">
+              <a:schemeClr val="accent1"/>
+            </a:lnRef>
+            <a:fillRef idx="0">
+              <a:schemeClr val="accent1"/>
+            </a:fillRef>
+            <a:effectRef idx="1">
+              <a:schemeClr val="accent1"/>
+            </a:effectRef>
+            <a:fontRef idx="minor">
+              <a:schemeClr val="tx1"/>
+            </a:fontRef>
+          </p:style>
+        </p:cxnSp>
+      </p:grpSp>
+      <p:grpSp>
+        <p:nvGrpSpPr>
+          <p:cNvPr id="122" name="组合 121">
+            <a:extLst>
+              <a:ext uri="{FF2B5EF4-FFF2-40B4-BE49-F238E27FC236}">
+                <a16:creationId xmlns:a16="http://schemas.microsoft.com/office/drawing/2014/main" id="{CD629434-B542-57A1-2459-20E00EC29764}"/>
+              </a:ext>
+            </a:extLst>
+          </p:cNvPr>
+          <p:cNvGrpSpPr/>
           <p:nvPr/>
-        </p:nvSpPr>
-        <p:spPr>
+        </p:nvGrpSpPr>
+        <p:grpSpPr>
           <a:xfrm>
-            <a:off x="7594600" y="1652624"/>
-            <a:ext cx="1485900" cy="820184"/>
-          </a:xfrm>
-          <a:prstGeom prst="ellipse">
-            <a:avLst/>
-          </a:prstGeom>
-          <a:solidFill>
-            <a:srgbClr val="CADCC9"/>
-          </a:solidFill>
-          <a:ln>
+            <a:off x="10342780" y="1107927"/>
+            <a:ext cx="336699" cy="336699"/>
+            <a:chOff x="4743302" y="2039236"/>
+            <a:chExt cx="336699" cy="336699"/>
+          </a:xfrm>
+        </p:grpSpPr>
+        <p:sp>
+          <p:nvSpPr>
+            <p:cNvPr id="123" name="椭圆 122">
+              <a:extLst>
+                <a:ext uri="{FF2B5EF4-FFF2-40B4-BE49-F238E27FC236}">
+                  <a16:creationId xmlns:a16="http://schemas.microsoft.com/office/drawing/2014/main" id="{31342653-D21E-890C-D7F6-3008A503DA3D}"/>
+                </a:ext>
+              </a:extLst>
+            </p:cNvPr>
+            <p:cNvSpPr/>
+            <p:nvPr/>
+          </p:nvSpPr>
+          <p:spPr>
+            <a:xfrm>
+              <a:off x="4743302" y="2039236"/>
+              <a:ext cx="336699" cy="336699"/>
+            </a:xfrm>
+            <a:prstGeom prst="ellipse">
+              <a:avLst/>
+            </a:prstGeom>
             <a:noFill/>
-          </a:ln>
-        </p:spPr>
-        <p:style>
-          <a:lnRef idx="2">
-            <a:schemeClr val="accent1">
-              <a:shade val="15000"/>
-            </a:schemeClr>
-          </a:lnRef>
-          <a:fillRef idx="1">
-            <a:schemeClr val="accent1"/>
-          </a:fillRef>
-          <a:effectRef idx="0">
-            <a:schemeClr val="accent1"/>
-          </a:effectRef>
-          <a:fontRef idx="minor">
-            <a:schemeClr val="lt1"/>
-          </a:fontRef>
-        </p:style>
-        <p:txBody>
-          <a:bodyPr rtlCol="0" anchor="ctr"/>
-          <a:lstStyle/>
-          <a:p>
-            <a:pPr algn="ctr"/>
-            <a:endParaRPr lang="zh-CN" altLang="en-US"/>
-          </a:p>
-        </p:txBody>
-      </p:sp>
+            <a:ln w="57150">
+              <a:solidFill>
+                <a:schemeClr val="tx1">
+                  <a:lumMod val="65000"/>
+                  <a:lumOff val="35000"/>
+                </a:schemeClr>
+              </a:solidFill>
+            </a:ln>
+          </p:spPr>
+          <p:style>
+            <a:lnRef idx="2">
+              <a:schemeClr val="accent1">
+                <a:shade val="15000"/>
+              </a:schemeClr>
+            </a:lnRef>
+            <a:fillRef idx="1">
+              <a:schemeClr val="accent1"/>
+            </a:fillRef>
+            <a:effectRef idx="0">
+              <a:schemeClr val="accent1"/>
+            </a:effectRef>
+            <a:fontRef idx="minor">
+              <a:schemeClr val="lt1"/>
+            </a:fontRef>
+          </p:style>
+          <p:txBody>
+            <a:bodyPr rtlCol="0" anchor="ctr"/>
+            <a:lstStyle/>
+            <a:p>
+              <a:pPr algn="ctr"/>
+              <a:endParaRPr lang="zh-CN" altLang="en-US"/>
+            </a:p>
+          </p:txBody>
+        </p:sp>
+        <p:cxnSp>
+          <p:nvCxnSpPr>
+            <p:cNvPr id="124" name="直接连接符 123">
+              <a:extLst>
+                <a:ext uri="{FF2B5EF4-FFF2-40B4-BE49-F238E27FC236}">
+                  <a16:creationId xmlns:a16="http://schemas.microsoft.com/office/drawing/2014/main" id="{502352FF-E0BE-25EB-B827-818FD130F8F2}"/>
+                </a:ext>
+              </a:extLst>
+            </p:cNvPr>
+            <p:cNvCxnSpPr>
+              <a:cxnSpLocks/>
+            </p:cNvCxnSpPr>
+            <p:nvPr/>
+          </p:nvCxnSpPr>
+          <p:spPr>
+            <a:xfrm rot="2700000">
+              <a:off x="4792610" y="2088544"/>
+              <a:ext cx="238083" cy="238083"/>
+            </a:xfrm>
+            <a:prstGeom prst="line">
+              <a:avLst/>
+            </a:prstGeom>
+            <a:ln w="57150">
+              <a:solidFill>
+                <a:srgbClr val="595959"/>
+              </a:solidFill>
+            </a:ln>
+          </p:spPr>
+          <p:style>
+            <a:lnRef idx="2">
+              <a:schemeClr val="accent1"/>
+            </a:lnRef>
+            <a:fillRef idx="0">
+              <a:schemeClr val="accent1"/>
+            </a:fillRef>
+            <a:effectRef idx="1">
+              <a:schemeClr val="accent1"/>
+            </a:effectRef>
+            <a:fontRef idx="minor">
+              <a:schemeClr val="tx1"/>
+            </a:fontRef>
+          </p:style>
+        </p:cxnSp>
+        <p:cxnSp>
+          <p:nvCxnSpPr>
+            <p:cNvPr id="125" name="直接连接符 124">
+              <a:extLst>
+                <a:ext uri="{FF2B5EF4-FFF2-40B4-BE49-F238E27FC236}">
+                  <a16:creationId xmlns:a16="http://schemas.microsoft.com/office/drawing/2014/main" id="{AF41E6BC-6522-7FBC-00C5-A915B84D7901}"/>
+                </a:ext>
+              </a:extLst>
+            </p:cNvPr>
+            <p:cNvCxnSpPr>
+              <a:cxnSpLocks/>
+            </p:cNvCxnSpPr>
+            <p:nvPr/>
+          </p:nvCxnSpPr>
+          <p:spPr>
+            <a:xfrm rot="2700000" flipH="1">
+              <a:off x="4792610" y="2088544"/>
+              <a:ext cx="238083" cy="238083"/>
+            </a:xfrm>
+            <a:prstGeom prst="line">
+              <a:avLst/>
+            </a:prstGeom>
+            <a:ln w="57150">
+              <a:solidFill>
+                <a:srgbClr val="595959"/>
+              </a:solidFill>
+            </a:ln>
+          </p:spPr>
+          <p:style>
+            <a:lnRef idx="2">
+              <a:schemeClr val="accent1"/>
+            </a:lnRef>
+            <a:fillRef idx="0">
+              <a:schemeClr val="accent1"/>
+            </a:fillRef>
+            <a:effectRef idx="1">
+              <a:schemeClr val="accent1"/>
+            </a:effectRef>
+            <a:fontRef idx="minor">
+              <a:schemeClr val="tx1"/>
+            </a:fontRef>
+          </p:style>
+        </p:cxnSp>
+      </p:grpSp>
+      <p:grpSp>
+        <p:nvGrpSpPr>
+          <p:cNvPr id="126" name="组合 125">
+            <a:extLst>
+              <a:ext uri="{FF2B5EF4-FFF2-40B4-BE49-F238E27FC236}">
+                <a16:creationId xmlns:a16="http://schemas.microsoft.com/office/drawing/2014/main" id="{CF0D2FDC-471A-4FEE-BBC2-FB1AF3842CEF}"/>
+              </a:ext>
+            </a:extLst>
+          </p:cNvPr>
+          <p:cNvGrpSpPr/>
+          <p:nvPr/>
+        </p:nvGrpSpPr>
+        <p:grpSpPr>
+          <a:xfrm>
+            <a:off x="10342780" y="1749724"/>
+            <a:ext cx="336699" cy="336699"/>
+            <a:chOff x="7324571" y="2736047"/>
+            <a:chExt cx="336699" cy="336699"/>
+          </a:xfrm>
+        </p:grpSpPr>
+        <p:sp>
+          <p:nvSpPr>
+            <p:cNvPr id="127" name="椭圆 126">
+              <a:extLst>
+                <a:ext uri="{FF2B5EF4-FFF2-40B4-BE49-F238E27FC236}">
+                  <a16:creationId xmlns:a16="http://schemas.microsoft.com/office/drawing/2014/main" id="{0D091793-54B1-2514-16A5-DA3422E64215}"/>
+                </a:ext>
+              </a:extLst>
+            </p:cNvPr>
+            <p:cNvSpPr/>
+            <p:nvPr/>
+          </p:nvSpPr>
+          <p:spPr>
+            <a:xfrm>
+              <a:off x="7324571" y="2736047"/>
+              <a:ext cx="336699" cy="336699"/>
+            </a:xfrm>
+            <a:prstGeom prst="ellipse">
+              <a:avLst/>
+            </a:prstGeom>
+            <a:noFill/>
+            <a:ln w="57150">
+              <a:solidFill>
+                <a:schemeClr val="tx1">
+                  <a:lumMod val="65000"/>
+                  <a:lumOff val="35000"/>
+                </a:schemeClr>
+              </a:solidFill>
+            </a:ln>
+          </p:spPr>
+          <p:style>
+            <a:lnRef idx="2">
+              <a:schemeClr val="accent1">
+                <a:shade val="15000"/>
+              </a:schemeClr>
+            </a:lnRef>
+            <a:fillRef idx="1">
+              <a:schemeClr val="accent1"/>
+            </a:fillRef>
+            <a:effectRef idx="0">
+              <a:schemeClr val="accent1"/>
+            </a:effectRef>
+            <a:fontRef idx="minor">
+              <a:schemeClr val="lt1"/>
+            </a:fontRef>
+          </p:style>
+          <p:txBody>
+            <a:bodyPr rtlCol="0" anchor="ctr"/>
+            <a:lstStyle/>
+            <a:p>
+              <a:pPr algn="ctr"/>
+              <a:endParaRPr lang="zh-CN" altLang="en-US"/>
+            </a:p>
+          </p:txBody>
+        </p:sp>
+        <p:sp>
+          <p:nvSpPr>
+            <p:cNvPr id="128" name="椭圆 127">
+              <a:extLst>
+                <a:ext uri="{FF2B5EF4-FFF2-40B4-BE49-F238E27FC236}">
+                  <a16:creationId xmlns:a16="http://schemas.microsoft.com/office/drawing/2014/main" id="{B6F1BDC7-3BBE-6B1B-DBD7-4DF3B5F29945}"/>
+                </a:ext>
+              </a:extLst>
+            </p:cNvPr>
+            <p:cNvSpPr/>
+            <p:nvPr/>
+          </p:nvSpPr>
+          <p:spPr>
+            <a:xfrm>
+              <a:off x="7456920" y="2868396"/>
+              <a:ext cx="72000" cy="72000"/>
+            </a:xfrm>
+            <a:prstGeom prst="ellipse">
+              <a:avLst/>
+            </a:prstGeom>
+            <a:solidFill>
+              <a:srgbClr val="595959"/>
+            </a:solidFill>
+            <a:ln>
+              <a:solidFill>
+                <a:srgbClr val="595959"/>
+              </a:solidFill>
+            </a:ln>
+          </p:spPr>
+          <p:style>
+            <a:lnRef idx="2">
+              <a:schemeClr val="accent1">
+                <a:shade val="15000"/>
+              </a:schemeClr>
+            </a:lnRef>
+            <a:fillRef idx="1">
+              <a:schemeClr val="accent1"/>
+            </a:fillRef>
+            <a:effectRef idx="0">
+              <a:schemeClr val="accent1"/>
+            </a:effectRef>
+            <a:fontRef idx="minor">
+              <a:schemeClr val="lt1"/>
+            </a:fontRef>
+          </p:style>
+          <p:txBody>
+            <a:bodyPr rtlCol="0" anchor="ctr"/>
+            <a:lstStyle/>
+            <a:p>
+              <a:pPr algn="ctr"/>
+              <a:endParaRPr lang="zh-CN" altLang="en-US"/>
+            </a:p>
+          </p:txBody>
+        </p:sp>
+      </p:grpSp>
     </p:spTree>
     <p:extLst>
       <p:ext uri="{BB962C8B-B14F-4D97-AF65-F5344CB8AC3E}">
-        <p14:creationId xmlns:p14="http://schemas.microsoft.com/office/powerpoint/2010/main" val="2466082206"/>
+        <p14:creationId xmlns:p14="http://schemas.microsoft.com/office/powerpoint/2010/main" val="832861648"/>
       </p:ext>
     </p:extLst>
   </p:cSld>

--- a/method.pptx
+++ b/method.pptx
@@ -7,6 +7,7 @@
   <p:sldIdLst>
     <p:sldId id="256" r:id="rId2"/>
     <p:sldId id="257" r:id="rId3"/>
+    <p:sldId id="258" r:id="rId4"/>
   </p:sldIdLst>
   <p:sldSz cx="12192000" cy="6858000"/>
   <p:notesSz cx="6858000" cy="9144000"/>
@@ -271,7 +272,7 @@
           <a:p>
             <a:fld id="{F31085FA-9092-4DD3-976C-E925BD9FA8C5}" type="datetimeFigureOut">
               <a:rPr lang="zh-CN" altLang="en-US" smtClean="0"/>
-              <a:t>2024/11/24</a:t>
+              <a:t>2024/11/26</a:t>
             </a:fld>
             <a:endParaRPr lang="zh-CN" altLang="en-US"/>
           </a:p>
@@ -469,7 +470,7 @@
           <a:p>
             <a:fld id="{F31085FA-9092-4DD3-976C-E925BD9FA8C5}" type="datetimeFigureOut">
               <a:rPr lang="zh-CN" altLang="en-US" smtClean="0"/>
-              <a:t>2024/11/24</a:t>
+              <a:t>2024/11/26</a:t>
             </a:fld>
             <a:endParaRPr lang="zh-CN" altLang="en-US"/>
           </a:p>
@@ -677,7 +678,7 @@
           <a:p>
             <a:fld id="{F31085FA-9092-4DD3-976C-E925BD9FA8C5}" type="datetimeFigureOut">
               <a:rPr lang="zh-CN" altLang="en-US" smtClean="0"/>
-              <a:t>2024/11/24</a:t>
+              <a:t>2024/11/26</a:t>
             </a:fld>
             <a:endParaRPr lang="zh-CN" altLang="en-US"/>
           </a:p>
@@ -875,7 +876,7 @@
           <a:p>
             <a:fld id="{F31085FA-9092-4DD3-976C-E925BD9FA8C5}" type="datetimeFigureOut">
               <a:rPr lang="zh-CN" altLang="en-US" smtClean="0"/>
-              <a:t>2024/11/24</a:t>
+              <a:t>2024/11/26</a:t>
             </a:fld>
             <a:endParaRPr lang="zh-CN" altLang="en-US"/>
           </a:p>
@@ -1150,7 +1151,7 @@
           <a:p>
             <a:fld id="{F31085FA-9092-4DD3-976C-E925BD9FA8C5}" type="datetimeFigureOut">
               <a:rPr lang="zh-CN" altLang="en-US" smtClean="0"/>
-              <a:t>2024/11/24</a:t>
+              <a:t>2024/11/26</a:t>
             </a:fld>
             <a:endParaRPr lang="zh-CN" altLang="en-US"/>
           </a:p>
@@ -1415,7 +1416,7 @@
           <a:p>
             <a:fld id="{F31085FA-9092-4DD3-976C-E925BD9FA8C5}" type="datetimeFigureOut">
               <a:rPr lang="zh-CN" altLang="en-US" smtClean="0"/>
-              <a:t>2024/11/24</a:t>
+              <a:t>2024/11/26</a:t>
             </a:fld>
             <a:endParaRPr lang="zh-CN" altLang="en-US"/>
           </a:p>
@@ -1827,7 +1828,7 @@
           <a:p>
             <a:fld id="{F31085FA-9092-4DD3-976C-E925BD9FA8C5}" type="datetimeFigureOut">
               <a:rPr lang="zh-CN" altLang="en-US" smtClean="0"/>
-              <a:t>2024/11/24</a:t>
+              <a:t>2024/11/26</a:t>
             </a:fld>
             <a:endParaRPr lang="zh-CN" altLang="en-US"/>
           </a:p>
@@ -1968,7 +1969,7 @@
           <a:p>
             <a:fld id="{F31085FA-9092-4DD3-976C-E925BD9FA8C5}" type="datetimeFigureOut">
               <a:rPr lang="zh-CN" altLang="en-US" smtClean="0"/>
-              <a:t>2024/11/24</a:t>
+              <a:t>2024/11/26</a:t>
             </a:fld>
             <a:endParaRPr lang="zh-CN" altLang="en-US"/>
           </a:p>
@@ -2081,7 +2082,7 @@
           <a:p>
             <a:fld id="{F31085FA-9092-4DD3-976C-E925BD9FA8C5}" type="datetimeFigureOut">
               <a:rPr lang="zh-CN" altLang="en-US" smtClean="0"/>
-              <a:t>2024/11/24</a:t>
+              <a:t>2024/11/26</a:t>
             </a:fld>
             <a:endParaRPr lang="zh-CN" altLang="en-US"/>
           </a:p>
@@ -2392,7 +2393,7 @@
           <a:p>
             <a:fld id="{F31085FA-9092-4DD3-976C-E925BD9FA8C5}" type="datetimeFigureOut">
               <a:rPr lang="zh-CN" altLang="en-US" smtClean="0"/>
-              <a:t>2024/11/24</a:t>
+              <a:t>2024/11/26</a:t>
             </a:fld>
             <a:endParaRPr lang="zh-CN" altLang="en-US"/>
           </a:p>
@@ -2680,7 +2681,7 @@
           <a:p>
             <a:fld id="{F31085FA-9092-4DD3-976C-E925BD9FA8C5}" type="datetimeFigureOut">
               <a:rPr lang="zh-CN" altLang="en-US" smtClean="0"/>
-              <a:t>2024/11/24</a:t>
+              <a:t>2024/11/26</a:t>
             </a:fld>
             <a:endParaRPr lang="zh-CN" altLang="en-US"/>
           </a:p>
@@ -2921,7 +2922,7 @@
           <a:p>
             <a:fld id="{F31085FA-9092-4DD3-976C-E925BD9FA8C5}" type="datetimeFigureOut">
               <a:rPr lang="zh-CN" altLang="en-US" smtClean="0"/>
-              <a:t>2024/11/24</a:t>
+              <a:t>2024/11/26</a:t>
             </a:fld>
             <a:endParaRPr lang="zh-CN" altLang="en-US"/>
           </a:p>
@@ -7210,6 +7211,108 @@
     <p:extLst>
       <p:ext uri="{BB962C8B-B14F-4D97-AF65-F5344CB8AC3E}">
         <p14:creationId xmlns:p14="http://schemas.microsoft.com/office/powerpoint/2010/main" val="832861648"/>
+      </p:ext>
+    </p:extLst>
+  </p:cSld>
+  <p:clrMapOvr>
+    <a:masterClrMapping/>
+  </p:clrMapOvr>
+</p:sld>
+</file>
+
+<file path=ppt/slides/slide3.xml><?xml version="1.0" encoding="utf-8"?>
+<p:sld xmlns:a="http://schemas.openxmlformats.org/drawingml/2006/main" xmlns:r="http://schemas.openxmlformats.org/officeDocument/2006/relationships" xmlns:p="http://schemas.openxmlformats.org/presentationml/2006/main">
+  <p:cSld>
+    <p:spTree>
+      <p:nvGrpSpPr>
+        <p:cNvPr id="1" name=""/>
+        <p:cNvGrpSpPr/>
+        <p:nvPr/>
+      </p:nvGrpSpPr>
+      <p:grpSpPr>
+        <a:xfrm>
+          <a:off x="0" y="0"/>
+          <a:ext cx="0" cy="0"/>
+          <a:chOff x="0" y="0"/>
+          <a:chExt cx="0" cy="0"/>
+        </a:xfrm>
+      </p:grpSpPr>
+      <p:pic>
+        <p:nvPicPr>
+          <p:cNvPr id="5" name="图片 4" descr="图片包含 图表&#10;&#10;描述已自动生成">
+            <a:extLst>
+              <a:ext uri="{FF2B5EF4-FFF2-40B4-BE49-F238E27FC236}">
+                <a16:creationId xmlns:a16="http://schemas.microsoft.com/office/drawing/2014/main" id="{E2D60A6D-6197-AE72-EECC-3661E6E28391}"/>
+              </a:ext>
+            </a:extLst>
+          </p:cNvPr>
+          <p:cNvPicPr>
+            <a:picLocks noChangeAspect="1"/>
+          </p:cNvPicPr>
+          <p:nvPr/>
+        </p:nvPicPr>
+        <p:blipFill>
+          <a:blip r:embed="rId2">
+            <a:extLst>
+              <a:ext uri="{28A0092B-C50C-407E-A947-70E740481C1C}">
+                <a14:useLocalDpi xmlns:a14="http://schemas.microsoft.com/office/drawing/2010/main" val="0"/>
+              </a:ext>
+            </a:extLst>
+          </a:blip>
+          <a:stretch>
+            <a:fillRect/>
+          </a:stretch>
+        </p:blipFill>
+        <p:spPr>
+          <a:xfrm>
+            <a:off x="4507472" y="2064069"/>
+            <a:ext cx="5760001" cy="2880000"/>
+          </a:xfrm>
+          <a:prstGeom prst="rect">
+            <a:avLst/>
+          </a:prstGeom>
+        </p:spPr>
+      </p:pic>
+      <p:pic>
+        <p:nvPicPr>
+          <p:cNvPr id="7" name="图片 6" descr="图表&#10;&#10;描述已自动生成">
+            <a:extLst>
+              <a:ext uri="{FF2B5EF4-FFF2-40B4-BE49-F238E27FC236}">
+                <a16:creationId xmlns:a16="http://schemas.microsoft.com/office/drawing/2014/main" id="{9CE227B2-0114-A274-4BD5-67ADD81AEAA6}"/>
+              </a:ext>
+            </a:extLst>
+          </p:cNvPr>
+          <p:cNvPicPr>
+            <a:picLocks noChangeAspect="1"/>
+          </p:cNvPicPr>
+          <p:nvPr/>
+        </p:nvPicPr>
+        <p:blipFill>
+          <a:blip r:embed="rId3">
+            <a:extLst>
+              <a:ext uri="{28A0092B-C50C-407E-A947-70E740481C1C}">
+                <a14:useLocalDpi xmlns:a14="http://schemas.microsoft.com/office/drawing/2010/main" val="0"/>
+              </a:ext>
+            </a:extLst>
+          </a:blip>
+          <a:stretch>
+            <a:fillRect/>
+          </a:stretch>
+        </p:blipFill>
+        <p:spPr>
+          <a:xfrm>
+            <a:off x="2126031" y="2064069"/>
+            <a:ext cx="2880000" cy="2880000"/>
+          </a:xfrm>
+          <a:prstGeom prst="rect">
+            <a:avLst/>
+          </a:prstGeom>
+        </p:spPr>
+      </p:pic>
+    </p:spTree>
+    <p:extLst>
+      <p:ext uri="{BB962C8B-B14F-4D97-AF65-F5344CB8AC3E}">
+        <p14:creationId xmlns:p14="http://schemas.microsoft.com/office/powerpoint/2010/main" val="3175864544"/>
       </p:ext>
     </p:extLst>
   </p:cSld>

--- a/method.pptx
+++ b/method.pptx
@@ -6,8 +6,10 @@
   </p:sldMasterIdLst>
   <p:sldIdLst>
     <p:sldId id="256" r:id="rId2"/>
-    <p:sldId id="257" r:id="rId3"/>
-    <p:sldId id="258" r:id="rId4"/>
+    <p:sldId id="260" r:id="rId3"/>
+    <p:sldId id="257" r:id="rId4"/>
+    <p:sldId id="259" r:id="rId5"/>
+    <p:sldId id="258" r:id="rId6"/>
   </p:sldIdLst>
   <p:sldSz cx="12192000" cy="6858000"/>
   <p:notesSz cx="6858000" cy="9144000"/>
@@ -272,7 +274,7 @@
           <a:p>
             <a:fld id="{F31085FA-9092-4DD3-976C-E925BD9FA8C5}" type="datetimeFigureOut">
               <a:rPr lang="zh-CN" altLang="en-US" smtClean="0"/>
-              <a:t>2024/11/26</a:t>
+              <a:t>2024/12/14</a:t>
             </a:fld>
             <a:endParaRPr lang="zh-CN" altLang="en-US"/>
           </a:p>
@@ -470,7 +472,7 @@
           <a:p>
             <a:fld id="{F31085FA-9092-4DD3-976C-E925BD9FA8C5}" type="datetimeFigureOut">
               <a:rPr lang="zh-CN" altLang="en-US" smtClean="0"/>
-              <a:t>2024/11/26</a:t>
+              <a:t>2024/12/14</a:t>
             </a:fld>
             <a:endParaRPr lang="zh-CN" altLang="en-US"/>
           </a:p>
@@ -678,7 +680,7 @@
           <a:p>
             <a:fld id="{F31085FA-9092-4DD3-976C-E925BD9FA8C5}" type="datetimeFigureOut">
               <a:rPr lang="zh-CN" altLang="en-US" smtClean="0"/>
-              <a:t>2024/11/26</a:t>
+              <a:t>2024/12/14</a:t>
             </a:fld>
             <a:endParaRPr lang="zh-CN" altLang="en-US"/>
           </a:p>
@@ -876,7 +878,7 @@
           <a:p>
             <a:fld id="{F31085FA-9092-4DD3-976C-E925BD9FA8C5}" type="datetimeFigureOut">
               <a:rPr lang="zh-CN" altLang="en-US" smtClean="0"/>
-              <a:t>2024/11/26</a:t>
+              <a:t>2024/12/14</a:t>
             </a:fld>
             <a:endParaRPr lang="zh-CN" altLang="en-US"/>
           </a:p>
@@ -1151,7 +1153,7 @@
           <a:p>
             <a:fld id="{F31085FA-9092-4DD3-976C-E925BD9FA8C5}" type="datetimeFigureOut">
               <a:rPr lang="zh-CN" altLang="en-US" smtClean="0"/>
-              <a:t>2024/11/26</a:t>
+              <a:t>2024/12/14</a:t>
             </a:fld>
             <a:endParaRPr lang="zh-CN" altLang="en-US"/>
           </a:p>
@@ -1416,7 +1418,7 @@
           <a:p>
             <a:fld id="{F31085FA-9092-4DD3-976C-E925BD9FA8C5}" type="datetimeFigureOut">
               <a:rPr lang="zh-CN" altLang="en-US" smtClean="0"/>
-              <a:t>2024/11/26</a:t>
+              <a:t>2024/12/14</a:t>
             </a:fld>
             <a:endParaRPr lang="zh-CN" altLang="en-US"/>
           </a:p>
@@ -1828,7 +1830,7 @@
           <a:p>
             <a:fld id="{F31085FA-9092-4DD3-976C-E925BD9FA8C5}" type="datetimeFigureOut">
               <a:rPr lang="zh-CN" altLang="en-US" smtClean="0"/>
-              <a:t>2024/11/26</a:t>
+              <a:t>2024/12/14</a:t>
             </a:fld>
             <a:endParaRPr lang="zh-CN" altLang="en-US"/>
           </a:p>
@@ -1969,7 +1971,7 @@
           <a:p>
             <a:fld id="{F31085FA-9092-4DD3-976C-E925BD9FA8C5}" type="datetimeFigureOut">
               <a:rPr lang="zh-CN" altLang="en-US" smtClean="0"/>
-              <a:t>2024/11/26</a:t>
+              <a:t>2024/12/14</a:t>
             </a:fld>
             <a:endParaRPr lang="zh-CN" altLang="en-US"/>
           </a:p>
@@ -2082,7 +2084,7 @@
           <a:p>
             <a:fld id="{F31085FA-9092-4DD3-976C-E925BD9FA8C5}" type="datetimeFigureOut">
               <a:rPr lang="zh-CN" altLang="en-US" smtClean="0"/>
-              <a:t>2024/11/26</a:t>
+              <a:t>2024/12/14</a:t>
             </a:fld>
             <a:endParaRPr lang="zh-CN" altLang="en-US"/>
           </a:p>
@@ -2393,7 +2395,7 @@
           <a:p>
             <a:fld id="{F31085FA-9092-4DD3-976C-E925BD9FA8C5}" type="datetimeFigureOut">
               <a:rPr lang="zh-CN" altLang="en-US" smtClean="0"/>
-              <a:t>2024/11/26</a:t>
+              <a:t>2024/12/14</a:t>
             </a:fld>
             <a:endParaRPr lang="zh-CN" altLang="en-US"/>
           </a:p>
@@ -2681,7 +2683,7 @@
           <a:p>
             <a:fld id="{F31085FA-9092-4DD3-976C-E925BD9FA8C5}" type="datetimeFigureOut">
               <a:rPr lang="zh-CN" altLang="en-US" smtClean="0"/>
-              <a:t>2024/11/26</a:t>
+              <a:t>2024/12/14</a:t>
             </a:fld>
             <a:endParaRPr lang="zh-CN" altLang="en-US"/>
           </a:p>
@@ -2922,7 +2924,7 @@
           <a:p>
             <a:fld id="{F31085FA-9092-4DD3-976C-E925BD9FA8C5}" type="datetimeFigureOut">
               <a:rPr lang="zh-CN" altLang="en-US" smtClean="0"/>
-              <a:t>2024/11/26</a:t>
+              <a:t>2024/12/14</a:t>
             </a:fld>
             <a:endParaRPr lang="zh-CN" altLang="en-US"/>
           </a:p>
@@ -4919,6 +4921,1988 @@
         <p:cNvPr id="1" name="">
           <a:extLst>
             <a:ext uri="{FF2B5EF4-FFF2-40B4-BE49-F238E27FC236}">
+              <a16:creationId xmlns:a16="http://schemas.microsoft.com/office/drawing/2014/main" id="{5660CDA0-F512-7CD9-12DE-3B8AFE8EFD8E}"/>
+            </a:ext>
+          </a:extLst>
+        </p:cNvPr>
+        <p:cNvGrpSpPr/>
+        <p:nvPr/>
+      </p:nvGrpSpPr>
+      <p:grpSpPr>
+        <a:xfrm>
+          <a:off x="0" y="0"/>
+          <a:ext cx="0" cy="0"/>
+          <a:chOff x="0" y="0"/>
+          <a:chExt cx="0" cy="0"/>
+        </a:xfrm>
+      </p:grpSpPr>
+      <p:sp>
+        <p:nvSpPr>
+          <p:cNvPr id="4" name="矩形: 圆角 3">
+            <a:extLst>
+              <a:ext uri="{FF2B5EF4-FFF2-40B4-BE49-F238E27FC236}">
+                <a16:creationId xmlns:a16="http://schemas.microsoft.com/office/drawing/2014/main" id="{192304EE-4316-866B-296F-5D6CADE8544C}"/>
+              </a:ext>
+            </a:extLst>
+          </p:cNvPr>
+          <p:cNvSpPr/>
+          <p:nvPr/>
+        </p:nvSpPr>
+        <p:spPr>
+          <a:xfrm>
+            <a:off x="388388" y="829281"/>
+            <a:ext cx="11373293" cy="5775438"/>
+          </a:xfrm>
+          <a:prstGeom prst="roundRect">
+            <a:avLst/>
+          </a:prstGeom>
+          <a:solidFill>
+            <a:srgbClr val="F9F7ED"/>
+          </a:solidFill>
+          <a:ln w="28575">
+            <a:prstDash val="dash"/>
+          </a:ln>
+        </p:spPr>
+        <p:style>
+          <a:lnRef idx="2">
+            <a:schemeClr val="accent1">
+              <a:shade val="15000"/>
+            </a:schemeClr>
+          </a:lnRef>
+          <a:fillRef idx="1">
+            <a:schemeClr val="accent1"/>
+          </a:fillRef>
+          <a:effectRef idx="0">
+            <a:schemeClr val="accent1"/>
+          </a:effectRef>
+          <a:fontRef idx="minor">
+            <a:schemeClr val="lt1"/>
+          </a:fontRef>
+        </p:style>
+        <p:txBody>
+          <a:bodyPr rtlCol="0" anchor="ctr"/>
+          <a:lstStyle/>
+          <a:p>
+            <a:pPr algn="ctr"/>
+            <a:endParaRPr lang="zh-CN" altLang="en-US" dirty="0"/>
+          </a:p>
+        </p:txBody>
+      </p:sp>
+      <p:sp>
+        <p:nvSpPr>
+          <p:cNvPr id="22" name="矩形: 圆角 21">
+            <a:extLst>
+              <a:ext uri="{FF2B5EF4-FFF2-40B4-BE49-F238E27FC236}">
+                <a16:creationId xmlns:a16="http://schemas.microsoft.com/office/drawing/2014/main" id="{793BBBDB-F6C9-F026-0EE9-7A4F38AED207}"/>
+              </a:ext>
+            </a:extLst>
+          </p:cNvPr>
+          <p:cNvSpPr/>
+          <p:nvPr/>
+        </p:nvSpPr>
+        <p:spPr>
+          <a:xfrm>
+            <a:off x="2331341" y="1126468"/>
+            <a:ext cx="1815451" cy="3456422"/>
+          </a:xfrm>
+          <a:prstGeom prst="roundRect">
+            <a:avLst>
+              <a:gd name="adj" fmla="val 0"/>
+            </a:avLst>
+          </a:prstGeom>
+          <a:noFill/>
+          <a:ln w="38100">
+            <a:solidFill>
+              <a:srgbClr val="C04F15"/>
+            </a:solidFill>
+          </a:ln>
+        </p:spPr>
+        <p:style>
+          <a:lnRef idx="2">
+            <a:schemeClr val="accent1">
+              <a:shade val="15000"/>
+            </a:schemeClr>
+          </a:lnRef>
+          <a:fillRef idx="1">
+            <a:schemeClr val="accent1"/>
+          </a:fillRef>
+          <a:effectRef idx="0">
+            <a:schemeClr val="accent1"/>
+          </a:effectRef>
+          <a:fontRef idx="minor">
+            <a:schemeClr val="lt1"/>
+          </a:fontRef>
+        </p:style>
+        <p:txBody>
+          <a:bodyPr rtlCol="0" anchor="ctr"/>
+          <a:lstStyle/>
+          <a:p>
+            <a:pPr algn="ctr"/>
+            <a:endParaRPr lang="zh-CN" altLang="en-US"/>
+          </a:p>
+        </p:txBody>
+      </p:sp>
+      <p:sp>
+        <p:nvSpPr>
+          <p:cNvPr id="12" name="矩形 11">
+            <a:extLst>
+              <a:ext uri="{FF2B5EF4-FFF2-40B4-BE49-F238E27FC236}">
+                <a16:creationId xmlns:a16="http://schemas.microsoft.com/office/drawing/2014/main" id="{4850685D-4225-965E-1022-5FEBE781F181}"/>
+              </a:ext>
+            </a:extLst>
+          </p:cNvPr>
+          <p:cNvSpPr/>
+          <p:nvPr/>
+        </p:nvSpPr>
+        <p:spPr>
+          <a:xfrm>
+            <a:off x="5024010" y="3593404"/>
+            <a:ext cx="1378800" cy="648000"/>
+          </a:xfrm>
+          <a:prstGeom prst="rect">
+            <a:avLst/>
+          </a:prstGeom>
+          <a:solidFill>
+            <a:srgbClr val="FFCC80"/>
+          </a:solidFill>
+          <a:ln>
+            <a:noFill/>
+          </a:ln>
+        </p:spPr>
+        <p:style>
+          <a:lnRef idx="2">
+            <a:schemeClr val="accent1">
+              <a:shade val="15000"/>
+            </a:schemeClr>
+          </a:lnRef>
+          <a:fillRef idx="1">
+            <a:schemeClr val="accent1"/>
+          </a:fillRef>
+          <a:effectRef idx="0">
+            <a:schemeClr val="accent1"/>
+          </a:effectRef>
+          <a:fontRef idx="minor">
+            <a:schemeClr val="lt1"/>
+          </a:fontRef>
+        </p:style>
+        <p:txBody>
+          <a:bodyPr rtlCol="0" anchor="ctr"/>
+          <a:lstStyle/>
+          <a:p>
+            <a:pPr algn="ctr"/>
+            <a:r>
+              <a:rPr lang="en-US" altLang="zh-CN" dirty="0">
+                <a:solidFill>
+                  <a:schemeClr val="tx1"/>
+                </a:solidFill>
+              </a:rPr>
+              <a:t>MaxPool</a:t>
+            </a:r>
+            <a:endParaRPr lang="zh-CN" altLang="en-US" dirty="0">
+              <a:solidFill>
+                <a:schemeClr val="tx1"/>
+              </a:solidFill>
+            </a:endParaRPr>
+          </a:p>
+        </p:txBody>
+      </p:sp>
+      <p:sp>
+        <p:nvSpPr>
+          <p:cNvPr id="55" name="矩形 54">
+            <a:extLst>
+              <a:ext uri="{FF2B5EF4-FFF2-40B4-BE49-F238E27FC236}">
+                <a16:creationId xmlns:a16="http://schemas.microsoft.com/office/drawing/2014/main" id="{3016EA98-BEC0-488C-FB5C-F2D3E7C371A9}"/>
+              </a:ext>
+            </a:extLst>
+          </p:cNvPr>
+          <p:cNvSpPr/>
+          <p:nvPr/>
+        </p:nvSpPr>
+        <p:spPr>
+          <a:xfrm>
+            <a:off x="5085750" y="1598989"/>
+            <a:ext cx="1378800" cy="1059525"/>
+          </a:xfrm>
+          <a:prstGeom prst="rect">
+            <a:avLst/>
+          </a:prstGeom>
+          <a:solidFill>
+            <a:srgbClr val="D6CADB"/>
+          </a:solidFill>
+          <a:ln>
+            <a:noFill/>
+          </a:ln>
+        </p:spPr>
+        <p:style>
+          <a:lnRef idx="2">
+            <a:schemeClr val="accent1">
+              <a:shade val="15000"/>
+            </a:schemeClr>
+          </a:lnRef>
+          <a:fillRef idx="1">
+            <a:schemeClr val="accent1"/>
+          </a:fillRef>
+          <a:effectRef idx="0">
+            <a:schemeClr val="accent1"/>
+          </a:effectRef>
+          <a:fontRef idx="minor">
+            <a:schemeClr val="lt1"/>
+          </a:fontRef>
+        </p:style>
+        <p:txBody>
+          <a:bodyPr rtlCol="0" anchor="ctr"/>
+          <a:lstStyle/>
+          <a:p>
+            <a:pPr algn="ctr"/>
+            <a:r>
+              <a:rPr lang="en-US" altLang="zh-CN" dirty="0">
+                <a:solidFill>
+                  <a:schemeClr val="tx1"/>
+                </a:solidFill>
+              </a:rPr>
+              <a:t>Attention Module</a:t>
+            </a:r>
+            <a:endParaRPr lang="zh-CN" altLang="en-US" dirty="0">
+              <a:solidFill>
+                <a:schemeClr val="tx1"/>
+              </a:solidFill>
+            </a:endParaRPr>
+          </a:p>
+        </p:txBody>
+      </p:sp>
+      <p:cxnSp>
+        <p:nvCxnSpPr>
+          <p:cNvPr id="59" name="连接符: 肘形 58">
+            <a:extLst>
+              <a:ext uri="{FF2B5EF4-FFF2-40B4-BE49-F238E27FC236}">
+                <a16:creationId xmlns:a16="http://schemas.microsoft.com/office/drawing/2014/main" id="{10626787-EB43-AC02-1D25-B47E479988AA}"/>
+              </a:ext>
+            </a:extLst>
+          </p:cNvPr>
+          <p:cNvCxnSpPr>
+            <a:cxnSpLocks/>
+            <a:endCxn id="55" idx="1"/>
+          </p:cNvCxnSpPr>
+          <p:nvPr/>
+        </p:nvCxnSpPr>
+        <p:spPr>
+          <a:xfrm rot="5400000" flipH="1" flipV="1">
+            <a:off x="3705261" y="3202400"/>
+            <a:ext cx="2454137" cy="306842"/>
+          </a:xfrm>
+          <a:prstGeom prst="bentConnector2">
+            <a:avLst/>
+          </a:prstGeom>
+          <a:ln w="28575">
+            <a:solidFill>
+              <a:schemeClr val="tx1"/>
+            </a:solidFill>
+            <a:tailEnd type="triangle"/>
+          </a:ln>
+        </p:spPr>
+        <p:style>
+          <a:lnRef idx="2">
+            <a:schemeClr val="accent1"/>
+          </a:lnRef>
+          <a:fillRef idx="0">
+            <a:schemeClr val="accent1"/>
+          </a:fillRef>
+          <a:effectRef idx="1">
+            <a:schemeClr val="accent1"/>
+          </a:effectRef>
+          <a:fontRef idx="minor">
+            <a:schemeClr val="tx1"/>
+          </a:fontRef>
+        </p:style>
+      </p:cxnSp>
+      <p:cxnSp>
+        <p:nvCxnSpPr>
+          <p:cNvPr id="61" name="直接箭头连接符 60">
+            <a:extLst>
+              <a:ext uri="{FF2B5EF4-FFF2-40B4-BE49-F238E27FC236}">
+                <a16:creationId xmlns:a16="http://schemas.microsoft.com/office/drawing/2014/main" id="{A6987B61-A821-E2D5-309A-96A596CBBC02}"/>
+              </a:ext>
+            </a:extLst>
+          </p:cNvPr>
+          <p:cNvCxnSpPr>
+            <a:cxnSpLocks/>
+          </p:cNvCxnSpPr>
+          <p:nvPr/>
+        </p:nvCxnSpPr>
+        <p:spPr>
+          <a:xfrm>
+            <a:off x="5717867" y="2658514"/>
+            <a:ext cx="0" cy="934890"/>
+          </a:xfrm>
+          <a:prstGeom prst="straightConnector1">
+            <a:avLst/>
+          </a:prstGeom>
+          <a:ln w="38100">
+            <a:solidFill>
+              <a:schemeClr val="tx1"/>
+            </a:solidFill>
+            <a:tailEnd type="triangle"/>
+          </a:ln>
+        </p:spPr>
+        <p:style>
+          <a:lnRef idx="2">
+            <a:schemeClr val="accent1"/>
+          </a:lnRef>
+          <a:fillRef idx="0">
+            <a:schemeClr val="accent1"/>
+          </a:fillRef>
+          <a:effectRef idx="1">
+            <a:schemeClr val="accent1"/>
+          </a:effectRef>
+          <a:fontRef idx="minor">
+            <a:schemeClr val="tx1"/>
+          </a:fontRef>
+        </p:style>
+      </p:cxnSp>
+      <p:cxnSp>
+        <p:nvCxnSpPr>
+          <p:cNvPr id="70" name="直接箭头连接符 69">
+            <a:extLst>
+              <a:ext uri="{FF2B5EF4-FFF2-40B4-BE49-F238E27FC236}">
+                <a16:creationId xmlns:a16="http://schemas.microsoft.com/office/drawing/2014/main" id="{93E6D756-9E2C-79EC-A31C-B2BAD83D2532}"/>
+              </a:ext>
+            </a:extLst>
+          </p:cNvPr>
+          <p:cNvCxnSpPr>
+            <a:cxnSpLocks/>
+            <a:stCxn id="87" idx="2"/>
+            <a:endCxn id="89" idx="0"/>
+          </p:cNvCxnSpPr>
+          <p:nvPr/>
+        </p:nvCxnSpPr>
+        <p:spPr>
+          <a:xfrm>
+            <a:off x="10461991" y="2662946"/>
+            <a:ext cx="610" cy="289235"/>
+          </a:xfrm>
+          <a:prstGeom prst="straightConnector1">
+            <a:avLst/>
+          </a:prstGeom>
+          <a:ln w="38100">
+            <a:solidFill>
+              <a:schemeClr val="tx1"/>
+            </a:solidFill>
+            <a:tailEnd type="triangle"/>
+          </a:ln>
+        </p:spPr>
+        <p:style>
+          <a:lnRef idx="2">
+            <a:schemeClr val="accent1"/>
+          </a:lnRef>
+          <a:fillRef idx="0">
+            <a:schemeClr val="accent1"/>
+          </a:fillRef>
+          <a:effectRef idx="1">
+            <a:schemeClr val="accent1"/>
+          </a:effectRef>
+          <a:fontRef idx="minor">
+            <a:schemeClr val="tx1"/>
+          </a:fontRef>
+        </p:style>
+      </p:cxnSp>
+      <p:cxnSp>
+        <p:nvCxnSpPr>
+          <p:cNvPr id="73" name="连接符: 肘形 72">
+            <a:extLst>
+              <a:ext uri="{FF2B5EF4-FFF2-40B4-BE49-F238E27FC236}">
+                <a16:creationId xmlns:a16="http://schemas.microsoft.com/office/drawing/2014/main" id="{1F5BF6A2-5C4E-12AF-A8A7-22BFF1B6310A}"/>
+              </a:ext>
+            </a:extLst>
+          </p:cNvPr>
+          <p:cNvCxnSpPr>
+            <a:cxnSpLocks/>
+            <a:stCxn id="12" idx="3"/>
+            <a:endCxn id="5" idx="1"/>
+          </p:cNvCxnSpPr>
+          <p:nvPr/>
+        </p:nvCxnSpPr>
+        <p:spPr>
+          <a:xfrm flipV="1">
+            <a:off x="6402810" y="1684779"/>
+            <a:ext cx="1109517" cy="2232625"/>
+          </a:xfrm>
+          <a:prstGeom prst="bentConnector3">
+            <a:avLst>
+              <a:gd name="adj1" fmla="val 50000"/>
+            </a:avLst>
+          </a:prstGeom>
+          <a:ln w="28575">
+            <a:solidFill>
+              <a:schemeClr val="tx1"/>
+            </a:solidFill>
+            <a:tailEnd type="triangle"/>
+          </a:ln>
+        </p:spPr>
+        <p:style>
+          <a:lnRef idx="2">
+            <a:schemeClr val="accent1"/>
+          </a:lnRef>
+          <a:fillRef idx="0">
+            <a:schemeClr val="accent1"/>
+          </a:fillRef>
+          <a:effectRef idx="1">
+            <a:schemeClr val="accent1"/>
+          </a:effectRef>
+          <a:fontRef idx="minor">
+            <a:schemeClr val="tx1"/>
+          </a:fontRef>
+        </p:style>
+      </p:cxnSp>
+      <p:sp>
+        <p:nvSpPr>
+          <p:cNvPr id="87" name="矩形 86">
+            <a:extLst>
+              <a:ext uri="{FF2B5EF4-FFF2-40B4-BE49-F238E27FC236}">
+                <a16:creationId xmlns:a16="http://schemas.microsoft.com/office/drawing/2014/main" id="{88ACE87F-3919-6200-E54E-9C08CFEFCB8B}"/>
+              </a:ext>
+            </a:extLst>
+          </p:cNvPr>
+          <p:cNvSpPr/>
+          <p:nvPr/>
+        </p:nvSpPr>
+        <p:spPr>
+          <a:xfrm>
+            <a:off x="9772591" y="1603421"/>
+            <a:ext cx="1378800" cy="1059525"/>
+          </a:xfrm>
+          <a:prstGeom prst="rect">
+            <a:avLst/>
+          </a:prstGeom>
+          <a:solidFill>
+            <a:srgbClr val="D6CADB"/>
+          </a:solidFill>
+          <a:ln>
+            <a:noFill/>
+          </a:ln>
+        </p:spPr>
+        <p:style>
+          <a:lnRef idx="2">
+            <a:schemeClr val="accent1">
+              <a:shade val="15000"/>
+            </a:schemeClr>
+          </a:lnRef>
+          <a:fillRef idx="1">
+            <a:schemeClr val="accent1"/>
+          </a:fillRef>
+          <a:effectRef idx="0">
+            <a:schemeClr val="accent1"/>
+          </a:effectRef>
+          <a:fontRef idx="minor">
+            <a:schemeClr val="lt1"/>
+          </a:fontRef>
+        </p:style>
+        <p:txBody>
+          <a:bodyPr rtlCol="0" anchor="ctr"/>
+          <a:lstStyle/>
+          <a:p>
+            <a:pPr algn="ctr"/>
+            <a:r>
+              <a:rPr lang="en-US" altLang="zh-CN" dirty="0">
+                <a:solidFill>
+                  <a:schemeClr val="tx1"/>
+                </a:solidFill>
+              </a:rPr>
+              <a:t>Attention Module</a:t>
+            </a:r>
+            <a:endParaRPr lang="zh-CN" altLang="en-US" dirty="0">
+              <a:solidFill>
+                <a:schemeClr val="tx1"/>
+              </a:solidFill>
+            </a:endParaRPr>
+          </a:p>
+        </p:txBody>
+      </p:sp>
+      <p:sp>
+        <p:nvSpPr>
+          <p:cNvPr id="89" name="矩形 88">
+            <a:extLst>
+              <a:ext uri="{FF2B5EF4-FFF2-40B4-BE49-F238E27FC236}">
+                <a16:creationId xmlns:a16="http://schemas.microsoft.com/office/drawing/2014/main" id="{97A62BC9-BC77-1BBE-D6E6-89AA268B73B1}"/>
+              </a:ext>
+            </a:extLst>
+          </p:cNvPr>
+          <p:cNvSpPr/>
+          <p:nvPr/>
+        </p:nvSpPr>
+        <p:spPr>
+          <a:xfrm>
+            <a:off x="9772591" y="2952181"/>
+            <a:ext cx="1380019" cy="576000"/>
+          </a:xfrm>
+          <a:prstGeom prst="rect">
+            <a:avLst/>
+          </a:prstGeom>
+          <a:solidFill>
+            <a:srgbClr val="FFCC80"/>
+          </a:solidFill>
+          <a:ln>
+            <a:noFill/>
+          </a:ln>
+        </p:spPr>
+        <p:style>
+          <a:lnRef idx="2">
+            <a:schemeClr val="accent1">
+              <a:shade val="15000"/>
+            </a:schemeClr>
+          </a:lnRef>
+          <a:fillRef idx="1">
+            <a:schemeClr val="accent1"/>
+          </a:fillRef>
+          <a:effectRef idx="0">
+            <a:schemeClr val="accent1"/>
+          </a:effectRef>
+          <a:fontRef idx="minor">
+            <a:schemeClr val="lt1"/>
+          </a:fontRef>
+        </p:style>
+        <p:txBody>
+          <a:bodyPr rtlCol="0" anchor="ctr"/>
+          <a:lstStyle/>
+          <a:p>
+            <a:pPr algn="ctr"/>
+            <a:r>
+              <a:rPr lang="en-US" altLang="zh-CN" dirty="0">
+                <a:solidFill>
+                  <a:schemeClr val="tx1"/>
+                </a:solidFill>
+              </a:rPr>
+              <a:t>GAP</a:t>
+            </a:r>
+            <a:endParaRPr lang="zh-CN" altLang="en-US" dirty="0">
+              <a:solidFill>
+                <a:schemeClr val="tx1"/>
+              </a:solidFill>
+            </a:endParaRPr>
+          </a:p>
+        </p:txBody>
+      </p:sp>
+      <p:sp>
+        <p:nvSpPr>
+          <p:cNvPr id="91" name="矩形 90">
+            <a:extLst>
+              <a:ext uri="{FF2B5EF4-FFF2-40B4-BE49-F238E27FC236}">
+                <a16:creationId xmlns:a16="http://schemas.microsoft.com/office/drawing/2014/main" id="{4AA2BB4C-4305-BFBF-06B1-BC705EE1B47F}"/>
+              </a:ext>
+            </a:extLst>
+          </p:cNvPr>
+          <p:cNvSpPr/>
+          <p:nvPr/>
+        </p:nvSpPr>
+        <p:spPr>
+          <a:xfrm>
+            <a:off x="9772591" y="3958646"/>
+            <a:ext cx="1380019" cy="576000"/>
+          </a:xfrm>
+          <a:prstGeom prst="rect">
+            <a:avLst/>
+          </a:prstGeom>
+          <a:solidFill>
+            <a:srgbClr val="FFCC80"/>
+          </a:solidFill>
+          <a:ln>
+            <a:noFill/>
+          </a:ln>
+        </p:spPr>
+        <p:style>
+          <a:lnRef idx="2">
+            <a:schemeClr val="accent1">
+              <a:shade val="15000"/>
+            </a:schemeClr>
+          </a:lnRef>
+          <a:fillRef idx="1">
+            <a:schemeClr val="accent1"/>
+          </a:fillRef>
+          <a:effectRef idx="0">
+            <a:schemeClr val="accent1"/>
+          </a:effectRef>
+          <a:fontRef idx="minor">
+            <a:schemeClr val="lt1"/>
+          </a:fontRef>
+        </p:style>
+        <p:txBody>
+          <a:bodyPr rtlCol="0" anchor="ctr"/>
+          <a:lstStyle/>
+          <a:p>
+            <a:pPr algn="ctr"/>
+            <a:r>
+              <a:rPr lang="en-US" altLang="zh-CN" dirty="0">
+                <a:solidFill>
+                  <a:schemeClr val="tx1"/>
+                </a:solidFill>
+              </a:rPr>
+              <a:t>Linear</a:t>
+            </a:r>
+            <a:endParaRPr lang="zh-CN" altLang="en-US" dirty="0">
+              <a:solidFill>
+                <a:schemeClr val="tx1"/>
+              </a:solidFill>
+            </a:endParaRPr>
+          </a:p>
+        </p:txBody>
+      </p:sp>
+      <p:sp>
+        <p:nvSpPr>
+          <p:cNvPr id="92" name="矩形: 圆角 91">
+            <a:extLst>
+              <a:ext uri="{FF2B5EF4-FFF2-40B4-BE49-F238E27FC236}">
+                <a16:creationId xmlns:a16="http://schemas.microsoft.com/office/drawing/2014/main" id="{215AA2FF-9DED-1E52-625A-08696117FF17}"/>
+              </a:ext>
+            </a:extLst>
+          </p:cNvPr>
+          <p:cNvSpPr/>
+          <p:nvPr/>
+        </p:nvSpPr>
+        <p:spPr>
+          <a:xfrm>
+            <a:off x="9687291" y="5046017"/>
+            <a:ext cx="1549400" cy="652687"/>
+          </a:xfrm>
+          <a:prstGeom prst="roundRect">
+            <a:avLst>
+              <a:gd name="adj" fmla="val 50000"/>
+            </a:avLst>
+          </a:prstGeom>
+          <a:solidFill>
+            <a:schemeClr val="bg2">
+              <a:lumMod val="75000"/>
+            </a:schemeClr>
+          </a:solidFill>
+          <a:ln>
+            <a:noFill/>
+          </a:ln>
+        </p:spPr>
+        <p:style>
+          <a:lnRef idx="2">
+            <a:schemeClr val="accent1">
+              <a:shade val="15000"/>
+            </a:schemeClr>
+          </a:lnRef>
+          <a:fillRef idx="1">
+            <a:schemeClr val="accent1"/>
+          </a:fillRef>
+          <a:effectRef idx="0">
+            <a:schemeClr val="accent1"/>
+          </a:effectRef>
+          <a:fontRef idx="minor">
+            <a:schemeClr val="lt1"/>
+          </a:fontRef>
+        </p:style>
+        <p:txBody>
+          <a:bodyPr rtlCol="0" anchor="ctr"/>
+          <a:lstStyle/>
+          <a:p>
+            <a:pPr algn="ctr"/>
+            <a:r>
+              <a:rPr lang="en-US" altLang="zh-CN" dirty="0">
+                <a:solidFill>
+                  <a:schemeClr val="tx1"/>
+                </a:solidFill>
+              </a:rPr>
+              <a:t>Output</a:t>
+            </a:r>
+            <a:endParaRPr lang="zh-CN" altLang="en-US" dirty="0">
+              <a:solidFill>
+                <a:schemeClr val="tx1"/>
+              </a:solidFill>
+            </a:endParaRPr>
+          </a:p>
+        </p:txBody>
+      </p:sp>
+      <p:cxnSp>
+        <p:nvCxnSpPr>
+          <p:cNvPr id="96" name="连接符: 肘形 95">
+            <a:extLst>
+              <a:ext uri="{FF2B5EF4-FFF2-40B4-BE49-F238E27FC236}">
+                <a16:creationId xmlns:a16="http://schemas.microsoft.com/office/drawing/2014/main" id="{18693750-66C5-6833-A910-C5FB7BD4542C}"/>
+              </a:ext>
+            </a:extLst>
+          </p:cNvPr>
+          <p:cNvCxnSpPr>
+            <a:cxnSpLocks/>
+            <a:stCxn id="9" idx="3"/>
+            <a:endCxn id="87" idx="1"/>
+          </p:cNvCxnSpPr>
+          <p:nvPr/>
+        </p:nvCxnSpPr>
+        <p:spPr>
+          <a:xfrm flipV="1">
+            <a:off x="9160485" y="2133184"/>
+            <a:ext cx="612106" cy="2808029"/>
+          </a:xfrm>
+          <a:prstGeom prst="bentConnector3">
+            <a:avLst>
+              <a:gd name="adj1" fmla="val 50000"/>
+            </a:avLst>
+          </a:prstGeom>
+          <a:ln w="28575">
+            <a:solidFill>
+              <a:schemeClr val="tx1"/>
+            </a:solidFill>
+            <a:tailEnd type="triangle"/>
+          </a:ln>
+        </p:spPr>
+        <p:style>
+          <a:lnRef idx="2">
+            <a:schemeClr val="accent1"/>
+          </a:lnRef>
+          <a:fillRef idx="0">
+            <a:schemeClr val="accent1"/>
+          </a:fillRef>
+          <a:effectRef idx="1">
+            <a:schemeClr val="accent1"/>
+          </a:effectRef>
+          <a:fontRef idx="minor">
+            <a:schemeClr val="tx1"/>
+          </a:fontRef>
+        </p:style>
+      </p:cxnSp>
+      <p:cxnSp>
+        <p:nvCxnSpPr>
+          <p:cNvPr id="101" name="直接箭头连接符 100">
+            <a:extLst>
+              <a:ext uri="{FF2B5EF4-FFF2-40B4-BE49-F238E27FC236}">
+                <a16:creationId xmlns:a16="http://schemas.microsoft.com/office/drawing/2014/main" id="{5B817E6A-138D-7178-5210-4FABEAF0E6B2}"/>
+              </a:ext>
+            </a:extLst>
+          </p:cNvPr>
+          <p:cNvCxnSpPr>
+            <a:cxnSpLocks/>
+            <a:stCxn id="89" idx="2"/>
+            <a:endCxn id="91" idx="0"/>
+          </p:cNvCxnSpPr>
+          <p:nvPr/>
+        </p:nvCxnSpPr>
+        <p:spPr>
+          <a:xfrm>
+            <a:off x="10462601" y="3528181"/>
+            <a:ext cx="0" cy="430465"/>
+          </a:xfrm>
+          <a:prstGeom prst="straightConnector1">
+            <a:avLst/>
+          </a:prstGeom>
+          <a:ln w="38100">
+            <a:solidFill>
+              <a:schemeClr val="tx1"/>
+            </a:solidFill>
+            <a:tailEnd type="triangle"/>
+          </a:ln>
+        </p:spPr>
+        <p:style>
+          <a:lnRef idx="2">
+            <a:schemeClr val="accent1"/>
+          </a:lnRef>
+          <a:fillRef idx="0">
+            <a:schemeClr val="accent1"/>
+          </a:fillRef>
+          <a:effectRef idx="1">
+            <a:schemeClr val="accent1"/>
+          </a:effectRef>
+          <a:fontRef idx="minor">
+            <a:schemeClr val="tx1"/>
+          </a:fontRef>
+        </p:style>
+      </p:cxnSp>
+      <p:cxnSp>
+        <p:nvCxnSpPr>
+          <p:cNvPr id="104" name="直接箭头连接符 103">
+            <a:extLst>
+              <a:ext uri="{FF2B5EF4-FFF2-40B4-BE49-F238E27FC236}">
+                <a16:creationId xmlns:a16="http://schemas.microsoft.com/office/drawing/2014/main" id="{AF301223-092D-0E6B-A916-3398A1D24866}"/>
+              </a:ext>
+            </a:extLst>
+          </p:cNvPr>
+          <p:cNvCxnSpPr>
+            <a:cxnSpLocks/>
+            <a:endCxn id="92" idx="0"/>
+          </p:cNvCxnSpPr>
+          <p:nvPr/>
+        </p:nvCxnSpPr>
+        <p:spPr>
+          <a:xfrm>
+            <a:off x="10461991" y="4534646"/>
+            <a:ext cx="0" cy="511371"/>
+          </a:xfrm>
+          <a:prstGeom prst="straightConnector1">
+            <a:avLst/>
+          </a:prstGeom>
+          <a:ln w="38100">
+            <a:solidFill>
+              <a:schemeClr val="tx1"/>
+            </a:solidFill>
+            <a:tailEnd type="triangle"/>
+          </a:ln>
+        </p:spPr>
+        <p:style>
+          <a:lnRef idx="2">
+            <a:schemeClr val="accent1"/>
+          </a:lnRef>
+          <a:fillRef idx="0">
+            <a:schemeClr val="accent1"/>
+          </a:fillRef>
+          <a:effectRef idx="1">
+            <a:schemeClr val="accent1"/>
+          </a:effectRef>
+          <a:fontRef idx="minor">
+            <a:schemeClr val="tx1"/>
+          </a:fontRef>
+        </p:style>
+      </p:cxnSp>
+      <p:sp>
+        <p:nvSpPr>
+          <p:cNvPr id="106" name="文本框 105">
+            <a:extLst>
+              <a:ext uri="{FF2B5EF4-FFF2-40B4-BE49-F238E27FC236}">
+                <a16:creationId xmlns:a16="http://schemas.microsoft.com/office/drawing/2014/main" id="{60BD4E8F-53FC-363D-A43E-00297D218681}"/>
+              </a:ext>
+            </a:extLst>
+          </p:cNvPr>
+          <p:cNvSpPr txBox="1"/>
+          <p:nvPr/>
+        </p:nvSpPr>
+        <p:spPr>
+          <a:xfrm>
+            <a:off x="2801953" y="769785"/>
+            <a:ext cx="936497" cy="338554"/>
+          </a:xfrm>
+          <a:prstGeom prst="rect">
+            <a:avLst/>
+          </a:prstGeom>
+          <a:noFill/>
+        </p:spPr>
+        <p:txBody>
+          <a:bodyPr wrap="square" rtlCol="0">
+            <a:spAutoFit/>
+          </a:bodyPr>
+          <a:lstStyle/>
+          <a:p>
+            <a:pPr algn="ctr"/>
+            <a:r>
+              <a:rPr lang="en-US" altLang="zh-CN" sz="1600" dirty="0">
+                <a:solidFill>
+                  <a:schemeClr val="bg2">
+                    <a:lumMod val="50000"/>
+                  </a:schemeClr>
+                </a:solidFill>
+                <a:latin typeface="Times New Roman" panose="02020603050405020304" pitchFamily="18" charset="0"/>
+                <a:cs typeface="Times New Roman" panose="02020603050405020304" pitchFamily="18" charset="0"/>
+              </a:rPr>
+              <a:t>64</a:t>
+            </a:r>
+            <a:endParaRPr lang="zh-CN" altLang="en-US" sz="1600" dirty="0">
+              <a:solidFill>
+                <a:schemeClr val="bg2">
+                  <a:lumMod val="50000"/>
+                </a:schemeClr>
+              </a:solidFill>
+              <a:latin typeface="Times New Roman" panose="02020603050405020304" pitchFamily="18" charset="0"/>
+              <a:cs typeface="Times New Roman" panose="02020603050405020304" pitchFamily="18" charset="0"/>
+            </a:endParaRPr>
+          </a:p>
+        </p:txBody>
+      </p:sp>
+      <p:sp>
+        <p:nvSpPr>
+          <p:cNvPr id="108" name="文本框 107">
+            <a:extLst>
+              <a:ext uri="{FF2B5EF4-FFF2-40B4-BE49-F238E27FC236}">
+                <a16:creationId xmlns:a16="http://schemas.microsoft.com/office/drawing/2014/main" id="{F9DB90A9-BDCC-F706-98E7-CB586F67D820}"/>
+              </a:ext>
+            </a:extLst>
+          </p:cNvPr>
+          <p:cNvSpPr txBox="1"/>
+          <p:nvPr/>
+        </p:nvSpPr>
+        <p:spPr>
+          <a:xfrm>
+            <a:off x="7796264" y="820849"/>
+            <a:ext cx="936497" cy="338554"/>
+          </a:xfrm>
+          <a:prstGeom prst="rect">
+            <a:avLst/>
+          </a:prstGeom>
+          <a:noFill/>
+        </p:spPr>
+        <p:txBody>
+          <a:bodyPr wrap="square" rtlCol="0">
+            <a:spAutoFit/>
+          </a:bodyPr>
+          <a:lstStyle/>
+          <a:p>
+            <a:pPr algn="ctr"/>
+            <a:r>
+              <a:rPr lang="en-US" altLang="zh-CN" sz="1600" dirty="0">
+                <a:solidFill>
+                  <a:schemeClr val="bg2">
+                    <a:lumMod val="50000"/>
+                  </a:schemeClr>
+                </a:solidFill>
+                <a:latin typeface="Times New Roman" panose="02020603050405020304" pitchFamily="18" charset="0"/>
+                <a:cs typeface="Times New Roman" panose="02020603050405020304" pitchFamily="18" charset="0"/>
+              </a:rPr>
+              <a:t>128</a:t>
+            </a:r>
+            <a:endParaRPr lang="zh-CN" altLang="en-US" sz="1600" dirty="0">
+              <a:solidFill>
+                <a:schemeClr val="bg2">
+                  <a:lumMod val="50000"/>
+                </a:schemeClr>
+              </a:solidFill>
+              <a:latin typeface="Times New Roman" panose="02020603050405020304" pitchFamily="18" charset="0"/>
+              <a:cs typeface="Times New Roman" panose="02020603050405020304" pitchFamily="18" charset="0"/>
+            </a:endParaRPr>
+          </a:p>
+        </p:txBody>
+      </p:sp>
+      <p:pic>
+        <p:nvPicPr>
+          <p:cNvPr id="113" name="图片 112" descr="图片包含 游戏机, 灯, 建筑, 灯光&#10;&#10;描述已自动生成">
+            <a:extLst>
+              <a:ext uri="{FF2B5EF4-FFF2-40B4-BE49-F238E27FC236}">
+                <a16:creationId xmlns:a16="http://schemas.microsoft.com/office/drawing/2014/main" id="{4567DAC4-2749-856E-94C1-054A1C9608F3}"/>
+              </a:ext>
+            </a:extLst>
+          </p:cNvPr>
+          <p:cNvPicPr>
+            <a:picLocks noChangeAspect="1"/>
+          </p:cNvPicPr>
+          <p:nvPr/>
+        </p:nvPicPr>
+        <p:blipFill>
+          <a:blip r:embed="rId2">
+            <a:extLst>
+              <a:ext uri="{28A0092B-C50C-407E-A947-70E740481C1C}">
+                <a14:useLocalDpi xmlns:a14="http://schemas.microsoft.com/office/drawing/2010/main" val="0"/>
+              </a:ext>
+            </a:extLst>
+          </a:blip>
+          <a:stretch>
+            <a:fillRect/>
+          </a:stretch>
+        </p:blipFill>
+        <p:spPr>
+          <a:xfrm>
+            <a:off x="913273" y="1346989"/>
+            <a:ext cx="1080000" cy="1080000"/>
+          </a:xfrm>
+          <a:prstGeom prst="rect">
+            <a:avLst/>
+          </a:prstGeom>
+        </p:spPr>
+      </p:pic>
+      <p:sp>
+        <p:nvSpPr>
+          <p:cNvPr id="15" name="矩形 14">
+            <a:extLst>
+              <a:ext uri="{FF2B5EF4-FFF2-40B4-BE49-F238E27FC236}">
+                <a16:creationId xmlns:a16="http://schemas.microsoft.com/office/drawing/2014/main" id="{791E0FB1-1348-3F8A-43F2-61D360712DE0}"/>
+              </a:ext>
+            </a:extLst>
+          </p:cNvPr>
+          <p:cNvSpPr/>
+          <p:nvPr/>
+        </p:nvSpPr>
+        <p:spPr>
+          <a:xfrm>
+            <a:off x="2518016" y="1341232"/>
+            <a:ext cx="1474026" cy="687093"/>
+          </a:xfrm>
+          <a:prstGeom prst="rect">
+            <a:avLst/>
+          </a:prstGeom>
+          <a:solidFill>
+            <a:srgbClr val="FFCC80"/>
+          </a:solidFill>
+          <a:ln>
+            <a:noFill/>
+          </a:ln>
+        </p:spPr>
+        <p:style>
+          <a:lnRef idx="2">
+            <a:schemeClr val="accent1">
+              <a:shade val="15000"/>
+            </a:schemeClr>
+          </a:lnRef>
+          <a:fillRef idx="1">
+            <a:schemeClr val="accent1"/>
+          </a:fillRef>
+          <a:effectRef idx="0">
+            <a:schemeClr val="accent1"/>
+          </a:effectRef>
+          <a:fontRef idx="minor">
+            <a:schemeClr val="lt1"/>
+          </a:fontRef>
+        </p:style>
+        <p:txBody>
+          <a:bodyPr rtlCol="0" anchor="ctr"/>
+          <a:lstStyle/>
+          <a:p>
+            <a:pPr algn="ctr"/>
+            <a:r>
+              <a:rPr lang="en-US" altLang="zh-CN" dirty="0" err="1">
+                <a:solidFill>
+                  <a:schemeClr val="tx1"/>
+                </a:solidFill>
+              </a:rPr>
+              <a:t>depthwise</a:t>
+            </a:r>
+            <a:r>
+              <a:rPr lang="en-US" altLang="zh-CN" dirty="0">
+                <a:solidFill>
+                  <a:schemeClr val="tx1"/>
+                </a:solidFill>
+              </a:rPr>
+              <a:t> conv</a:t>
+            </a:r>
+            <a:endParaRPr lang="zh-CN" altLang="en-US" dirty="0">
+              <a:solidFill>
+                <a:schemeClr val="tx1"/>
+              </a:solidFill>
+            </a:endParaRPr>
+          </a:p>
+        </p:txBody>
+      </p:sp>
+      <p:sp>
+        <p:nvSpPr>
+          <p:cNvPr id="18" name="矩形 17">
+            <a:extLst>
+              <a:ext uri="{FF2B5EF4-FFF2-40B4-BE49-F238E27FC236}">
+                <a16:creationId xmlns:a16="http://schemas.microsoft.com/office/drawing/2014/main" id="{52747C09-B6A1-9FD0-17A6-58E65D17570D}"/>
+              </a:ext>
+            </a:extLst>
+          </p:cNvPr>
+          <p:cNvSpPr/>
+          <p:nvPr/>
+        </p:nvSpPr>
+        <p:spPr>
+          <a:xfrm>
+            <a:off x="2533189" y="2360143"/>
+            <a:ext cx="1474026" cy="540000"/>
+          </a:xfrm>
+          <a:prstGeom prst="rect">
+            <a:avLst/>
+          </a:prstGeom>
+          <a:solidFill>
+            <a:srgbClr val="FFCC80"/>
+          </a:solidFill>
+          <a:ln>
+            <a:noFill/>
+          </a:ln>
+        </p:spPr>
+        <p:style>
+          <a:lnRef idx="2">
+            <a:schemeClr val="accent1">
+              <a:shade val="15000"/>
+            </a:schemeClr>
+          </a:lnRef>
+          <a:fillRef idx="1">
+            <a:schemeClr val="accent1"/>
+          </a:fillRef>
+          <a:effectRef idx="0">
+            <a:schemeClr val="accent1"/>
+          </a:effectRef>
+          <a:fontRef idx="minor">
+            <a:schemeClr val="lt1"/>
+          </a:fontRef>
+        </p:style>
+        <p:txBody>
+          <a:bodyPr rtlCol="0" anchor="ctr"/>
+          <a:lstStyle/>
+          <a:p>
+            <a:pPr algn="ctr"/>
+            <a:r>
+              <a:rPr lang="en-US" altLang="zh-CN" dirty="0">
+                <a:solidFill>
+                  <a:schemeClr val="tx1"/>
+                </a:solidFill>
+              </a:rPr>
+              <a:t>conv(1x1)</a:t>
+            </a:r>
+            <a:endParaRPr lang="zh-CN" altLang="en-US" dirty="0">
+              <a:solidFill>
+                <a:schemeClr val="tx1"/>
+              </a:solidFill>
+            </a:endParaRPr>
+          </a:p>
+        </p:txBody>
+      </p:sp>
+      <p:sp>
+        <p:nvSpPr>
+          <p:cNvPr id="19" name="矩形 18">
+            <a:extLst>
+              <a:ext uri="{FF2B5EF4-FFF2-40B4-BE49-F238E27FC236}">
+                <a16:creationId xmlns:a16="http://schemas.microsoft.com/office/drawing/2014/main" id="{94FEEC72-49EF-BA38-E107-79B77B26D7DE}"/>
+              </a:ext>
+            </a:extLst>
+          </p:cNvPr>
+          <p:cNvSpPr/>
+          <p:nvPr/>
+        </p:nvSpPr>
+        <p:spPr>
+          <a:xfrm>
+            <a:off x="2533189" y="3429000"/>
+            <a:ext cx="1474026" cy="360000"/>
+          </a:xfrm>
+          <a:prstGeom prst="rect">
+            <a:avLst/>
+          </a:prstGeom>
+          <a:solidFill>
+            <a:srgbClr val="FFCC80"/>
+          </a:solidFill>
+          <a:ln>
+            <a:noFill/>
+          </a:ln>
+        </p:spPr>
+        <p:style>
+          <a:lnRef idx="2">
+            <a:schemeClr val="accent1">
+              <a:shade val="15000"/>
+            </a:schemeClr>
+          </a:lnRef>
+          <a:fillRef idx="1">
+            <a:schemeClr val="accent1"/>
+          </a:fillRef>
+          <a:effectRef idx="0">
+            <a:schemeClr val="accent1"/>
+          </a:effectRef>
+          <a:fontRef idx="minor">
+            <a:schemeClr val="lt1"/>
+          </a:fontRef>
+        </p:style>
+        <p:txBody>
+          <a:bodyPr rtlCol="0" anchor="ctr"/>
+          <a:lstStyle/>
+          <a:p>
+            <a:pPr algn="ctr"/>
+            <a:r>
+              <a:rPr lang="en-US" altLang="zh-CN" dirty="0" err="1">
+                <a:solidFill>
+                  <a:schemeClr val="tx1"/>
+                </a:solidFill>
+              </a:rPr>
+              <a:t>batchNorm</a:t>
+            </a:r>
+            <a:endParaRPr lang="zh-CN" altLang="en-US" dirty="0">
+              <a:solidFill>
+                <a:schemeClr val="tx1"/>
+              </a:solidFill>
+            </a:endParaRPr>
+          </a:p>
+        </p:txBody>
+      </p:sp>
+      <p:sp>
+        <p:nvSpPr>
+          <p:cNvPr id="20" name="矩形 19">
+            <a:extLst>
+              <a:ext uri="{FF2B5EF4-FFF2-40B4-BE49-F238E27FC236}">
+                <a16:creationId xmlns:a16="http://schemas.microsoft.com/office/drawing/2014/main" id="{DEC6449E-B769-DEA7-D0F1-3265CA2ADA2E}"/>
+              </a:ext>
+            </a:extLst>
+          </p:cNvPr>
+          <p:cNvSpPr/>
+          <p:nvPr/>
+        </p:nvSpPr>
+        <p:spPr>
+          <a:xfrm>
+            <a:off x="2533190" y="4097758"/>
+            <a:ext cx="1474026" cy="360000"/>
+          </a:xfrm>
+          <a:prstGeom prst="rect">
+            <a:avLst/>
+          </a:prstGeom>
+          <a:solidFill>
+            <a:srgbClr val="FFCC80"/>
+          </a:solidFill>
+          <a:ln>
+            <a:noFill/>
+          </a:ln>
+        </p:spPr>
+        <p:style>
+          <a:lnRef idx="2">
+            <a:schemeClr val="accent1">
+              <a:shade val="15000"/>
+            </a:schemeClr>
+          </a:lnRef>
+          <a:fillRef idx="1">
+            <a:schemeClr val="accent1"/>
+          </a:fillRef>
+          <a:effectRef idx="0">
+            <a:schemeClr val="accent1"/>
+          </a:effectRef>
+          <a:fontRef idx="minor">
+            <a:schemeClr val="lt1"/>
+          </a:fontRef>
+        </p:style>
+        <p:txBody>
+          <a:bodyPr rtlCol="0" anchor="ctr"/>
+          <a:lstStyle/>
+          <a:p>
+            <a:pPr algn="ctr"/>
+            <a:r>
+              <a:rPr lang="en-US" altLang="zh-CN" dirty="0">
+                <a:solidFill>
+                  <a:schemeClr val="tx1"/>
+                </a:solidFill>
+              </a:rPr>
+              <a:t>ReLU</a:t>
+            </a:r>
+            <a:endParaRPr lang="zh-CN" altLang="en-US" dirty="0">
+              <a:solidFill>
+                <a:schemeClr val="tx1"/>
+              </a:solidFill>
+            </a:endParaRPr>
+          </a:p>
+        </p:txBody>
+      </p:sp>
+      <p:sp>
+        <p:nvSpPr>
+          <p:cNvPr id="21" name="矩形: 圆角 20">
+            <a:extLst>
+              <a:ext uri="{FF2B5EF4-FFF2-40B4-BE49-F238E27FC236}">
+                <a16:creationId xmlns:a16="http://schemas.microsoft.com/office/drawing/2014/main" id="{43A55084-12E2-4DAF-AC55-3CEFE8707649}"/>
+              </a:ext>
+            </a:extLst>
+          </p:cNvPr>
+          <p:cNvSpPr/>
+          <p:nvPr/>
+        </p:nvSpPr>
+        <p:spPr>
+          <a:xfrm>
+            <a:off x="2311957" y="4579332"/>
+            <a:ext cx="1854217" cy="723761"/>
+          </a:xfrm>
+          <a:prstGeom prst="roundRect">
+            <a:avLst>
+              <a:gd name="adj" fmla="val 0"/>
+            </a:avLst>
+          </a:prstGeom>
+          <a:solidFill>
+            <a:schemeClr val="accent2">
+              <a:lumMod val="75000"/>
+            </a:schemeClr>
+          </a:solidFill>
+          <a:ln w="28575">
+            <a:noFill/>
+            <a:prstDash val="dash"/>
+          </a:ln>
+        </p:spPr>
+        <p:style>
+          <a:lnRef idx="2">
+            <a:schemeClr val="accent1">
+              <a:shade val="15000"/>
+            </a:schemeClr>
+          </a:lnRef>
+          <a:fillRef idx="1">
+            <a:schemeClr val="accent1"/>
+          </a:fillRef>
+          <a:effectRef idx="0">
+            <a:schemeClr val="accent1"/>
+          </a:effectRef>
+          <a:fontRef idx="minor">
+            <a:schemeClr val="lt1"/>
+          </a:fontRef>
+        </p:style>
+        <p:txBody>
+          <a:bodyPr rtlCol="0" anchor="ctr"/>
+          <a:lstStyle/>
+          <a:p>
+            <a:pPr algn="ctr"/>
+            <a:r>
+              <a:rPr lang="en-US" altLang="zh-CN" sz="2000" dirty="0">
+                <a:solidFill>
+                  <a:schemeClr val="bg1"/>
+                </a:solidFill>
+              </a:rPr>
+              <a:t>Separable Convolution</a:t>
+            </a:r>
+            <a:endParaRPr lang="zh-CN" altLang="en-US" sz="2000" dirty="0">
+              <a:solidFill>
+                <a:schemeClr val="bg1"/>
+              </a:solidFill>
+            </a:endParaRPr>
+          </a:p>
+        </p:txBody>
+      </p:sp>
+      <p:sp>
+        <p:nvSpPr>
+          <p:cNvPr id="3" name="矩形: 圆角 2">
+            <a:extLst>
+              <a:ext uri="{FF2B5EF4-FFF2-40B4-BE49-F238E27FC236}">
+                <a16:creationId xmlns:a16="http://schemas.microsoft.com/office/drawing/2014/main" id="{59E7F716-6E5E-6EFE-D87F-88ECFBC24DD8}"/>
+              </a:ext>
+            </a:extLst>
+          </p:cNvPr>
+          <p:cNvSpPr/>
+          <p:nvPr/>
+        </p:nvSpPr>
+        <p:spPr>
+          <a:xfrm>
+            <a:off x="7325652" y="1126468"/>
+            <a:ext cx="1815451" cy="3456422"/>
+          </a:xfrm>
+          <a:prstGeom prst="roundRect">
+            <a:avLst>
+              <a:gd name="adj" fmla="val 0"/>
+            </a:avLst>
+          </a:prstGeom>
+          <a:noFill/>
+          <a:ln w="38100">
+            <a:solidFill>
+              <a:srgbClr val="C04F15"/>
+            </a:solidFill>
+          </a:ln>
+        </p:spPr>
+        <p:style>
+          <a:lnRef idx="2">
+            <a:schemeClr val="accent1">
+              <a:shade val="15000"/>
+            </a:schemeClr>
+          </a:lnRef>
+          <a:fillRef idx="1">
+            <a:schemeClr val="accent1"/>
+          </a:fillRef>
+          <a:effectRef idx="0">
+            <a:schemeClr val="accent1"/>
+          </a:effectRef>
+          <a:fontRef idx="minor">
+            <a:schemeClr val="lt1"/>
+          </a:fontRef>
+        </p:style>
+        <p:txBody>
+          <a:bodyPr rtlCol="0" anchor="ctr"/>
+          <a:lstStyle/>
+          <a:p>
+            <a:pPr algn="ctr"/>
+            <a:endParaRPr lang="zh-CN" altLang="en-US"/>
+          </a:p>
+        </p:txBody>
+      </p:sp>
+      <p:sp>
+        <p:nvSpPr>
+          <p:cNvPr id="5" name="矩形 4">
+            <a:extLst>
+              <a:ext uri="{FF2B5EF4-FFF2-40B4-BE49-F238E27FC236}">
+                <a16:creationId xmlns:a16="http://schemas.microsoft.com/office/drawing/2014/main" id="{E0A9C47C-904B-213B-0282-ED7E2A94CF96}"/>
+              </a:ext>
+            </a:extLst>
+          </p:cNvPr>
+          <p:cNvSpPr/>
+          <p:nvPr/>
+        </p:nvSpPr>
+        <p:spPr>
+          <a:xfrm>
+            <a:off x="7512327" y="1341232"/>
+            <a:ext cx="1474026" cy="687093"/>
+          </a:xfrm>
+          <a:prstGeom prst="rect">
+            <a:avLst/>
+          </a:prstGeom>
+          <a:solidFill>
+            <a:srgbClr val="FFCC80"/>
+          </a:solidFill>
+          <a:ln>
+            <a:noFill/>
+          </a:ln>
+        </p:spPr>
+        <p:style>
+          <a:lnRef idx="2">
+            <a:schemeClr val="accent1">
+              <a:shade val="15000"/>
+            </a:schemeClr>
+          </a:lnRef>
+          <a:fillRef idx="1">
+            <a:schemeClr val="accent1"/>
+          </a:fillRef>
+          <a:effectRef idx="0">
+            <a:schemeClr val="accent1"/>
+          </a:effectRef>
+          <a:fontRef idx="minor">
+            <a:schemeClr val="lt1"/>
+          </a:fontRef>
+        </p:style>
+        <p:txBody>
+          <a:bodyPr rtlCol="0" anchor="ctr"/>
+          <a:lstStyle/>
+          <a:p>
+            <a:pPr algn="ctr"/>
+            <a:r>
+              <a:rPr lang="en-US" altLang="zh-CN" dirty="0" err="1">
+                <a:solidFill>
+                  <a:schemeClr val="tx1"/>
+                </a:solidFill>
+              </a:rPr>
+              <a:t>depthwise</a:t>
+            </a:r>
+            <a:r>
+              <a:rPr lang="en-US" altLang="zh-CN" dirty="0">
+                <a:solidFill>
+                  <a:schemeClr val="tx1"/>
+                </a:solidFill>
+              </a:rPr>
+              <a:t> conv</a:t>
+            </a:r>
+            <a:endParaRPr lang="zh-CN" altLang="en-US" dirty="0">
+              <a:solidFill>
+                <a:schemeClr val="tx1"/>
+              </a:solidFill>
+            </a:endParaRPr>
+          </a:p>
+        </p:txBody>
+      </p:sp>
+      <p:sp>
+        <p:nvSpPr>
+          <p:cNvPr id="6" name="矩形 5">
+            <a:extLst>
+              <a:ext uri="{FF2B5EF4-FFF2-40B4-BE49-F238E27FC236}">
+                <a16:creationId xmlns:a16="http://schemas.microsoft.com/office/drawing/2014/main" id="{DE650EFF-6342-3A53-77E6-15C50E6B6E80}"/>
+              </a:ext>
+            </a:extLst>
+          </p:cNvPr>
+          <p:cNvSpPr/>
+          <p:nvPr/>
+        </p:nvSpPr>
+        <p:spPr>
+          <a:xfrm>
+            <a:off x="7527500" y="2360143"/>
+            <a:ext cx="1474026" cy="540000"/>
+          </a:xfrm>
+          <a:prstGeom prst="rect">
+            <a:avLst/>
+          </a:prstGeom>
+          <a:solidFill>
+            <a:srgbClr val="FFCC80"/>
+          </a:solidFill>
+          <a:ln>
+            <a:noFill/>
+          </a:ln>
+        </p:spPr>
+        <p:style>
+          <a:lnRef idx="2">
+            <a:schemeClr val="accent1">
+              <a:shade val="15000"/>
+            </a:schemeClr>
+          </a:lnRef>
+          <a:fillRef idx="1">
+            <a:schemeClr val="accent1"/>
+          </a:fillRef>
+          <a:effectRef idx="0">
+            <a:schemeClr val="accent1"/>
+          </a:effectRef>
+          <a:fontRef idx="minor">
+            <a:schemeClr val="lt1"/>
+          </a:fontRef>
+        </p:style>
+        <p:txBody>
+          <a:bodyPr rtlCol="0" anchor="ctr"/>
+          <a:lstStyle/>
+          <a:p>
+            <a:pPr algn="ctr"/>
+            <a:r>
+              <a:rPr lang="en-US" altLang="zh-CN" dirty="0">
+                <a:solidFill>
+                  <a:schemeClr val="tx1"/>
+                </a:solidFill>
+              </a:rPr>
+              <a:t>conv(1x1)</a:t>
+            </a:r>
+            <a:endParaRPr lang="zh-CN" altLang="en-US" dirty="0">
+              <a:solidFill>
+                <a:schemeClr val="tx1"/>
+              </a:solidFill>
+            </a:endParaRPr>
+          </a:p>
+        </p:txBody>
+      </p:sp>
+      <p:sp>
+        <p:nvSpPr>
+          <p:cNvPr id="7" name="矩形 6">
+            <a:extLst>
+              <a:ext uri="{FF2B5EF4-FFF2-40B4-BE49-F238E27FC236}">
+                <a16:creationId xmlns:a16="http://schemas.microsoft.com/office/drawing/2014/main" id="{5B7194CF-D588-A889-EA91-54F79CF02041}"/>
+              </a:ext>
+            </a:extLst>
+          </p:cNvPr>
+          <p:cNvSpPr/>
+          <p:nvPr/>
+        </p:nvSpPr>
+        <p:spPr>
+          <a:xfrm>
+            <a:off x="7527500" y="3429000"/>
+            <a:ext cx="1474026" cy="360000"/>
+          </a:xfrm>
+          <a:prstGeom prst="rect">
+            <a:avLst/>
+          </a:prstGeom>
+          <a:solidFill>
+            <a:srgbClr val="FFCC80"/>
+          </a:solidFill>
+          <a:ln>
+            <a:noFill/>
+          </a:ln>
+        </p:spPr>
+        <p:style>
+          <a:lnRef idx="2">
+            <a:schemeClr val="accent1">
+              <a:shade val="15000"/>
+            </a:schemeClr>
+          </a:lnRef>
+          <a:fillRef idx="1">
+            <a:schemeClr val="accent1"/>
+          </a:fillRef>
+          <a:effectRef idx="0">
+            <a:schemeClr val="accent1"/>
+          </a:effectRef>
+          <a:fontRef idx="minor">
+            <a:schemeClr val="lt1"/>
+          </a:fontRef>
+        </p:style>
+        <p:txBody>
+          <a:bodyPr rtlCol="0" anchor="ctr"/>
+          <a:lstStyle/>
+          <a:p>
+            <a:pPr algn="ctr"/>
+            <a:r>
+              <a:rPr lang="en-US" altLang="zh-CN" dirty="0" err="1">
+                <a:solidFill>
+                  <a:schemeClr val="tx1"/>
+                </a:solidFill>
+              </a:rPr>
+              <a:t>batchNorm</a:t>
+            </a:r>
+            <a:endParaRPr lang="zh-CN" altLang="en-US" dirty="0">
+              <a:solidFill>
+                <a:schemeClr val="tx1"/>
+              </a:solidFill>
+            </a:endParaRPr>
+          </a:p>
+        </p:txBody>
+      </p:sp>
+      <p:sp>
+        <p:nvSpPr>
+          <p:cNvPr id="8" name="矩形 7">
+            <a:extLst>
+              <a:ext uri="{FF2B5EF4-FFF2-40B4-BE49-F238E27FC236}">
+                <a16:creationId xmlns:a16="http://schemas.microsoft.com/office/drawing/2014/main" id="{984B0414-83FA-8A39-EB3B-B4567256B05A}"/>
+              </a:ext>
+            </a:extLst>
+          </p:cNvPr>
+          <p:cNvSpPr/>
+          <p:nvPr/>
+        </p:nvSpPr>
+        <p:spPr>
+          <a:xfrm>
+            <a:off x="7527501" y="4097758"/>
+            <a:ext cx="1474026" cy="360000"/>
+          </a:xfrm>
+          <a:prstGeom prst="rect">
+            <a:avLst/>
+          </a:prstGeom>
+          <a:solidFill>
+            <a:srgbClr val="FFCC80"/>
+          </a:solidFill>
+          <a:ln>
+            <a:noFill/>
+          </a:ln>
+        </p:spPr>
+        <p:style>
+          <a:lnRef idx="2">
+            <a:schemeClr val="accent1">
+              <a:shade val="15000"/>
+            </a:schemeClr>
+          </a:lnRef>
+          <a:fillRef idx="1">
+            <a:schemeClr val="accent1"/>
+          </a:fillRef>
+          <a:effectRef idx="0">
+            <a:schemeClr val="accent1"/>
+          </a:effectRef>
+          <a:fontRef idx="minor">
+            <a:schemeClr val="lt1"/>
+          </a:fontRef>
+        </p:style>
+        <p:txBody>
+          <a:bodyPr rtlCol="0" anchor="ctr"/>
+          <a:lstStyle/>
+          <a:p>
+            <a:pPr algn="ctr"/>
+            <a:r>
+              <a:rPr lang="en-US" altLang="zh-CN" dirty="0">
+                <a:solidFill>
+                  <a:schemeClr val="tx1"/>
+                </a:solidFill>
+              </a:rPr>
+              <a:t>ReLU</a:t>
+            </a:r>
+            <a:endParaRPr lang="zh-CN" altLang="en-US" dirty="0">
+              <a:solidFill>
+                <a:schemeClr val="tx1"/>
+              </a:solidFill>
+            </a:endParaRPr>
+          </a:p>
+        </p:txBody>
+      </p:sp>
+      <p:sp>
+        <p:nvSpPr>
+          <p:cNvPr id="9" name="矩形: 圆角 8">
+            <a:extLst>
+              <a:ext uri="{FF2B5EF4-FFF2-40B4-BE49-F238E27FC236}">
+                <a16:creationId xmlns:a16="http://schemas.microsoft.com/office/drawing/2014/main" id="{D907E9BB-5A29-F824-C746-AED8FA9ECCBE}"/>
+              </a:ext>
+            </a:extLst>
+          </p:cNvPr>
+          <p:cNvSpPr/>
+          <p:nvPr/>
+        </p:nvSpPr>
+        <p:spPr>
+          <a:xfrm>
+            <a:off x="7306268" y="4579332"/>
+            <a:ext cx="1854217" cy="723761"/>
+          </a:xfrm>
+          <a:prstGeom prst="roundRect">
+            <a:avLst>
+              <a:gd name="adj" fmla="val 0"/>
+            </a:avLst>
+          </a:prstGeom>
+          <a:solidFill>
+            <a:schemeClr val="accent2">
+              <a:lumMod val="75000"/>
+            </a:schemeClr>
+          </a:solidFill>
+          <a:ln w="28575">
+            <a:noFill/>
+            <a:prstDash val="dash"/>
+          </a:ln>
+        </p:spPr>
+        <p:style>
+          <a:lnRef idx="2">
+            <a:schemeClr val="accent1">
+              <a:shade val="15000"/>
+            </a:schemeClr>
+          </a:lnRef>
+          <a:fillRef idx="1">
+            <a:schemeClr val="accent1"/>
+          </a:fillRef>
+          <a:effectRef idx="0">
+            <a:schemeClr val="accent1"/>
+          </a:effectRef>
+          <a:fontRef idx="minor">
+            <a:schemeClr val="lt1"/>
+          </a:fontRef>
+        </p:style>
+        <p:txBody>
+          <a:bodyPr rtlCol="0" anchor="ctr"/>
+          <a:lstStyle/>
+          <a:p>
+            <a:pPr algn="ctr"/>
+            <a:r>
+              <a:rPr lang="en-US" altLang="zh-CN" sz="2000" dirty="0">
+                <a:solidFill>
+                  <a:schemeClr val="bg1"/>
+                </a:solidFill>
+              </a:rPr>
+              <a:t>Separable Convolution</a:t>
+            </a:r>
+            <a:endParaRPr lang="zh-CN" altLang="en-US" sz="2000" dirty="0">
+              <a:solidFill>
+                <a:schemeClr val="bg1"/>
+              </a:solidFill>
+            </a:endParaRPr>
+          </a:p>
+        </p:txBody>
+      </p:sp>
+      <p:cxnSp>
+        <p:nvCxnSpPr>
+          <p:cNvPr id="14" name="直接箭头连接符 13">
+            <a:extLst>
+              <a:ext uri="{FF2B5EF4-FFF2-40B4-BE49-F238E27FC236}">
+                <a16:creationId xmlns:a16="http://schemas.microsoft.com/office/drawing/2014/main" id="{FB39218A-7404-4DFF-7CB7-C979AF4BD8E1}"/>
+              </a:ext>
+            </a:extLst>
+          </p:cNvPr>
+          <p:cNvCxnSpPr>
+            <a:cxnSpLocks/>
+            <a:endCxn id="18" idx="0"/>
+          </p:cNvCxnSpPr>
+          <p:nvPr/>
+        </p:nvCxnSpPr>
+        <p:spPr>
+          <a:xfrm>
+            <a:off x="3270202" y="2028325"/>
+            <a:ext cx="0" cy="331818"/>
+          </a:xfrm>
+          <a:prstGeom prst="straightConnector1">
+            <a:avLst/>
+          </a:prstGeom>
+          <a:ln w="38100">
+            <a:solidFill>
+              <a:schemeClr val="tx1"/>
+            </a:solidFill>
+            <a:tailEnd type="triangle"/>
+          </a:ln>
+        </p:spPr>
+        <p:style>
+          <a:lnRef idx="2">
+            <a:schemeClr val="accent1"/>
+          </a:lnRef>
+          <a:fillRef idx="0">
+            <a:schemeClr val="accent1"/>
+          </a:fillRef>
+          <a:effectRef idx="1">
+            <a:schemeClr val="accent1"/>
+          </a:effectRef>
+          <a:fontRef idx="minor">
+            <a:schemeClr val="tx1"/>
+          </a:fontRef>
+        </p:style>
+      </p:cxnSp>
+      <p:cxnSp>
+        <p:nvCxnSpPr>
+          <p:cNvPr id="23" name="直接箭头连接符 22">
+            <a:extLst>
+              <a:ext uri="{FF2B5EF4-FFF2-40B4-BE49-F238E27FC236}">
+                <a16:creationId xmlns:a16="http://schemas.microsoft.com/office/drawing/2014/main" id="{8E2A3C48-C5FE-B02B-D76B-99EEFF6D2DD1}"/>
+              </a:ext>
+            </a:extLst>
+          </p:cNvPr>
+          <p:cNvCxnSpPr>
+            <a:cxnSpLocks/>
+            <a:stCxn id="18" idx="2"/>
+            <a:endCxn id="19" idx="0"/>
+          </p:cNvCxnSpPr>
+          <p:nvPr/>
+        </p:nvCxnSpPr>
+        <p:spPr>
+          <a:xfrm>
+            <a:off x="3270202" y="2900143"/>
+            <a:ext cx="0" cy="528857"/>
+          </a:xfrm>
+          <a:prstGeom prst="straightConnector1">
+            <a:avLst/>
+          </a:prstGeom>
+          <a:ln w="38100">
+            <a:solidFill>
+              <a:schemeClr val="tx1"/>
+            </a:solidFill>
+            <a:tailEnd type="triangle"/>
+          </a:ln>
+        </p:spPr>
+        <p:style>
+          <a:lnRef idx="2">
+            <a:schemeClr val="accent1"/>
+          </a:lnRef>
+          <a:fillRef idx="0">
+            <a:schemeClr val="accent1"/>
+          </a:fillRef>
+          <a:effectRef idx="1">
+            <a:schemeClr val="accent1"/>
+          </a:effectRef>
+          <a:fontRef idx="minor">
+            <a:schemeClr val="tx1"/>
+          </a:fontRef>
+        </p:style>
+      </p:cxnSp>
+      <p:cxnSp>
+        <p:nvCxnSpPr>
+          <p:cNvPr id="35" name="直接箭头连接符 34">
+            <a:extLst>
+              <a:ext uri="{FF2B5EF4-FFF2-40B4-BE49-F238E27FC236}">
+                <a16:creationId xmlns:a16="http://schemas.microsoft.com/office/drawing/2014/main" id="{629E37EC-9565-0F5C-3A6E-6902C1759233}"/>
+              </a:ext>
+            </a:extLst>
+          </p:cNvPr>
+          <p:cNvCxnSpPr>
+            <a:cxnSpLocks/>
+            <a:stCxn id="19" idx="2"/>
+          </p:cNvCxnSpPr>
+          <p:nvPr/>
+        </p:nvCxnSpPr>
+        <p:spPr>
+          <a:xfrm>
+            <a:off x="3270202" y="3789000"/>
+            <a:ext cx="0" cy="290629"/>
+          </a:xfrm>
+          <a:prstGeom prst="straightConnector1">
+            <a:avLst/>
+          </a:prstGeom>
+          <a:ln w="38100">
+            <a:solidFill>
+              <a:schemeClr val="tx1"/>
+            </a:solidFill>
+            <a:tailEnd type="triangle"/>
+          </a:ln>
+        </p:spPr>
+        <p:style>
+          <a:lnRef idx="2">
+            <a:schemeClr val="accent1"/>
+          </a:lnRef>
+          <a:fillRef idx="0">
+            <a:schemeClr val="accent1"/>
+          </a:fillRef>
+          <a:effectRef idx="1">
+            <a:schemeClr val="accent1"/>
+          </a:effectRef>
+          <a:fontRef idx="minor">
+            <a:schemeClr val="tx1"/>
+          </a:fontRef>
+        </p:style>
+      </p:cxnSp>
+      <p:cxnSp>
+        <p:nvCxnSpPr>
+          <p:cNvPr id="47" name="直接箭头连接符 46">
+            <a:extLst>
+              <a:ext uri="{FF2B5EF4-FFF2-40B4-BE49-F238E27FC236}">
+                <a16:creationId xmlns:a16="http://schemas.microsoft.com/office/drawing/2014/main" id="{EF2DAE78-54B7-E9D2-8B62-69FB84156166}"/>
+              </a:ext>
+            </a:extLst>
+          </p:cNvPr>
+          <p:cNvCxnSpPr>
+            <a:cxnSpLocks/>
+          </p:cNvCxnSpPr>
+          <p:nvPr/>
+        </p:nvCxnSpPr>
+        <p:spPr>
+          <a:xfrm>
+            <a:off x="8233376" y="2028325"/>
+            <a:ext cx="0" cy="331818"/>
+          </a:xfrm>
+          <a:prstGeom prst="straightConnector1">
+            <a:avLst/>
+          </a:prstGeom>
+          <a:ln w="38100">
+            <a:solidFill>
+              <a:schemeClr val="tx1"/>
+            </a:solidFill>
+            <a:tailEnd type="triangle"/>
+          </a:ln>
+        </p:spPr>
+        <p:style>
+          <a:lnRef idx="2">
+            <a:schemeClr val="accent1"/>
+          </a:lnRef>
+          <a:fillRef idx="0">
+            <a:schemeClr val="accent1"/>
+          </a:fillRef>
+          <a:effectRef idx="1">
+            <a:schemeClr val="accent1"/>
+          </a:effectRef>
+          <a:fontRef idx="minor">
+            <a:schemeClr val="tx1"/>
+          </a:fontRef>
+        </p:style>
+      </p:cxnSp>
+      <p:cxnSp>
+        <p:nvCxnSpPr>
+          <p:cNvPr id="48" name="直接箭头连接符 47">
+            <a:extLst>
+              <a:ext uri="{FF2B5EF4-FFF2-40B4-BE49-F238E27FC236}">
+                <a16:creationId xmlns:a16="http://schemas.microsoft.com/office/drawing/2014/main" id="{75893456-AA30-33EC-02CD-5AE98EE6C1BD}"/>
+              </a:ext>
+            </a:extLst>
+          </p:cNvPr>
+          <p:cNvCxnSpPr>
+            <a:cxnSpLocks/>
+          </p:cNvCxnSpPr>
+          <p:nvPr/>
+        </p:nvCxnSpPr>
+        <p:spPr>
+          <a:xfrm>
+            <a:off x="8233376" y="2900143"/>
+            <a:ext cx="0" cy="528857"/>
+          </a:xfrm>
+          <a:prstGeom prst="straightConnector1">
+            <a:avLst/>
+          </a:prstGeom>
+          <a:ln w="38100">
+            <a:solidFill>
+              <a:schemeClr val="tx1"/>
+            </a:solidFill>
+            <a:tailEnd type="triangle"/>
+          </a:ln>
+        </p:spPr>
+        <p:style>
+          <a:lnRef idx="2">
+            <a:schemeClr val="accent1"/>
+          </a:lnRef>
+          <a:fillRef idx="0">
+            <a:schemeClr val="accent1"/>
+          </a:fillRef>
+          <a:effectRef idx="1">
+            <a:schemeClr val="accent1"/>
+          </a:effectRef>
+          <a:fontRef idx="minor">
+            <a:schemeClr val="tx1"/>
+          </a:fontRef>
+        </p:style>
+      </p:cxnSp>
+      <p:cxnSp>
+        <p:nvCxnSpPr>
+          <p:cNvPr id="49" name="直接箭头连接符 48">
+            <a:extLst>
+              <a:ext uri="{FF2B5EF4-FFF2-40B4-BE49-F238E27FC236}">
+                <a16:creationId xmlns:a16="http://schemas.microsoft.com/office/drawing/2014/main" id="{CEA442C8-C787-AF8A-7F7B-8D7A99164663}"/>
+              </a:ext>
+            </a:extLst>
+          </p:cNvPr>
+          <p:cNvCxnSpPr>
+            <a:cxnSpLocks/>
+          </p:cNvCxnSpPr>
+          <p:nvPr/>
+        </p:nvCxnSpPr>
+        <p:spPr>
+          <a:xfrm>
+            <a:off x="8233376" y="3789000"/>
+            <a:ext cx="0" cy="290629"/>
+          </a:xfrm>
+          <a:prstGeom prst="straightConnector1">
+            <a:avLst/>
+          </a:prstGeom>
+          <a:ln w="38100">
+            <a:solidFill>
+              <a:schemeClr val="tx1"/>
+            </a:solidFill>
+            <a:tailEnd type="triangle"/>
+          </a:ln>
+        </p:spPr>
+        <p:style>
+          <a:lnRef idx="2">
+            <a:schemeClr val="accent1"/>
+          </a:lnRef>
+          <a:fillRef idx="0">
+            <a:schemeClr val="accent1"/>
+          </a:fillRef>
+          <a:effectRef idx="1">
+            <a:schemeClr val="accent1"/>
+          </a:effectRef>
+          <a:fontRef idx="minor">
+            <a:schemeClr val="tx1"/>
+          </a:fontRef>
+        </p:style>
+      </p:cxnSp>
+    </p:spTree>
+    <p:extLst>
+      <p:ext uri="{BB962C8B-B14F-4D97-AF65-F5344CB8AC3E}">
+        <p14:creationId xmlns:p14="http://schemas.microsoft.com/office/powerpoint/2010/main" val="3748335547"/>
+      </p:ext>
+    </p:extLst>
+  </p:cSld>
+  <p:clrMapOvr>
+    <a:masterClrMapping/>
+  </p:clrMapOvr>
+</p:sld>
+</file>
+
+<file path=ppt/slides/slide3.xml><?xml version="1.0" encoding="utf-8"?>
+<p:sld xmlns:a="http://schemas.openxmlformats.org/drawingml/2006/main" xmlns:r="http://schemas.openxmlformats.org/officeDocument/2006/relationships" xmlns:p="http://schemas.openxmlformats.org/presentationml/2006/main">
+  <p:cSld>
+    <p:spTree>
+      <p:nvGrpSpPr>
+        <p:cNvPr id="1" name="">
+          <a:extLst>
+            <a:ext uri="{FF2B5EF4-FFF2-40B4-BE49-F238E27FC236}">
               <a16:creationId xmlns:a16="http://schemas.microsoft.com/office/drawing/2014/main" id="{613E74EF-7C0A-B25A-97D6-3CAF66CFA86D}"/>
             </a:ext>
           </a:extLst>
@@ -7220,7 +9204,562 @@
 </p:sld>
 </file>
 
-<file path=ppt/slides/slide3.xml><?xml version="1.0" encoding="utf-8"?>
+<file path=ppt/slides/slide4.xml><?xml version="1.0" encoding="utf-8"?>
+<p:sld xmlns:a="http://schemas.openxmlformats.org/drawingml/2006/main" xmlns:r="http://schemas.openxmlformats.org/officeDocument/2006/relationships" xmlns:p="http://schemas.openxmlformats.org/presentationml/2006/main">
+  <p:cSld>
+    <p:spTree>
+      <p:nvGrpSpPr>
+        <p:cNvPr id="1" name=""/>
+        <p:cNvGrpSpPr/>
+        <p:nvPr/>
+      </p:nvGrpSpPr>
+      <p:grpSpPr>
+        <a:xfrm>
+          <a:off x="0" y="0"/>
+          <a:ext cx="0" cy="0"/>
+          <a:chOff x="0" y="0"/>
+          <a:chExt cx="0" cy="0"/>
+        </a:xfrm>
+      </p:grpSpPr>
+      <p:sp>
+        <p:nvSpPr>
+          <p:cNvPr id="6" name="矩形: 圆角 5">
+            <a:extLst>
+              <a:ext uri="{FF2B5EF4-FFF2-40B4-BE49-F238E27FC236}">
+                <a16:creationId xmlns:a16="http://schemas.microsoft.com/office/drawing/2014/main" id="{4AD9FBBB-0629-0FC5-723D-D46D9A56BB67}"/>
+              </a:ext>
+            </a:extLst>
+          </p:cNvPr>
+          <p:cNvSpPr/>
+          <p:nvPr/>
+        </p:nvSpPr>
+        <p:spPr>
+          <a:xfrm>
+            <a:off x="4812758" y="3364513"/>
+            <a:ext cx="1576918" cy="723761"/>
+          </a:xfrm>
+          <a:prstGeom prst="roundRect">
+            <a:avLst>
+              <a:gd name="adj" fmla="val 12992"/>
+            </a:avLst>
+          </a:prstGeom>
+          <a:solidFill>
+            <a:schemeClr val="accent2">
+              <a:lumMod val="75000"/>
+            </a:schemeClr>
+          </a:solidFill>
+          <a:ln w="28575">
+            <a:noFill/>
+            <a:prstDash val="dash"/>
+          </a:ln>
+        </p:spPr>
+        <p:style>
+          <a:lnRef idx="2">
+            <a:schemeClr val="accent1">
+              <a:shade val="15000"/>
+            </a:schemeClr>
+          </a:lnRef>
+          <a:fillRef idx="1">
+            <a:schemeClr val="accent1"/>
+          </a:fillRef>
+          <a:effectRef idx="0">
+            <a:schemeClr val="accent1"/>
+          </a:effectRef>
+          <a:fontRef idx="minor">
+            <a:schemeClr val="lt1"/>
+          </a:fontRef>
+        </p:style>
+        <p:txBody>
+          <a:bodyPr rtlCol="0" anchor="ctr"/>
+          <a:lstStyle/>
+          <a:p>
+            <a:pPr algn="ctr"/>
+            <a:r>
+              <a:rPr lang="en-US" altLang="zh-CN" sz="2000" dirty="0">
+                <a:solidFill>
+                  <a:schemeClr val="bg1"/>
+                </a:solidFill>
+              </a:rPr>
+              <a:t>Separable Convolution</a:t>
+            </a:r>
+            <a:endParaRPr lang="zh-CN" altLang="en-US" sz="2000" dirty="0">
+              <a:solidFill>
+                <a:schemeClr val="bg1"/>
+              </a:solidFill>
+            </a:endParaRPr>
+          </a:p>
+        </p:txBody>
+      </p:sp>
+      <p:sp>
+        <p:nvSpPr>
+          <p:cNvPr id="7" name="矩形 6">
+            <a:extLst>
+              <a:ext uri="{FF2B5EF4-FFF2-40B4-BE49-F238E27FC236}">
+                <a16:creationId xmlns:a16="http://schemas.microsoft.com/office/drawing/2014/main" id="{AB0D49AB-42DF-2718-BAF3-8FADECD5403C}"/>
+              </a:ext>
+            </a:extLst>
+          </p:cNvPr>
+          <p:cNvSpPr/>
+          <p:nvPr/>
+        </p:nvSpPr>
+        <p:spPr>
+          <a:xfrm>
+            <a:off x="1969993" y="1033144"/>
+            <a:ext cx="1474026" cy="687093"/>
+          </a:xfrm>
+          <a:prstGeom prst="rect">
+            <a:avLst/>
+          </a:prstGeom>
+          <a:solidFill>
+            <a:srgbClr val="FFCC80"/>
+          </a:solidFill>
+          <a:ln>
+            <a:noFill/>
+          </a:ln>
+        </p:spPr>
+        <p:style>
+          <a:lnRef idx="2">
+            <a:schemeClr val="accent1">
+              <a:shade val="15000"/>
+            </a:schemeClr>
+          </a:lnRef>
+          <a:fillRef idx="1">
+            <a:schemeClr val="accent1"/>
+          </a:fillRef>
+          <a:effectRef idx="0">
+            <a:schemeClr val="accent1"/>
+          </a:effectRef>
+          <a:fontRef idx="minor">
+            <a:schemeClr val="lt1"/>
+          </a:fontRef>
+        </p:style>
+        <p:txBody>
+          <a:bodyPr rtlCol="0" anchor="ctr"/>
+          <a:lstStyle/>
+          <a:p>
+            <a:pPr algn="ctr"/>
+            <a:r>
+              <a:rPr lang="en-US" altLang="zh-CN" dirty="0" err="1">
+                <a:solidFill>
+                  <a:schemeClr val="tx1"/>
+                </a:solidFill>
+              </a:rPr>
+              <a:t>depthwise</a:t>
+            </a:r>
+            <a:r>
+              <a:rPr lang="en-US" altLang="zh-CN" dirty="0">
+                <a:solidFill>
+                  <a:schemeClr val="tx1"/>
+                </a:solidFill>
+              </a:rPr>
+              <a:t> conv</a:t>
+            </a:r>
+            <a:endParaRPr lang="zh-CN" altLang="en-US" dirty="0">
+              <a:solidFill>
+                <a:schemeClr val="tx1"/>
+              </a:solidFill>
+            </a:endParaRPr>
+          </a:p>
+        </p:txBody>
+      </p:sp>
+      <p:sp>
+        <p:nvSpPr>
+          <p:cNvPr id="8" name="矩形 7">
+            <a:extLst>
+              <a:ext uri="{FF2B5EF4-FFF2-40B4-BE49-F238E27FC236}">
+                <a16:creationId xmlns:a16="http://schemas.microsoft.com/office/drawing/2014/main" id="{F33A92F6-09E1-2DFA-D60B-581B9CA1FB37}"/>
+              </a:ext>
+            </a:extLst>
+          </p:cNvPr>
+          <p:cNvSpPr/>
+          <p:nvPr/>
+        </p:nvSpPr>
+        <p:spPr>
+          <a:xfrm>
+            <a:off x="1969989" y="2028329"/>
+            <a:ext cx="1474026" cy="360000"/>
+          </a:xfrm>
+          <a:prstGeom prst="rect">
+            <a:avLst/>
+          </a:prstGeom>
+          <a:solidFill>
+            <a:srgbClr val="FFCC80"/>
+          </a:solidFill>
+          <a:ln>
+            <a:noFill/>
+          </a:ln>
+        </p:spPr>
+        <p:style>
+          <a:lnRef idx="2">
+            <a:schemeClr val="accent1">
+              <a:shade val="15000"/>
+            </a:schemeClr>
+          </a:lnRef>
+          <a:fillRef idx="1">
+            <a:schemeClr val="accent1"/>
+          </a:fillRef>
+          <a:effectRef idx="0">
+            <a:schemeClr val="accent1"/>
+          </a:effectRef>
+          <a:fontRef idx="minor">
+            <a:schemeClr val="lt1"/>
+          </a:fontRef>
+        </p:style>
+        <p:txBody>
+          <a:bodyPr rtlCol="0" anchor="ctr"/>
+          <a:lstStyle/>
+          <a:p>
+            <a:pPr algn="ctr"/>
+            <a:r>
+              <a:rPr lang="en-US" altLang="zh-CN" dirty="0" err="1">
+                <a:solidFill>
+                  <a:schemeClr val="tx1"/>
+                </a:solidFill>
+              </a:rPr>
+              <a:t>batchNorm</a:t>
+            </a:r>
+            <a:endParaRPr lang="zh-CN" altLang="en-US" dirty="0">
+              <a:solidFill>
+                <a:schemeClr val="tx1"/>
+              </a:solidFill>
+            </a:endParaRPr>
+          </a:p>
+        </p:txBody>
+      </p:sp>
+      <p:sp>
+        <p:nvSpPr>
+          <p:cNvPr id="9" name="矩形 8">
+            <a:extLst>
+              <a:ext uri="{FF2B5EF4-FFF2-40B4-BE49-F238E27FC236}">
+                <a16:creationId xmlns:a16="http://schemas.microsoft.com/office/drawing/2014/main" id="{7BF0876D-5796-1D3C-E70E-3A5C6BEF3CEA}"/>
+              </a:ext>
+            </a:extLst>
+          </p:cNvPr>
+          <p:cNvSpPr/>
+          <p:nvPr/>
+        </p:nvSpPr>
+        <p:spPr>
+          <a:xfrm>
+            <a:off x="1969990" y="2606420"/>
+            <a:ext cx="1474025" cy="360000"/>
+          </a:xfrm>
+          <a:prstGeom prst="rect">
+            <a:avLst/>
+          </a:prstGeom>
+          <a:solidFill>
+            <a:srgbClr val="FFCC80"/>
+          </a:solidFill>
+          <a:ln>
+            <a:noFill/>
+          </a:ln>
+        </p:spPr>
+        <p:style>
+          <a:lnRef idx="2">
+            <a:schemeClr val="accent1">
+              <a:shade val="15000"/>
+            </a:schemeClr>
+          </a:lnRef>
+          <a:fillRef idx="1">
+            <a:schemeClr val="accent1"/>
+          </a:fillRef>
+          <a:effectRef idx="0">
+            <a:schemeClr val="accent1"/>
+          </a:effectRef>
+          <a:fontRef idx="minor">
+            <a:schemeClr val="lt1"/>
+          </a:fontRef>
+        </p:style>
+        <p:txBody>
+          <a:bodyPr rtlCol="0" anchor="ctr"/>
+          <a:lstStyle/>
+          <a:p>
+            <a:pPr algn="ctr"/>
+            <a:r>
+              <a:rPr lang="en-US" altLang="zh-CN" dirty="0">
+                <a:solidFill>
+                  <a:schemeClr val="tx1"/>
+                </a:solidFill>
+              </a:rPr>
+              <a:t>ReLU</a:t>
+            </a:r>
+            <a:endParaRPr lang="zh-CN" altLang="en-US" dirty="0">
+              <a:solidFill>
+                <a:schemeClr val="tx1"/>
+              </a:solidFill>
+            </a:endParaRPr>
+          </a:p>
+        </p:txBody>
+      </p:sp>
+      <p:sp>
+        <p:nvSpPr>
+          <p:cNvPr id="10" name="矩形 9">
+            <a:extLst>
+              <a:ext uri="{FF2B5EF4-FFF2-40B4-BE49-F238E27FC236}">
+                <a16:creationId xmlns:a16="http://schemas.microsoft.com/office/drawing/2014/main" id="{3643259D-6E74-003B-133A-E62078C9D60D}"/>
+              </a:ext>
+            </a:extLst>
+          </p:cNvPr>
+          <p:cNvSpPr/>
+          <p:nvPr/>
+        </p:nvSpPr>
+        <p:spPr>
+          <a:xfrm>
+            <a:off x="1969989" y="3364513"/>
+            <a:ext cx="1474026" cy="540000"/>
+          </a:xfrm>
+          <a:prstGeom prst="rect">
+            <a:avLst/>
+          </a:prstGeom>
+          <a:solidFill>
+            <a:srgbClr val="FFCC80"/>
+          </a:solidFill>
+          <a:ln>
+            <a:noFill/>
+          </a:ln>
+        </p:spPr>
+        <p:style>
+          <a:lnRef idx="2">
+            <a:schemeClr val="accent1">
+              <a:shade val="15000"/>
+            </a:schemeClr>
+          </a:lnRef>
+          <a:fillRef idx="1">
+            <a:schemeClr val="accent1"/>
+          </a:fillRef>
+          <a:effectRef idx="0">
+            <a:schemeClr val="accent1"/>
+          </a:effectRef>
+          <a:fontRef idx="minor">
+            <a:schemeClr val="lt1"/>
+          </a:fontRef>
+        </p:style>
+        <p:txBody>
+          <a:bodyPr rtlCol="0" anchor="ctr"/>
+          <a:lstStyle/>
+          <a:p>
+            <a:pPr algn="ctr"/>
+            <a:r>
+              <a:rPr lang="en-US" altLang="zh-CN" dirty="0">
+                <a:solidFill>
+                  <a:schemeClr val="tx1"/>
+                </a:solidFill>
+              </a:rPr>
+              <a:t>conv(1x1)</a:t>
+            </a:r>
+            <a:endParaRPr lang="zh-CN" altLang="en-US" dirty="0">
+              <a:solidFill>
+                <a:schemeClr val="tx1"/>
+              </a:solidFill>
+            </a:endParaRPr>
+          </a:p>
+        </p:txBody>
+      </p:sp>
+      <p:sp>
+        <p:nvSpPr>
+          <p:cNvPr id="11" name="矩形 10">
+            <a:extLst>
+              <a:ext uri="{FF2B5EF4-FFF2-40B4-BE49-F238E27FC236}">
+                <a16:creationId xmlns:a16="http://schemas.microsoft.com/office/drawing/2014/main" id="{40D376BA-C7D3-CECF-1105-DEE5BA83A4AE}"/>
+              </a:ext>
+            </a:extLst>
+          </p:cNvPr>
+          <p:cNvSpPr/>
+          <p:nvPr/>
+        </p:nvSpPr>
+        <p:spPr>
+          <a:xfrm>
+            <a:off x="1969989" y="4212605"/>
+            <a:ext cx="1474026" cy="360000"/>
+          </a:xfrm>
+          <a:prstGeom prst="rect">
+            <a:avLst/>
+          </a:prstGeom>
+          <a:solidFill>
+            <a:srgbClr val="FFCC80"/>
+          </a:solidFill>
+          <a:ln>
+            <a:noFill/>
+          </a:ln>
+        </p:spPr>
+        <p:style>
+          <a:lnRef idx="2">
+            <a:schemeClr val="accent1">
+              <a:shade val="15000"/>
+            </a:schemeClr>
+          </a:lnRef>
+          <a:fillRef idx="1">
+            <a:schemeClr val="accent1"/>
+          </a:fillRef>
+          <a:effectRef idx="0">
+            <a:schemeClr val="accent1"/>
+          </a:effectRef>
+          <a:fontRef idx="minor">
+            <a:schemeClr val="lt1"/>
+          </a:fontRef>
+        </p:style>
+        <p:txBody>
+          <a:bodyPr rtlCol="0" anchor="ctr"/>
+          <a:lstStyle/>
+          <a:p>
+            <a:pPr algn="ctr"/>
+            <a:r>
+              <a:rPr lang="en-US" altLang="zh-CN" dirty="0" err="1">
+                <a:solidFill>
+                  <a:schemeClr val="tx1"/>
+                </a:solidFill>
+              </a:rPr>
+              <a:t>batchNorm</a:t>
+            </a:r>
+            <a:endParaRPr lang="zh-CN" altLang="en-US" dirty="0">
+              <a:solidFill>
+                <a:schemeClr val="tx1"/>
+              </a:solidFill>
+            </a:endParaRPr>
+          </a:p>
+        </p:txBody>
+      </p:sp>
+      <p:sp>
+        <p:nvSpPr>
+          <p:cNvPr id="12" name="矩形 11">
+            <a:extLst>
+              <a:ext uri="{FF2B5EF4-FFF2-40B4-BE49-F238E27FC236}">
+                <a16:creationId xmlns:a16="http://schemas.microsoft.com/office/drawing/2014/main" id="{2C77C4B0-BD6B-5910-F20D-724D75E6D897}"/>
+              </a:ext>
+            </a:extLst>
+          </p:cNvPr>
+          <p:cNvSpPr/>
+          <p:nvPr/>
+        </p:nvSpPr>
+        <p:spPr>
+          <a:xfrm>
+            <a:off x="1969990" y="4880699"/>
+            <a:ext cx="1474026" cy="360000"/>
+          </a:xfrm>
+          <a:prstGeom prst="rect">
+            <a:avLst/>
+          </a:prstGeom>
+          <a:solidFill>
+            <a:srgbClr val="FFCC80"/>
+          </a:solidFill>
+          <a:ln>
+            <a:noFill/>
+          </a:ln>
+        </p:spPr>
+        <p:style>
+          <a:lnRef idx="2">
+            <a:schemeClr val="accent1">
+              <a:shade val="15000"/>
+            </a:schemeClr>
+          </a:lnRef>
+          <a:fillRef idx="1">
+            <a:schemeClr val="accent1"/>
+          </a:fillRef>
+          <a:effectRef idx="0">
+            <a:schemeClr val="accent1"/>
+          </a:effectRef>
+          <a:fontRef idx="minor">
+            <a:schemeClr val="lt1"/>
+          </a:fontRef>
+        </p:style>
+        <p:txBody>
+          <a:bodyPr rtlCol="0" anchor="ctr"/>
+          <a:lstStyle/>
+          <a:p>
+            <a:pPr algn="ctr"/>
+            <a:r>
+              <a:rPr lang="en-US" altLang="zh-CN" dirty="0">
+                <a:solidFill>
+                  <a:schemeClr val="tx1"/>
+                </a:solidFill>
+              </a:rPr>
+              <a:t>ReLU</a:t>
+            </a:r>
+            <a:endParaRPr lang="zh-CN" altLang="en-US" dirty="0">
+              <a:solidFill>
+                <a:schemeClr val="tx1"/>
+              </a:solidFill>
+            </a:endParaRPr>
+          </a:p>
+        </p:txBody>
+      </p:sp>
+      <p:sp>
+        <p:nvSpPr>
+          <p:cNvPr id="13" name="矩形 12">
+            <a:extLst>
+              <a:ext uri="{FF2B5EF4-FFF2-40B4-BE49-F238E27FC236}">
+                <a16:creationId xmlns:a16="http://schemas.microsoft.com/office/drawing/2014/main" id="{969E28F0-A54B-9493-6310-9F4643C1A0B8}"/>
+              </a:ext>
+            </a:extLst>
+          </p:cNvPr>
+          <p:cNvSpPr/>
+          <p:nvPr/>
+        </p:nvSpPr>
+        <p:spPr>
+          <a:xfrm>
+            <a:off x="5077367" y="1432237"/>
+            <a:ext cx="1380018" cy="576000"/>
+          </a:xfrm>
+          <a:prstGeom prst="rect">
+            <a:avLst/>
+          </a:prstGeom>
+          <a:solidFill>
+            <a:srgbClr val="FFCC80"/>
+          </a:solidFill>
+          <a:ln>
+            <a:noFill/>
+          </a:ln>
+        </p:spPr>
+        <p:style>
+          <a:lnRef idx="2">
+            <a:schemeClr val="accent1">
+              <a:shade val="15000"/>
+            </a:schemeClr>
+          </a:lnRef>
+          <a:fillRef idx="1">
+            <a:schemeClr val="accent1"/>
+          </a:fillRef>
+          <a:effectRef idx="0">
+            <a:schemeClr val="accent1"/>
+          </a:effectRef>
+          <a:fontRef idx="minor">
+            <a:schemeClr val="lt1"/>
+          </a:fontRef>
+        </p:style>
+        <p:txBody>
+          <a:bodyPr rtlCol="0" anchor="ctr"/>
+          <a:lstStyle/>
+          <a:p>
+            <a:pPr algn="ctr"/>
+            <a:r>
+              <a:rPr lang="en-US" altLang="zh-CN" dirty="0">
+                <a:solidFill>
+                  <a:schemeClr val="tx1"/>
+                </a:solidFill>
+              </a:rPr>
+              <a:t>conv</a:t>
+            </a:r>
+            <a:endParaRPr lang="zh-CN" altLang="en-US" dirty="0">
+              <a:solidFill>
+                <a:schemeClr val="tx1"/>
+              </a:solidFill>
+            </a:endParaRPr>
+          </a:p>
+        </p:txBody>
+      </p:sp>
+    </p:spTree>
+    <p:extLst>
+      <p:ext uri="{BB962C8B-B14F-4D97-AF65-F5344CB8AC3E}">
+        <p14:creationId xmlns:p14="http://schemas.microsoft.com/office/powerpoint/2010/main" val="1180714676"/>
+      </p:ext>
+    </p:extLst>
+  </p:cSld>
+  <p:clrMapOvr>
+    <a:masterClrMapping/>
+  </p:clrMapOvr>
+</p:sld>
+</file>
+
+<file path=ppt/slides/slide5.xml><?xml version="1.0" encoding="utf-8"?>
 <p:sld xmlns:a="http://schemas.openxmlformats.org/drawingml/2006/main" xmlns:r="http://schemas.openxmlformats.org/officeDocument/2006/relationships" xmlns:p="http://schemas.openxmlformats.org/presentationml/2006/main">
   <p:cSld>
     <p:spTree>
